--- a/Slides/Week 2 - Part 1 - Page design.pptx
+++ b/Slides/Week 2 - Part 1 - Page design.pptx
@@ -19,7 +19,10 @@
     <p:sldId id="284" r:id="rId16"/>
     <p:sldId id="285" r:id="rId17"/>
     <p:sldId id="286" r:id="rId18"/>
-    <p:sldId id="266" r:id="rId19"/>
+    <p:sldId id="288" r:id="rId19"/>
+    <p:sldId id="289" r:id="rId20"/>
+    <p:sldId id="290" r:id="rId21"/>
+    <p:sldId id="266" r:id="rId22"/>
   </p:sldIdLst>
   <p:sldSz cx="12192000" cy="6858000"/>
   <p:notesSz cx="6858000" cy="9144000"/>
@@ -2918,13 +2921,8 @@
           <a:p>
             <a:r>
               <a:rPr lang="en-US" dirty="0" smtClean="0"/>
-              <a:t>Elegant way to display multiple </a:t>
-            </a:r>
-            <a:r>
-              <a:rPr lang="en-US" dirty="0" smtClean="0"/>
-              <a:t>pictures</a:t>
-            </a:r>
-            <a:endParaRPr lang="en-US" dirty="0" smtClean="0"/>
+              <a:t>Elegant way to display multiple pictures</a:t>
+            </a:r>
           </a:p>
         </p:txBody>
       </p:sp>
@@ -3158,6 +3156,670 @@
 </file>
 
 <file path=ppt/slides/slide15.xml><?xml version="1.0" encoding="utf-8"?>
+<p:sld xmlns:a="http://schemas.openxmlformats.org/drawingml/2006/main" xmlns:r="http://schemas.openxmlformats.org/officeDocument/2006/relationships" xmlns:p="http://schemas.openxmlformats.org/presentationml/2006/main">
+  <p:cSld>
+    <p:spTree>
+      <p:nvGrpSpPr>
+        <p:cNvPr id="1" name=""/>
+        <p:cNvGrpSpPr/>
+        <p:nvPr/>
+      </p:nvGrpSpPr>
+      <p:grpSpPr>
+        <a:xfrm>
+          <a:off x="0" y="0"/>
+          <a:ext cx="0" cy="0"/>
+          <a:chOff x="0" y="0"/>
+          <a:chExt cx="0" cy="0"/>
+        </a:xfrm>
+      </p:grpSpPr>
+      <p:sp>
+        <p:nvSpPr>
+          <p:cNvPr id="2" name="Title 1"/>
+          <p:cNvSpPr>
+            <a:spLocks noGrp="1"/>
+          </p:cNvSpPr>
+          <p:nvPr>
+            <p:ph type="title"/>
+          </p:nvPr>
+        </p:nvSpPr>
+        <p:spPr/>
+        <p:txBody>
+          <a:bodyPr/>
+          <a:lstStyle/>
+          <a:p>
+            <a:r>
+              <a:rPr lang="en-US" dirty="0" smtClean="0"/>
+              <a:t>Controlling Visibility</a:t>
+            </a:r>
+            <a:endParaRPr lang="en-US" dirty="0"/>
+          </a:p>
+        </p:txBody>
+      </p:sp>
+      <p:sp>
+        <p:nvSpPr>
+          <p:cNvPr id="3" name="Content Placeholder 2"/>
+          <p:cNvSpPr>
+            <a:spLocks noGrp="1"/>
+          </p:cNvSpPr>
+          <p:nvPr>
+            <p:ph sz="quarter" idx="10"/>
+          </p:nvPr>
+        </p:nvSpPr>
+        <p:spPr/>
+        <p:txBody>
+          <a:bodyPr/>
+          <a:lstStyle/>
+          <a:p>
+            <a:r>
+              <a:rPr lang="en-US" dirty="0" smtClean="0"/>
+              <a:t>Options</a:t>
+            </a:r>
+          </a:p>
+          <a:p>
+            <a:pPr lvl="1"/>
+            <a:r>
+              <a:rPr lang="en-US" dirty="0" smtClean="0"/>
+              <a:t>Hidden</a:t>
+            </a:r>
+          </a:p>
+          <a:p>
+            <a:pPr lvl="2"/>
+            <a:r>
+              <a:rPr lang="en-US" dirty="0" smtClean="0"/>
+              <a:t>Visible by default</a:t>
+            </a:r>
+          </a:p>
+          <a:p>
+            <a:pPr lvl="1"/>
+            <a:r>
+              <a:rPr lang="en-US" dirty="0" smtClean="0"/>
+              <a:t>Visible</a:t>
+            </a:r>
+          </a:p>
+          <a:p>
+            <a:pPr lvl="2"/>
+            <a:r>
+              <a:rPr lang="en-US" dirty="0" smtClean="0"/>
+              <a:t>Hidden by default</a:t>
+            </a:r>
+          </a:p>
+          <a:p>
+            <a:r>
+              <a:rPr lang="en-US" dirty="0" smtClean="0"/>
+              <a:t>Modes</a:t>
+            </a:r>
+          </a:p>
+          <a:p>
+            <a:pPr lvl="1"/>
+            <a:r>
+              <a:rPr lang="en-US" dirty="0" smtClean="0"/>
+              <a:t>Screen size</a:t>
+            </a:r>
+          </a:p>
+          <a:p>
+            <a:pPr lvl="1"/>
+            <a:r>
+              <a:rPr lang="en-US" dirty="0" smtClean="0"/>
+              <a:t>Print</a:t>
+            </a:r>
+            <a:endParaRPr lang="en-US" dirty="0"/>
+          </a:p>
+        </p:txBody>
+      </p:sp>
+    </p:spTree>
+    <p:extLst>
+      <p:ext uri="{BB962C8B-B14F-4D97-AF65-F5344CB8AC3E}">
+        <p14:creationId xmlns:p14="http://schemas.microsoft.com/office/powerpoint/2010/main" val="2378960574"/>
+      </p:ext>
+    </p:extLst>
+  </p:cSld>
+  <p:clrMapOvr>
+    <a:masterClrMapping/>
+  </p:clrMapOvr>
+  <p:timing>
+    <p:tnLst>
+      <p:par>
+        <p:cTn id="1" dur="indefinite" restart="never" nodeType="tmRoot"/>
+      </p:par>
+    </p:tnLst>
+  </p:timing>
+</p:sld>
+</file>
+
+<file path=ppt/slides/slide16.xml><?xml version="1.0" encoding="utf-8"?>
+<p:sld xmlns:a="http://schemas.openxmlformats.org/drawingml/2006/main" xmlns:r="http://schemas.openxmlformats.org/officeDocument/2006/relationships" xmlns:p="http://schemas.openxmlformats.org/presentationml/2006/main">
+  <p:cSld>
+    <p:spTree>
+      <p:nvGrpSpPr>
+        <p:cNvPr id="1" name=""/>
+        <p:cNvGrpSpPr/>
+        <p:nvPr/>
+      </p:nvGrpSpPr>
+      <p:grpSpPr>
+        <a:xfrm>
+          <a:off x="0" y="0"/>
+          <a:ext cx="0" cy="0"/>
+          <a:chOff x="0" y="0"/>
+          <a:chExt cx="0" cy="0"/>
+        </a:xfrm>
+      </p:grpSpPr>
+      <p:sp>
+        <p:nvSpPr>
+          <p:cNvPr id="2" name="Title 1"/>
+          <p:cNvSpPr>
+            <a:spLocks noGrp="1"/>
+          </p:cNvSpPr>
+          <p:nvPr>
+            <p:ph type="title"/>
+          </p:nvPr>
+        </p:nvSpPr>
+        <p:spPr/>
+        <p:txBody>
+          <a:bodyPr/>
+          <a:lstStyle/>
+          <a:p>
+            <a:r>
+              <a:rPr lang="en-US" dirty="0" smtClean="0"/>
+              <a:t>Site Design</a:t>
+            </a:r>
+            <a:endParaRPr lang="en-US" dirty="0"/>
+          </a:p>
+        </p:txBody>
+      </p:sp>
+      <p:sp>
+        <p:nvSpPr>
+          <p:cNvPr id="4" name="Rectangle 3"/>
+          <p:cNvSpPr/>
+          <p:nvPr/>
+        </p:nvSpPr>
+        <p:spPr>
+          <a:xfrm>
+            <a:off x="379514" y="1245702"/>
+            <a:ext cx="11401154" cy="5057444"/>
+          </a:xfrm>
+          <a:prstGeom prst="rect">
+            <a:avLst/>
+          </a:prstGeom>
+        </p:spPr>
+        <p:style>
+          <a:lnRef idx="2">
+            <a:schemeClr val="accent5"/>
+          </a:lnRef>
+          <a:fillRef idx="1">
+            <a:schemeClr val="lt1"/>
+          </a:fillRef>
+          <a:effectRef idx="0">
+            <a:schemeClr val="accent5"/>
+          </a:effectRef>
+          <a:fontRef idx="minor">
+            <a:schemeClr val="dk1"/>
+          </a:fontRef>
+        </p:style>
+        <p:txBody>
+          <a:bodyPr rtlCol="0" anchor="ctr"/>
+          <a:lstStyle/>
+          <a:p>
+            <a:pPr algn="ctr"/>
+            <a:endParaRPr lang="en-US"/>
+          </a:p>
+        </p:txBody>
+      </p:sp>
+      <p:sp>
+        <p:nvSpPr>
+          <p:cNvPr id="5" name="Rounded Rectangle 4"/>
+          <p:cNvSpPr/>
+          <p:nvPr/>
+        </p:nvSpPr>
+        <p:spPr>
+          <a:xfrm>
+            <a:off x="772357" y="1518082"/>
+            <a:ext cx="10422385" cy="941033"/>
+          </a:xfrm>
+          <a:prstGeom prst="roundRect">
+            <a:avLst/>
+          </a:prstGeom>
+        </p:spPr>
+        <p:style>
+          <a:lnRef idx="1">
+            <a:schemeClr val="accent4"/>
+          </a:lnRef>
+          <a:fillRef idx="2">
+            <a:schemeClr val="accent4"/>
+          </a:fillRef>
+          <a:effectRef idx="1">
+            <a:schemeClr val="accent4"/>
+          </a:effectRef>
+          <a:fontRef idx="minor">
+            <a:schemeClr val="dk1"/>
+          </a:fontRef>
+        </p:style>
+        <p:txBody>
+          <a:bodyPr rtlCol="0" anchor="ctr"/>
+          <a:lstStyle/>
+          <a:p>
+            <a:pPr algn="ctr"/>
+            <a:r>
+              <a:rPr lang="en-US" sz="3200" dirty="0" smtClean="0"/>
+              <a:t>Banner</a:t>
+            </a:r>
+            <a:endParaRPr lang="en-US" sz="3200" dirty="0"/>
+          </a:p>
+        </p:txBody>
+      </p:sp>
+      <p:sp>
+        <p:nvSpPr>
+          <p:cNvPr id="6" name="Rounded Rectangle 5"/>
+          <p:cNvSpPr/>
+          <p:nvPr/>
+        </p:nvSpPr>
+        <p:spPr>
+          <a:xfrm>
+            <a:off x="772358" y="2581569"/>
+            <a:ext cx="1455938" cy="1138175"/>
+          </a:xfrm>
+          <a:prstGeom prst="roundRect">
+            <a:avLst/>
+          </a:prstGeom>
+        </p:spPr>
+        <p:style>
+          <a:lnRef idx="1">
+            <a:schemeClr val="accent3"/>
+          </a:lnRef>
+          <a:fillRef idx="2">
+            <a:schemeClr val="accent3"/>
+          </a:fillRef>
+          <a:effectRef idx="1">
+            <a:schemeClr val="accent3"/>
+          </a:effectRef>
+          <a:fontRef idx="minor">
+            <a:schemeClr val="dk1"/>
+          </a:fontRef>
+        </p:style>
+        <p:txBody>
+          <a:bodyPr rtlCol="0" anchor="ctr"/>
+          <a:lstStyle/>
+          <a:p>
+            <a:pPr algn="ctr"/>
+            <a:r>
+              <a:rPr lang="en-US" sz="2400" dirty="0" smtClean="0"/>
+              <a:t>Cover Art</a:t>
+            </a:r>
+            <a:endParaRPr lang="en-US" sz="2400" dirty="0"/>
+          </a:p>
+        </p:txBody>
+      </p:sp>
+      <p:sp>
+        <p:nvSpPr>
+          <p:cNvPr id="7" name="Rounded Rectangle 6"/>
+          <p:cNvSpPr/>
+          <p:nvPr/>
+        </p:nvSpPr>
+        <p:spPr>
+          <a:xfrm>
+            <a:off x="2621140" y="2581569"/>
+            <a:ext cx="8573602" cy="1138175"/>
+          </a:xfrm>
+          <a:prstGeom prst="roundRect">
+            <a:avLst/>
+          </a:prstGeom>
+        </p:spPr>
+        <p:style>
+          <a:lnRef idx="1">
+            <a:schemeClr val="accent3"/>
+          </a:lnRef>
+          <a:fillRef idx="2">
+            <a:schemeClr val="accent3"/>
+          </a:fillRef>
+          <a:effectRef idx="1">
+            <a:schemeClr val="accent3"/>
+          </a:effectRef>
+          <a:fontRef idx="minor">
+            <a:schemeClr val="dk1"/>
+          </a:fontRef>
+        </p:style>
+        <p:txBody>
+          <a:bodyPr rtlCol="0" anchor="ctr"/>
+          <a:lstStyle/>
+          <a:p>
+            <a:pPr algn="ctr"/>
+            <a:r>
+              <a:rPr lang="en-US" sz="2400" dirty="0" smtClean="0"/>
+              <a:t>Title</a:t>
+            </a:r>
+          </a:p>
+          <a:p>
+            <a:pPr algn="ctr"/>
+            <a:r>
+              <a:rPr lang="en-US" sz="2400" dirty="0" smtClean="0"/>
+              <a:t>Artist</a:t>
+            </a:r>
+          </a:p>
+          <a:p>
+            <a:pPr algn="ctr"/>
+            <a:r>
+              <a:rPr lang="en-US" sz="2400" dirty="0" smtClean="0"/>
+              <a:t>Bio</a:t>
+            </a:r>
+            <a:endParaRPr lang="en-US" sz="2400" dirty="0"/>
+          </a:p>
+        </p:txBody>
+      </p:sp>
+      <p:sp>
+        <p:nvSpPr>
+          <p:cNvPr id="8" name="Rounded Rectangle 7"/>
+          <p:cNvSpPr/>
+          <p:nvPr/>
+        </p:nvSpPr>
+        <p:spPr>
+          <a:xfrm>
+            <a:off x="4820575" y="3867526"/>
+            <a:ext cx="6374167" cy="2278956"/>
+          </a:xfrm>
+          <a:prstGeom prst="roundRect">
+            <a:avLst/>
+          </a:prstGeom>
+        </p:spPr>
+        <p:style>
+          <a:lnRef idx="1">
+            <a:schemeClr val="accent5"/>
+          </a:lnRef>
+          <a:fillRef idx="2">
+            <a:schemeClr val="accent5"/>
+          </a:fillRef>
+          <a:effectRef idx="1">
+            <a:schemeClr val="accent5"/>
+          </a:effectRef>
+          <a:fontRef idx="minor">
+            <a:schemeClr val="dk1"/>
+          </a:fontRef>
+        </p:style>
+        <p:txBody>
+          <a:bodyPr rtlCol="0" anchor="ctr"/>
+          <a:lstStyle/>
+          <a:p>
+            <a:pPr algn="ctr"/>
+            <a:endParaRPr lang="en-US" sz="2400" dirty="0"/>
+          </a:p>
+        </p:txBody>
+      </p:sp>
+      <p:sp>
+        <p:nvSpPr>
+          <p:cNvPr id="9" name="Rounded Rectangle 8"/>
+          <p:cNvSpPr/>
+          <p:nvPr/>
+        </p:nvSpPr>
+        <p:spPr>
+          <a:xfrm>
+            <a:off x="5154226" y="4026024"/>
+            <a:ext cx="3764132" cy="1970843"/>
+          </a:xfrm>
+          <a:prstGeom prst="roundRect">
+            <a:avLst/>
+          </a:prstGeom>
+        </p:spPr>
+        <p:style>
+          <a:lnRef idx="2">
+            <a:schemeClr val="accent5">
+              <a:shade val="50000"/>
+            </a:schemeClr>
+          </a:lnRef>
+          <a:fillRef idx="1">
+            <a:schemeClr val="accent5"/>
+          </a:fillRef>
+          <a:effectRef idx="0">
+            <a:schemeClr val="accent5"/>
+          </a:effectRef>
+          <a:fontRef idx="minor">
+            <a:schemeClr val="lt1"/>
+          </a:fontRef>
+        </p:style>
+        <p:txBody>
+          <a:bodyPr rtlCol="0" anchor="ctr"/>
+          <a:lstStyle/>
+          <a:p>
+            <a:pPr algn="ctr"/>
+            <a:r>
+              <a:rPr lang="en-US" dirty="0" smtClean="0"/>
+              <a:t>Track</a:t>
+            </a:r>
+          </a:p>
+          <a:p>
+            <a:pPr algn="ctr"/>
+            <a:r>
+              <a:rPr lang="en-US" dirty="0" smtClean="0"/>
+              <a:t>Track</a:t>
+            </a:r>
+          </a:p>
+          <a:p>
+            <a:pPr algn="ctr"/>
+            <a:r>
+              <a:rPr lang="en-US" dirty="0" smtClean="0"/>
+              <a:t>Track</a:t>
+            </a:r>
+          </a:p>
+          <a:p>
+            <a:pPr algn="ctr"/>
+            <a:r>
+              <a:rPr lang="en-US" dirty="0" smtClean="0"/>
+              <a:t>Track</a:t>
+            </a:r>
+          </a:p>
+          <a:p>
+            <a:pPr algn="ctr"/>
+            <a:r>
+              <a:rPr lang="en-US" dirty="0" smtClean="0"/>
+              <a:t>Track</a:t>
+            </a:r>
+            <a:endParaRPr lang="en-US" dirty="0"/>
+          </a:p>
+        </p:txBody>
+      </p:sp>
+      <p:sp>
+        <p:nvSpPr>
+          <p:cNvPr id="11" name="Rounded Rectangle 10"/>
+          <p:cNvSpPr/>
+          <p:nvPr/>
+        </p:nvSpPr>
+        <p:spPr>
+          <a:xfrm>
+            <a:off x="9149178" y="4026023"/>
+            <a:ext cx="1853954" cy="1970843"/>
+          </a:xfrm>
+          <a:prstGeom prst="roundRect">
+            <a:avLst/>
+          </a:prstGeom>
+        </p:spPr>
+        <p:style>
+          <a:lnRef idx="2">
+            <a:schemeClr val="accent5">
+              <a:shade val="50000"/>
+            </a:schemeClr>
+          </a:lnRef>
+          <a:fillRef idx="1">
+            <a:schemeClr val="accent5"/>
+          </a:fillRef>
+          <a:effectRef idx="0">
+            <a:schemeClr val="accent5"/>
+          </a:effectRef>
+          <a:fontRef idx="minor">
+            <a:schemeClr val="lt1"/>
+          </a:fontRef>
+        </p:style>
+        <p:txBody>
+          <a:bodyPr rtlCol="0" anchor="ctr"/>
+          <a:lstStyle/>
+          <a:p>
+            <a:pPr algn="ctr"/>
+            <a:r>
+              <a:rPr lang="en-US" dirty="0" smtClean="0"/>
+              <a:t>Time</a:t>
+            </a:r>
+          </a:p>
+          <a:p>
+            <a:pPr algn="ctr"/>
+            <a:r>
+              <a:rPr lang="en-US" dirty="0" smtClean="0"/>
+              <a:t>Time</a:t>
+            </a:r>
+          </a:p>
+          <a:p>
+            <a:pPr algn="ctr"/>
+            <a:r>
+              <a:rPr lang="en-US" dirty="0" smtClean="0"/>
+              <a:t>Time</a:t>
+            </a:r>
+          </a:p>
+          <a:p>
+            <a:pPr algn="ctr"/>
+            <a:r>
+              <a:rPr lang="en-US" dirty="0" smtClean="0"/>
+              <a:t>Time</a:t>
+            </a:r>
+          </a:p>
+          <a:p>
+            <a:pPr algn="ctr"/>
+            <a:r>
+              <a:rPr lang="en-US" dirty="0" smtClean="0"/>
+              <a:t>Time</a:t>
+            </a:r>
+            <a:endParaRPr lang="en-US" dirty="0"/>
+          </a:p>
+        </p:txBody>
+      </p:sp>
+      <p:sp>
+        <p:nvSpPr>
+          <p:cNvPr id="12" name="Rounded Rectangle 11"/>
+          <p:cNvSpPr/>
+          <p:nvPr/>
+        </p:nvSpPr>
+        <p:spPr>
+          <a:xfrm>
+            <a:off x="811567" y="3842198"/>
+            <a:ext cx="3817398" cy="2278956"/>
+          </a:xfrm>
+          <a:prstGeom prst="roundRect">
+            <a:avLst/>
+          </a:prstGeom>
+        </p:spPr>
+        <p:style>
+          <a:lnRef idx="1">
+            <a:schemeClr val="accent5"/>
+          </a:lnRef>
+          <a:fillRef idx="2">
+            <a:schemeClr val="accent5"/>
+          </a:fillRef>
+          <a:effectRef idx="1">
+            <a:schemeClr val="accent5"/>
+          </a:effectRef>
+          <a:fontRef idx="minor">
+            <a:schemeClr val="dk1"/>
+          </a:fontRef>
+        </p:style>
+        <p:txBody>
+          <a:bodyPr rtlCol="0" anchor="ctr"/>
+          <a:lstStyle/>
+          <a:p>
+            <a:pPr algn="ctr"/>
+            <a:r>
+              <a:rPr lang="en-US" sz="2400" dirty="0" smtClean="0"/>
+              <a:t>Expert Review</a:t>
+            </a:r>
+          </a:p>
+          <a:p>
+            <a:pPr algn="ctr"/>
+            <a:endParaRPr lang="en-US" sz="2400" dirty="0"/>
+          </a:p>
+          <a:p>
+            <a:pPr algn="ctr"/>
+            <a:endParaRPr lang="en-US" sz="2400" dirty="0" smtClean="0"/>
+          </a:p>
+          <a:p>
+            <a:pPr algn="ctr"/>
+            <a:endParaRPr lang="en-US" sz="2400" dirty="0"/>
+          </a:p>
+        </p:txBody>
+      </p:sp>
+    </p:spTree>
+    <p:extLst>
+      <p:ext uri="{BB962C8B-B14F-4D97-AF65-F5344CB8AC3E}">
+        <p14:creationId xmlns:p14="http://schemas.microsoft.com/office/powerpoint/2010/main" val="3052516279"/>
+      </p:ext>
+    </p:extLst>
+  </p:cSld>
+  <p:clrMapOvr>
+    <a:masterClrMapping/>
+  </p:clrMapOvr>
+  <p:timing>
+    <p:tnLst>
+      <p:par>
+        <p:cTn id="1" dur="indefinite" restart="never" nodeType="tmRoot"/>
+      </p:par>
+    </p:tnLst>
+  </p:timing>
+</p:sld>
+</file>
+
+<file path=ppt/slides/slide17.xml><?xml version="1.0" encoding="utf-8"?>
+<p:sld xmlns:a="http://schemas.openxmlformats.org/drawingml/2006/main" xmlns:r="http://schemas.openxmlformats.org/officeDocument/2006/relationships" xmlns:p="http://schemas.openxmlformats.org/presentationml/2006/main">
+  <p:cSld>
+    <p:spTree>
+      <p:nvGrpSpPr>
+        <p:cNvPr id="1" name=""/>
+        <p:cNvGrpSpPr/>
+        <p:nvPr/>
+      </p:nvGrpSpPr>
+      <p:grpSpPr>
+        <a:xfrm>
+          <a:off x="0" y="0"/>
+          <a:ext cx="0" cy="0"/>
+          <a:chOff x="0" y="0"/>
+          <a:chExt cx="0" cy="0"/>
+        </a:xfrm>
+      </p:grpSpPr>
+      <p:sp>
+        <p:nvSpPr>
+          <p:cNvPr id="4" name="Title 3"/>
+          <p:cNvSpPr>
+            <a:spLocks noGrp="1"/>
+          </p:cNvSpPr>
+          <p:nvPr>
+            <p:ph type="title"/>
+          </p:nvPr>
+        </p:nvSpPr>
+        <p:spPr/>
+        <p:txBody>
+          <a:bodyPr/>
+          <a:lstStyle/>
+          <a:p>
+            <a:r>
+              <a:rPr lang="en-US" dirty="0" smtClean="0"/>
+              <a:t>Controlling Visibility</a:t>
+            </a:r>
+            <a:endParaRPr lang="en-US" dirty="0"/>
+          </a:p>
+        </p:txBody>
+      </p:sp>
+    </p:spTree>
+    <p:extLst>
+      <p:ext uri="{BB962C8B-B14F-4D97-AF65-F5344CB8AC3E}">
+        <p14:creationId xmlns:p14="http://schemas.microsoft.com/office/powerpoint/2010/main" val="3576410552"/>
+      </p:ext>
+    </p:extLst>
+  </p:cSld>
+  <p:clrMapOvr>
+    <a:masterClrMapping/>
+  </p:clrMapOvr>
+  <p:timing>
+    <p:tnLst>
+      <p:par>
+        <p:cTn id="1" dur="indefinite" restart="never" nodeType="tmRoot"/>
+      </p:par>
+    </p:tnLst>
+  </p:timing>
+</p:sld>
+</file>
+
+<file path=ppt/slides/slide18.xml><?xml version="1.0" encoding="utf-8"?>
 <p:sld xmlns:a="http://schemas.openxmlformats.org/drawingml/2006/main" xmlns:r="http://schemas.openxmlformats.org/officeDocument/2006/relationships" xmlns:p="http://schemas.openxmlformats.org/presentationml/2006/main">
   <p:cSld>
     <p:spTree>
@@ -5181,11 +5843,7 @@
           <a:p>
             <a:r>
               <a:rPr lang="en-US" dirty="0" smtClean="0"/>
-              <a:t>Tabs follow as the user </a:t>
-            </a:r>
-            <a:r>
-              <a:rPr lang="en-US" dirty="0" smtClean="0"/>
-              <a:t>scrolls</a:t>
+              <a:t>Tabs follow as the user scrolls</a:t>
             </a:r>
           </a:p>
           <a:p>
@@ -5194,7 +5852,6 @@
               <a:rPr lang="en-US" dirty="0" smtClean="0"/>
               <a:t>Perfect for large amounts of text</a:t>
             </a:r>
-            <a:endParaRPr lang="en-US" dirty="0" smtClean="0"/>
           </a:p>
         </p:txBody>
       </p:sp>
@@ -5362,7 +6019,6 @@
               <a:rPr lang="en-US" dirty="0" smtClean="0"/>
               <a:t>Perfect for a paged form</a:t>
             </a:r>
-            <a:endParaRPr lang="en-US" dirty="0" smtClean="0"/>
           </a:p>
         </p:txBody>
       </p:sp>
@@ -5677,15 +6333,6 @@
 </file>
 
 <file path=customXml/item1.xml><?xml version="1.0" encoding="utf-8"?>
-<?mso-contentType ?>
-<FormTemplates xmlns="http://schemas.microsoft.com/sharepoint/v3/contenttype/forms">
-  <Display>DocumentLibraryForm</Display>
-  <Edit>DocumentLibraryForm</Edit>
-  <New>DocumentLibraryForm</New>
-</FormTemplates>
-</file>
-
-<file path=customXml/item2.xml><?xml version="1.0" encoding="utf-8"?>
 <ct:contentTypeSchema xmlns:ct="http://schemas.microsoft.com/office/2006/metadata/contentType" xmlns:ma="http://schemas.microsoft.com/office/2006/metadata/properties/metaAttributes" ct:_="" ma:_="" ma:contentTypeName="Document" ma:contentTypeID="0x010100A9B9146463917044969030790F8D7E1F" ma:contentTypeVersion="1" ma:contentTypeDescription="Create a new document." ma:contentTypeScope="" ma:versionID="88cb810aac341a62f87e1e4b3de4b413">
   <xsd:schema xmlns:xsd="http://www.w3.org/2001/XMLSchema" xmlns:xs="http://www.w3.org/2001/XMLSchema" xmlns:p="http://schemas.microsoft.com/office/2006/metadata/properties" xmlns:ns3="239b4775-11ac-4188-ac69-b5b775bb2155" targetNamespace="http://schemas.microsoft.com/office/2006/metadata/properties" ma:root="true" ma:fieldsID="a6232b10dbb3dfcaf3920bb7009c4722" ns3:_="">
     <xsd:import namespace="239b4775-11ac-4188-ac69-b5b775bb2155"/>
@@ -5825,6 +6472,15 @@
 </ct:contentTypeSchema>
 </file>
 
+<file path=customXml/item2.xml><?xml version="1.0" encoding="utf-8"?>
+<?mso-contentType ?>
+<FormTemplates xmlns="http://schemas.microsoft.com/sharepoint/v3/contenttype/forms">
+  <Display>DocumentLibraryForm</Display>
+  <Edit>DocumentLibraryForm</Edit>
+  <New>DocumentLibraryForm</New>
+</FormTemplates>
+</file>
+
 <file path=customXml/item3.xml><?xml version="1.0" encoding="utf-8"?>
 <p:properties xmlns:p="http://schemas.microsoft.com/office/2006/metadata/properties" xmlns:xsi="http://www.w3.org/2001/XMLSchema-instance" xmlns:pc="http://schemas.microsoft.com/office/infopath/2007/PartnerControls">
   <documentManagement/>
@@ -5832,14 +6488,6 @@
 </file>
 
 <file path=customXml/itemProps1.xml><?xml version="1.0" encoding="utf-8"?>
-<ds:datastoreItem xmlns:ds="http://schemas.openxmlformats.org/officeDocument/2006/customXml" ds:itemID="{90F66304-B63B-4DC3-9FE6-FB0A9E17CD06}">
-  <ds:schemaRefs>
-    <ds:schemaRef ds:uri="http://schemas.microsoft.com/sharepoint/v3/contenttype/forms"/>
-  </ds:schemaRefs>
-</ds:datastoreItem>
-</file>
-
-<file path=customXml/itemProps2.xml><?xml version="1.0" encoding="utf-8"?>
 <ds:datastoreItem xmlns:ds="http://schemas.openxmlformats.org/officeDocument/2006/customXml" ds:itemID="{64076F6A-F6B4-41FD-BEBD-B0826AC555FB}">
   <ds:schemaRefs>
     <ds:schemaRef ds:uri="http://schemas.microsoft.com/office/2006/metadata/contentType"/>
@@ -5853,6 +6501,14 @@
     <ds:schemaRef ds:uri="http://purl.org/dc/elements/1.1/"/>
     <ds:schemaRef ds:uri="http://purl.org/dc/terms/"/>
     <ds:schemaRef ds:uri="http://schemas.microsoft.com/internal/obd"/>
+  </ds:schemaRefs>
+</ds:datastoreItem>
+</file>
+
+<file path=customXml/itemProps2.xml><?xml version="1.0" encoding="utf-8"?>
+<ds:datastoreItem xmlns:ds="http://schemas.openxmlformats.org/officeDocument/2006/customXml" ds:itemID="{90F66304-B63B-4DC3-9FE6-FB0A9E17CD06}">
+  <ds:schemaRefs>
+    <ds:schemaRef ds:uri="http://schemas.microsoft.com/sharepoint/v3/contenttype/forms"/>
   </ds:schemaRefs>
 </ds:datastoreItem>
 </file>

--- a/Slides/Week 2 - Part 1 - Page design.pptx
+++ b/Slides/Week 2 - Part 1 - Page design.pptx
@@ -2749,7 +2749,7 @@
           <a:p>
             <a:r>
               <a:rPr lang="en-US" dirty="0" smtClean="0"/>
-              <a:t>Module 5 – JavaScript Functions</a:t>
+              <a:t>Page design</a:t>
             </a:r>
             <a:endParaRPr lang="en-US" dirty="0"/>
           </a:p>
@@ -2772,13 +2772,7 @@
           <a:p>
             <a:r>
               <a:rPr lang="en-US" dirty="0" smtClean="0"/>
-              <a:t>Jon Galloway – Senior Technical Evangelist</a:t>
-            </a:r>
-          </a:p>
-          <a:p>
-            <a:r>
-              <a:rPr lang="en-US" dirty="0" smtClean="0"/>
-              <a:t>Christopher Harrison – Content Developer</a:t>
+              <a:t>Christopher Harrison, Content Developer, Microsoft</a:t>
             </a:r>
             <a:endParaRPr lang="en-US" dirty="0"/>
           </a:p>
@@ -6333,6 +6327,21 @@
 </file>
 
 <file path=customXml/item1.xml><?xml version="1.0" encoding="utf-8"?>
+<p:properties xmlns:p="http://schemas.microsoft.com/office/2006/metadata/properties" xmlns:xsi="http://www.w3.org/2001/XMLSchema-instance" xmlns:pc="http://schemas.microsoft.com/office/infopath/2007/PartnerControls">
+  <documentManagement/>
+</p:properties>
+</file>
+
+<file path=customXml/item2.xml><?xml version="1.0" encoding="utf-8"?>
+<?mso-contentType ?>
+<FormTemplates xmlns="http://schemas.microsoft.com/sharepoint/v3/contenttype/forms">
+  <Display>DocumentLibraryForm</Display>
+  <Edit>DocumentLibraryForm</Edit>
+  <New>DocumentLibraryForm</New>
+</FormTemplates>
+</file>
+
+<file path=customXml/item3.xml><?xml version="1.0" encoding="utf-8"?>
 <ct:contentTypeSchema xmlns:ct="http://schemas.microsoft.com/office/2006/metadata/contentType" xmlns:ma="http://schemas.microsoft.com/office/2006/metadata/properties/metaAttributes" ct:_="" ma:_="" ma:contentTypeName="Document" ma:contentTypeID="0x010100A9B9146463917044969030790F8D7E1F" ma:contentTypeVersion="1" ma:contentTypeDescription="Create a new document." ma:contentTypeScope="" ma:versionID="88cb810aac341a62f87e1e4b3de4b413">
   <xsd:schema xmlns:xsd="http://www.w3.org/2001/XMLSchema" xmlns:xs="http://www.w3.org/2001/XMLSchema" xmlns:p="http://schemas.microsoft.com/office/2006/metadata/properties" xmlns:ns3="239b4775-11ac-4188-ac69-b5b775bb2155" targetNamespace="http://schemas.microsoft.com/office/2006/metadata/properties" ma:root="true" ma:fieldsID="a6232b10dbb3dfcaf3920bb7009c4722" ns3:_="">
     <xsd:import namespace="239b4775-11ac-4188-ac69-b5b775bb2155"/>
@@ -6472,22 +6481,31 @@
 </ct:contentTypeSchema>
 </file>
 
-<file path=customXml/item2.xml><?xml version="1.0" encoding="utf-8"?>
-<?mso-contentType ?>
-<FormTemplates xmlns="http://schemas.microsoft.com/sharepoint/v3/contenttype/forms">
-  <Display>DocumentLibraryForm</Display>
-  <Edit>DocumentLibraryForm</Edit>
-  <New>DocumentLibraryForm</New>
-</FormTemplates>
+<file path=customXml/itemProps1.xml><?xml version="1.0" encoding="utf-8"?>
+<ds:datastoreItem xmlns:ds="http://schemas.openxmlformats.org/officeDocument/2006/customXml" ds:itemID="{605C38A2-25DD-4ECF-BF7B-1D95CEE2F814}">
+  <ds:schemaRefs>
+    <ds:schemaRef ds:uri="http://schemas.microsoft.com/office/infopath/2007/PartnerControls"/>
+    <ds:schemaRef ds:uri="http://purl.org/dc/elements/1.1/"/>
+    <ds:schemaRef ds:uri="http://schemas.microsoft.com/office/2006/metadata/properties"/>
+    <ds:schemaRef ds:uri="http://schemas.microsoft.com/office/2006/documentManagement/types"/>
+    <ds:schemaRef ds:uri="http://purl.org/dc/terms/"/>
+    <ds:schemaRef ds:uri="http://schemas.openxmlformats.org/package/2006/metadata/core-properties"/>
+    <ds:schemaRef ds:uri="http://purl.org/dc/dcmitype/"/>
+    <ds:schemaRef ds:uri="239b4775-11ac-4188-ac69-b5b775bb2155"/>
+    <ds:schemaRef ds:uri="http://www.w3.org/XML/1998/namespace"/>
+  </ds:schemaRefs>
+</ds:datastoreItem>
 </file>
 
-<file path=customXml/item3.xml><?xml version="1.0" encoding="utf-8"?>
-<p:properties xmlns:p="http://schemas.microsoft.com/office/2006/metadata/properties" xmlns:xsi="http://www.w3.org/2001/XMLSchema-instance" xmlns:pc="http://schemas.microsoft.com/office/infopath/2007/PartnerControls">
-  <documentManagement/>
-</p:properties>
+<file path=customXml/itemProps2.xml><?xml version="1.0" encoding="utf-8"?>
+<ds:datastoreItem xmlns:ds="http://schemas.openxmlformats.org/officeDocument/2006/customXml" ds:itemID="{90F66304-B63B-4DC3-9FE6-FB0A9E17CD06}">
+  <ds:schemaRefs>
+    <ds:schemaRef ds:uri="http://schemas.microsoft.com/sharepoint/v3/contenttype/forms"/>
+  </ds:schemaRefs>
+</ds:datastoreItem>
 </file>
 
-<file path=customXml/itemProps1.xml><?xml version="1.0" encoding="utf-8"?>
+<file path=customXml/itemProps3.xml><?xml version="1.0" encoding="utf-8"?>
 <ds:datastoreItem xmlns:ds="http://schemas.openxmlformats.org/officeDocument/2006/customXml" ds:itemID="{64076F6A-F6B4-41FD-BEBD-B0826AC555FB}">
   <ds:schemaRefs>
     <ds:schemaRef ds:uri="http://schemas.microsoft.com/office/2006/metadata/contentType"/>
@@ -6503,28 +6521,4 @@
     <ds:schemaRef ds:uri="http://schemas.microsoft.com/internal/obd"/>
   </ds:schemaRefs>
 </ds:datastoreItem>
-</file>
-
-<file path=customXml/itemProps2.xml><?xml version="1.0" encoding="utf-8"?>
-<ds:datastoreItem xmlns:ds="http://schemas.openxmlformats.org/officeDocument/2006/customXml" ds:itemID="{90F66304-B63B-4DC3-9FE6-FB0A9E17CD06}">
-  <ds:schemaRefs>
-    <ds:schemaRef ds:uri="http://schemas.microsoft.com/sharepoint/v3/contenttype/forms"/>
-  </ds:schemaRefs>
-</ds:datastoreItem>
-</file>
-
-<file path=customXml/itemProps3.xml><?xml version="1.0" encoding="utf-8"?>
-<ds:datastoreItem xmlns:ds="http://schemas.openxmlformats.org/officeDocument/2006/customXml" ds:itemID="{605C38A2-25DD-4ECF-BF7B-1D95CEE2F814}">
-  <ds:schemaRefs>
-    <ds:schemaRef ds:uri="http://schemas.microsoft.com/office/infopath/2007/PartnerControls"/>
-    <ds:schemaRef ds:uri="http://purl.org/dc/elements/1.1/"/>
-    <ds:schemaRef ds:uri="http://schemas.microsoft.com/office/2006/metadata/properties"/>
-    <ds:schemaRef ds:uri="http://schemas.microsoft.com/office/2006/documentManagement/types"/>
-    <ds:schemaRef ds:uri="http://purl.org/dc/terms/"/>
-    <ds:schemaRef ds:uri="http://schemas.openxmlformats.org/package/2006/metadata/core-properties"/>
-    <ds:schemaRef ds:uri="http://purl.org/dc/dcmitype/"/>
-    <ds:schemaRef ds:uri="239b4775-11ac-4188-ac69-b5b775bb2155"/>
-    <ds:schemaRef ds:uri="http://www.w3.org/XML/1998/namespace"/>
-  </ds:schemaRefs>
-</ds:datastoreItem>
 </file>
--- a/Slides/Week 2 - Part 1 - Page design.pptx
+++ b/Slides/Week 2 - Part 1 - Page design.pptx
@@ -2767,12 +2767,41 @@
         </p:nvSpPr>
         <p:spPr/>
         <p:txBody>
-          <a:bodyPr/>
+          <a:bodyPr>
+            <a:normAutofit fontScale="92500" lnSpcReduction="20000"/>
+          </a:bodyPr>
           <a:lstStyle/>
           <a:p>
             <a:r>
               <a:rPr lang="en-US" dirty="0" smtClean="0"/>
-              <a:t>Christopher Harrison, Content Developer, Microsoft</a:t>
+              <a:t>Christopher </a:t>
+            </a:r>
+            <a:r>
+              <a:rPr lang="en-US" dirty="0" smtClean="0"/>
+              <a:t>Harrison</a:t>
+            </a:r>
+          </a:p>
+          <a:p>
+            <a:r>
+              <a:rPr lang="en-US" dirty="0" smtClean="0"/>
+              <a:t>@</a:t>
+            </a:r>
+            <a:r>
+              <a:rPr lang="en-US" dirty="0" err="1" smtClean="0"/>
+              <a:t>geektrainer</a:t>
+            </a:r>
+            <a:endParaRPr lang="en-US" dirty="0" smtClean="0"/>
+          </a:p>
+          <a:p>
+            <a:r>
+              <a:rPr lang="en-US" dirty="0" smtClean="0"/>
+              <a:t>Content Developer</a:t>
+            </a:r>
+          </a:p>
+          <a:p>
+            <a:r>
+              <a:rPr lang="en-US" dirty="0" smtClean="0"/>
+              <a:t>Microsoft</a:t>
             </a:r>
             <a:endParaRPr lang="en-US" dirty="0"/>
           </a:p>
@@ -3921,14 +3950,13 @@
           <a:p>
             <a:r>
               <a:rPr lang="en-US" dirty="0" smtClean="0"/>
-              <a:t>Enhancing UI</a:t>
-            </a:r>
-          </a:p>
-          <a:p>
-            <a:r>
-              <a:rPr lang="en-US" dirty="0" smtClean="0"/>
-              <a:t>Interacting with the user</a:t>
-            </a:r>
+              <a:t>Enhancing </a:t>
+            </a:r>
+            <a:r>
+              <a:rPr lang="en-US" dirty="0" smtClean="0"/>
+              <a:t>UI</a:t>
+            </a:r>
+            <a:endParaRPr lang="en-US" dirty="0" smtClean="0"/>
           </a:p>
           <a:p>
             <a:endParaRPr lang="en-US" dirty="0"/>
@@ -4169,6 +4197,13 @@
   <p:clrMapOvr>
     <a:masterClrMapping/>
   </p:clrMapOvr>
+  <p:timing>
+    <p:tnLst>
+      <p:par>
+        <p:cTn id="1" dur="indefinite" restart="never" nodeType="tmRoot"/>
+      </p:par>
+    </p:tnLst>
+  </p:timing>
 </p:sld>
 </file>
 
@@ -6327,21 +6362,6 @@
 </file>
 
 <file path=customXml/item1.xml><?xml version="1.0" encoding="utf-8"?>
-<p:properties xmlns:p="http://schemas.microsoft.com/office/2006/metadata/properties" xmlns:xsi="http://www.w3.org/2001/XMLSchema-instance" xmlns:pc="http://schemas.microsoft.com/office/infopath/2007/PartnerControls">
-  <documentManagement/>
-</p:properties>
-</file>
-
-<file path=customXml/item2.xml><?xml version="1.0" encoding="utf-8"?>
-<?mso-contentType ?>
-<FormTemplates xmlns="http://schemas.microsoft.com/sharepoint/v3/contenttype/forms">
-  <Display>DocumentLibraryForm</Display>
-  <Edit>DocumentLibraryForm</Edit>
-  <New>DocumentLibraryForm</New>
-</FormTemplates>
-</file>
-
-<file path=customXml/item3.xml><?xml version="1.0" encoding="utf-8"?>
 <ct:contentTypeSchema xmlns:ct="http://schemas.microsoft.com/office/2006/metadata/contentType" xmlns:ma="http://schemas.microsoft.com/office/2006/metadata/properties/metaAttributes" ct:_="" ma:_="" ma:contentTypeName="Document" ma:contentTypeID="0x010100A9B9146463917044969030790F8D7E1F" ma:contentTypeVersion="1" ma:contentTypeDescription="Create a new document." ma:contentTypeScope="" ma:versionID="88cb810aac341a62f87e1e4b3de4b413">
   <xsd:schema xmlns:xsd="http://www.w3.org/2001/XMLSchema" xmlns:xs="http://www.w3.org/2001/XMLSchema" xmlns:p="http://schemas.microsoft.com/office/2006/metadata/properties" xmlns:ns3="239b4775-11ac-4188-ac69-b5b775bb2155" targetNamespace="http://schemas.microsoft.com/office/2006/metadata/properties" ma:root="true" ma:fieldsID="a6232b10dbb3dfcaf3920bb7009c4722" ns3:_="">
     <xsd:import namespace="239b4775-11ac-4188-ac69-b5b775bb2155"/>
@@ -6481,31 +6501,22 @@
 </ct:contentTypeSchema>
 </file>
 
-<file path=customXml/itemProps1.xml><?xml version="1.0" encoding="utf-8"?>
-<ds:datastoreItem xmlns:ds="http://schemas.openxmlformats.org/officeDocument/2006/customXml" ds:itemID="{605C38A2-25DD-4ECF-BF7B-1D95CEE2F814}">
-  <ds:schemaRefs>
-    <ds:schemaRef ds:uri="http://schemas.microsoft.com/office/infopath/2007/PartnerControls"/>
-    <ds:schemaRef ds:uri="http://purl.org/dc/elements/1.1/"/>
-    <ds:schemaRef ds:uri="http://schemas.microsoft.com/office/2006/metadata/properties"/>
-    <ds:schemaRef ds:uri="http://schemas.microsoft.com/office/2006/documentManagement/types"/>
-    <ds:schemaRef ds:uri="http://purl.org/dc/terms/"/>
-    <ds:schemaRef ds:uri="http://schemas.openxmlformats.org/package/2006/metadata/core-properties"/>
-    <ds:schemaRef ds:uri="http://purl.org/dc/dcmitype/"/>
-    <ds:schemaRef ds:uri="239b4775-11ac-4188-ac69-b5b775bb2155"/>
-    <ds:schemaRef ds:uri="http://www.w3.org/XML/1998/namespace"/>
-  </ds:schemaRefs>
-</ds:datastoreItem>
+<file path=customXml/item2.xml><?xml version="1.0" encoding="utf-8"?>
+<?mso-contentType ?>
+<FormTemplates xmlns="http://schemas.microsoft.com/sharepoint/v3/contenttype/forms">
+  <Display>DocumentLibraryForm</Display>
+  <Edit>DocumentLibraryForm</Edit>
+  <New>DocumentLibraryForm</New>
+</FormTemplates>
 </file>
 
-<file path=customXml/itemProps2.xml><?xml version="1.0" encoding="utf-8"?>
-<ds:datastoreItem xmlns:ds="http://schemas.openxmlformats.org/officeDocument/2006/customXml" ds:itemID="{90F66304-B63B-4DC3-9FE6-FB0A9E17CD06}">
-  <ds:schemaRefs>
-    <ds:schemaRef ds:uri="http://schemas.microsoft.com/sharepoint/v3/contenttype/forms"/>
-  </ds:schemaRefs>
-</ds:datastoreItem>
+<file path=customXml/item3.xml><?xml version="1.0" encoding="utf-8"?>
+<p:properties xmlns:p="http://schemas.microsoft.com/office/2006/metadata/properties" xmlns:xsi="http://www.w3.org/2001/XMLSchema-instance" xmlns:pc="http://schemas.microsoft.com/office/infopath/2007/PartnerControls">
+  <documentManagement/>
+</p:properties>
 </file>
 
-<file path=customXml/itemProps3.xml><?xml version="1.0" encoding="utf-8"?>
+<file path=customXml/itemProps1.xml><?xml version="1.0" encoding="utf-8"?>
 <ds:datastoreItem xmlns:ds="http://schemas.openxmlformats.org/officeDocument/2006/customXml" ds:itemID="{64076F6A-F6B4-41FD-BEBD-B0826AC555FB}">
   <ds:schemaRefs>
     <ds:schemaRef ds:uri="http://schemas.microsoft.com/office/2006/metadata/contentType"/>
@@ -6521,4 +6532,28 @@
     <ds:schemaRef ds:uri="http://schemas.microsoft.com/internal/obd"/>
   </ds:schemaRefs>
 </ds:datastoreItem>
+</file>
+
+<file path=customXml/itemProps2.xml><?xml version="1.0" encoding="utf-8"?>
+<ds:datastoreItem xmlns:ds="http://schemas.openxmlformats.org/officeDocument/2006/customXml" ds:itemID="{90F66304-B63B-4DC3-9FE6-FB0A9E17CD06}">
+  <ds:schemaRefs>
+    <ds:schemaRef ds:uri="http://schemas.microsoft.com/sharepoint/v3/contenttype/forms"/>
+  </ds:schemaRefs>
+</ds:datastoreItem>
+</file>
+
+<file path=customXml/itemProps3.xml><?xml version="1.0" encoding="utf-8"?>
+<ds:datastoreItem xmlns:ds="http://schemas.openxmlformats.org/officeDocument/2006/customXml" ds:itemID="{605C38A2-25DD-4ECF-BF7B-1D95CEE2F814}">
+  <ds:schemaRefs>
+    <ds:schemaRef ds:uri="http://schemas.microsoft.com/office/infopath/2007/PartnerControls"/>
+    <ds:schemaRef ds:uri="http://purl.org/dc/elements/1.1/"/>
+    <ds:schemaRef ds:uri="http://schemas.microsoft.com/office/2006/metadata/properties"/>
+    <ds:schemaRef ds:uri="http://schemas.microsoft.com/office/2006/documentManagement/types"/>
+    <ds:schemaRef ds:uri="http://purl.org/dc/terms/"/>
+    <ds:schemaRef ds:uri="http://schemas.openxmlformats.org/package/2006/metadata/core-properties"/>
+    <ds:schemaRef ds:uri="http://purl.org/dc/dcmitype/"/>
+    <ds:schemaRef ds:uri="239b4775-11ac-4188-ac69-b5b775bb2155"/>
+    <ds:schemaRef ds:uri="http://www.w3.org/XML/1998/namespace"/>
+  </ds:schemaRefs>
+</ds:datastoreItem>
 </file>
--- a/Slides/Week 2 - Part 1 - Page design.pptx
+++ b/Slides/Week 2 - Part 1 - Page design.pptx
@@ -6,23 +6,18 @@
   </p:sldMasterIdLst>
   <p:sldIdLst>
     <p:sldId id="256" r:id="rId5"/>
-    <p:sldId id="267" r:id="rId6"/>
-    <p:sldId id="268" r:id="rId7"/>
-    <p:sldId id="287" r:id="rId8"/>
-    <p:sldId id="277" r:id="rId9"/>
-    <p:sldId id="278" r:id="rId10"/>
-    <p:sldId id="279" r:id="rId11"/>
-    <p:sldId id="280" r:id="rId12"/>
-    <p:sldId id="281" r:id="rId13"/>
-    <p:sldId id="282" r:id="rId14"/>
-    <p:sldId id="283" r:id="rId15"/>
-    <p:sldId id="284" r:id="rId16"/>
-    <p:sldId id="285" r:id="rId17"/>
-    <p:sldId id="286" r:id="rId18"/>
-    <p:sldId id="288" r:id="rId19"/>
-    <p:sldId id="289" r:id="rId20"/>
-    <p:sldId id="290" r:id="rId21"/>
-    <p:sldId id="266" r:id="rId22"/>
+    <p:sldId id="297" r:id="rId6"/>
+    <p:sldId id="298" r:id="rId7"/>
+    <p:sldId id="292" r:id="rId8"/>
+    <p:sldId id="291" r:id="rId9"/>
+    <p:sldId id="293" r:id="rId10"/>
+    <p:sldId id="295" r:id="rId11"/>
+    <p:sldId id="294" r:id="rId12"/>
+    <p:sldId id="296" r:id="rId13"/>
+    <p:sldId id="289" r:id="rId14"/>
+    <p:sldId id="288" r:id="rId15"/>
+    <p:sldId id="290" r:id="rId16"/>
+    <p:sldId id="266" r:id="rId17"/>
   </p:sldIdLst>
   <p:sldSz cx="12192000" cy="6858000"/>
   <p:notesSz cx="6858000" cy="9144000"/>
@@ -2774,11 +2769,7 @@
           <a:p>
             <a:r>
               <a:rPr lang="en-US" dirty="0" smtClean="0"/>
-              <a:t>Christopher </a:t>
-            </a:r>
-            <a:r>
-              <a:rPr lang="en-US" dirty="0" smtClean="0"/>
-              <a:t>Harrison</a:t>
+              <a:t>Christopher Harrison</a:t>
             </a:r>
           </a:p>
           <a:p>
@@ -2861,488 +2852,6 @@
           <a:p>
             <a:r>
               <a:rPr lang="en-US" dirty="0" smtClean="0"/>
-              <a:t>Accordion</a:t>
-            </a:r>
-            <a:endParaRPr lang="en-US" dirty="0"/>
-          </a:p>
-        </p:txBody>
-      </p:sp>
-    </p:spTree>
-    <p:extLst>
-      <p:ext uri="{BB962C8B-B14F-4D97-AF65-F5344CB8AC3E}">
-        <p14:creationId xmlns:p14="http://schemas.microsoft.com/office/powerpoint/2010/main" val="3519265695"/>
-      </p:ext>
-    </p:extLst>
-  </p:cSld>
-  <p:clrMapOvr>
-    <a:masterClrMapping/>
-  </p:clrMapOvr>
-  <p:timing>
-    <p:tnLst>
-      <p:par>
-        <p:cTn id="1" dur="indefinite" restart="never" nodeType="tmRoot"/>
-      </p:par>
-    </p:tnLst>
-  </p:timing>
-</p:sld>
-</file>
-
-<file path=ppt/slides/slide11.xml><?xml version="1.0" encoding="utf-8"?>
-<p:sld xmlns:a="http://schemas.openxmlformats.org/drawingml/2006/main" xmlns:r="http://schemas.openxmlformats.org/officeDocument/2006/relationships" xmlns:p="http://schemas.openxmlformats.org/presentationml/2006/main">
-  <p:cSld>
-    <p:spTree>
-      <p:nvGrpSpPr>
-        <p:cNvPr id="1" name=""/>
-        <p:cNvGrpSpPr/>
-        <p:nvPr/>
-      </p:nvGrpSpPr>
-      <p:grpSpPr>
-        <a:xfrm>
-          <a:off x="0" y="0"/>
-          <a:ext cx="0" cy="0"/>
-          <a:chOff x="0" y="0"/>
-          <a:chExt cx="0" cy="0"/>
-        </a:xfrm>
-      </p:grpSpPr>
-      <p:sp>
-        <p:nvSpPr>
-          <p:cNvPr id="3" name="Title 2"/>
-          <p:cNvSpPr>
-            <a:spLocks noGrp="1"/>
-          </p:cNvSpPr>
-          <p:nvPr>
-            <p:ph type="title"/>
-          </p:nvPr>
-        </p:nvSpPr>
-        <p:spPr/>
-        <p:txBody>
-          <a:bodyPr/>
-          <a:lstStyle/>
-          <a:p>
-            <a:r>
-              <a:rPr lang="en-US" dirty="0" smtClean="0"/>
-              <a:t>Carousel</a:t>
-            </a:r>
-            <a:endParaRPr lang="en-US" dirty="0"/>
-          </a:p>
-        </p:txBody>
-      </p:sp>
-      <p:sp>
-        <p:nvSpPr>
-          <p:cNvPr id="4" name="Content Placeholder 3"/>
-          <p:cNvSpPr>
-            <a:spLocks noGrp="1"/>
-          </p:cNvSpPr>
-          <p:nvPr>
-            <p:ph sz="quarter" idx="10"/>
-          </p:nvPr>
-        </p:nvSpPr>
-        <p:spPr/>
-        <p:txBody>
-          <a:bodyPr/>
-          <a:lstStyle/>
-          <a:p>
-            <a:r>
-              <a:rPr lang="en-US" dirty="0" smtClean="0"/>
-              <a:t>Elegant way to display multiple pictures</a:t>
-            </a:r>
-          </a:p>
-        </p:txBody>
-      </p:sp>
-    </p:spTree>
-    <p:extLst>
-      <p:ext uri="{BB962C8B-B14F-4D97-AF65-F5344CB8AC3E}">
-        <p14:creationId xmlns:p14="http://schemas.microsoft.com/office/powerpoint/2010/main" val="414717225"/>
-      </p:ext>
-    </p:extLst>
-  </p:cSld>
-  <p:clrMapOvr>
-    <a:masterClrMapping/>
-  </p:clrMapOvr>
-  <p:timing>
-    <p:tnLst>
-      <p:par>
-        <p:cTn id="1" dur="indefinite" restart="never" nodeType="tmRoot"/>
-      </p:par>
-    </p:tnLst>
-  </p:timing>
-</p:sld>
-</file>
-
-<file path=ppt/slides/slide12.xml><?xml version="1.0" encoding="utf-8"?>
-<p:sld xmlns:a="http://schemas.openxmlformats.org/drawingml/2006/main" xmlns:r="http://schemas.openxmlformats.org/officeDocument/2006/relationships" xmlns:p="http://schemas.openxmlformats.org/presentationml/2006/main">
-  <p:cSld>
-    <p:spTree>
-      <p:nvGrpSpPr>
-        <p:cNvPr id="1" name=""/>
-        <p:cNvGrpSpPr/>
-        <p:nvPr/>
-      </p:nvGrpSpPr>
-      <p:grpSpPr>
-        <a:xfrm>
-          <a:off x="0" y="0"/>
-          <a:ext cx="0" cy="0"/>
-          <a:chOff x="0" y="0"/>
-          <a:chExt cx="0" cy="0"/>
-        </a:xfrm>
-      </p:grpSpPr>
-      <p:sp>
-        <p:nvSpPr>
-          <p:cNvPr id="2" name="Title 1"/>
-          <p:cNvSpPr>
-            <a:spLocks noGrp="1"/>
-          </p:cNvSpPr>
-          <p:nvPr>
-            <p:ph type="title"/>
-          </p:nvPr>
-        </p:nvSpPr>
-        <p:spPr/>
-        <p:txBody>
-          <a:bodyPr/>
-          <a:lstStyle/>
-          <a:p>
-            <a:r>
-              <a:rPr lang="en-US" dirty="0" smtClean="0"/>
-              <a:t>Carousel</a:t>
-            </a:r>
-            <a:endParaRPr lang="en-US" dirty="0"/>
-          </a:p>
-        </p:txBody>
-      </p:sp>
-    </p:spTree>
-    <p:extLst>
-      <p:ext uri="{BB962C8B-B14F-4D97-AF65-F5344CB8AC3E}">
-        <p14:creationId xmlns:p14="http://schemas.microsoft.com/office/powerpoint/2010/main" val="1555226227"/>
-      </p:ext>
-    </p:extLst>
-  </p:cSld>
-  <p:clrMapOvr>
-    <a:masterClrMapping/>
-  </p:clrMapOvr>
-  <p:timing>
-    <p:tnLst>
-      <p:par>
-        <p:cTn id="1" dur="indefinite" restart="never" nodeType="tmRoot"/>
-      </p:par>
-    </p:tnLst>
-  </p:timing>
-</p:sld>
-</file>
-
-<file path=ppt/slides/slide13.xml><?xml version="1.0" encoding="utf-8"?>
-<p:sld xmlns:a="http://schemas.openxmlformats.org/drawingml/2006/main" xmlns:r="http://schemas.openxmlformats.org/officeDocument/2006/relationships" xmlns:p="http://schemas.openxmlformats.org/presentationml/2006/main">
-  <p:cSld>
-    <p:spTree>
-      <p:nvGrpSpPr>
-        <p:cNvPr id="1" name=""/>
-        <p:cNvGrpSpPr/>
-        <p:nvPr/>
-      </p:nvGrpSpPr>
-      <p:grpSpPr>
-        <a:xfrm>
-          <a:off x="0" y="0"/>
-          <a:ext cx="0" cy="0"/>
-          <a:chOff x="0" y="0"/>
-          <a:chExt cx="0" cy="0"/>
-        </a:xfrm>
-      </p:grpSpPr>
-      <p:sp>
-        <p:nvSpPr>
-          <p:cNvPr id="3" name="Title 2"/>
-          <p:cNvSpPr>
-            <a:spLocks noGrp="1"/>
-          </p:cNvSpPr>
-          <p:nvPr>
-            <p:ph type="title"/>
-          </p:nvPr>
-        </p:nvSpPr>
-        <p:spPr/>
-        <p:txBody>
-          <a:bodyPr/>
-          <a:lstStyle/>
-          <a:p>
-            <a:r>
-              <a:rPr lang="en-US" dirty="0" smtClean="0"/>
-              <a:t>Affix</a:t>
-            </a:r>
-            <a:endParaRPr lang="en-US" dirty="0"/>
-          </a:p>
-        </p:txBody>
-      </p:sp>
-      <p:sp>
-        <p:nvSpPr>
-          <p:cNvPr id="4" name="Content Placeholder 3"/>
-          <p:cNvSpPr>
-            <a:spLocks noGrp="1"/>
-          </p:cNvSpPr>
-          <p:nvPr>
-            <p:ph sz="quarter" idx="10"/>
-          </p:nvPr>
-        </p:nvSpPr>
-        <p:spPr/>
-        <p:txBody>
-          <a:bodyPr/>
-          <a:lstStyle/>
-          <a:p>
-            <a:r>
-              <a:rPr lang="en-US" dirty="0" smtClean="0"/>
-              <a:t>Pin control to the page</a:t>
-            </a:r>
-          </a:p>
-          <a:p>
-            <a:r>
-              <a:rPr lang="en-US" dirty="0" smtClean="0"/>
-              <a:t>Show navigation as the user scrolls through the page</a:t>
-            </a:r>
-            <a:endParaRPr lang="en-US" dirty="0"/>
-          </a:p>
-        </p:txBody>
-      </p:sp>
-    </p:spTree>
-    <p:extLst>
-      <p:ext uri="{BB962C8B-B14F-4D97-AF65-F5344CB8AC3E}">
-        <p14:creationId xmlns:p14="http://schemas.microsoft.com/office/powerpoint/2010/main" val="2864339612"/>
-      </p:ext>
-    </p:extLst>
-  </p:cSld>
-  <p:clrMapOvr>
-    <a:masterClrMapping/>
-  </p:clrMapOvr>
-  <p:timing>
-    <p:tnLst>
-      <p:par>
-        <p:cTn id="1" dur="indefinite" restart="never" nodeType="tmRoot"/>
-      </p:par>
-    </p:tnLst>
-  </p:timing>
-</p:sld>
-</file>
-
-<file path=ppt/slides/slide14.xml><?xml version="1.0" encoding="utf-8"?>
-<p:sld xmlns:a="http://schemas.openxmlformats.org/drawingml/2006/main" xmlns:r="http://schemas.openxmlformats.org/officeDocument/2006/relationships" xmlns:p="http://schemas.openxmlformats.org/presentationml/2006/main">
-  <p:cSld>
-    <p:spTree>
-      <p:nvGrpSpPr>
-        <p:cNvPr id="1" name=""/>
-        <p:cNvGrpSpPr/>
-        <p:nvPr/>
-      </p:nvGrpSpPr>
-      <p:grpSpPr>
-        <a:xfrm>
-          <a:off x="0" y="0"/>
-          <a:ext cx="0" cy="0"/>
-          <a:chOff x="0" y="0"/>
-          <a:chExt cx="0" cy="0"/>
-        </a:xfrm>
-      </p:grpSpPr>
-      <p:sp>
-        <p:nvSpPr>
-          <p:cNvPr id="2" name="Title 1"/>
-          <p:cNvSpPr>
-            <a:spLocks noGrp="1"/>
-          </p:cNvSpPr>
-          <p:nvPr>
-            <p:ph type="title"/>
-          </p:nvPr>
-        </p:nvSpPr>
-        <p:spPr/>
-        <p:txBody>
-          <a:bodyPr/>
-          <a:lstStyle/>
-          <a:p>
-            <a:r>
-              <a:rPr lang="en-US" dirty="0" smtClean="0"/>
-              <a:t>Affix</a:t>
-            </a:r>
-            <a:endParaRPr lang="en-US" dirty="0"/>
-          </a:p>
-        </p:txBody>
-      </p:sp>
-    </p:spTree>
-    <p:extLst>
-      <p:ext uri="{BB962C8B-B14F-4D97-AF65-F5344CB8AC3E}">
-        <p14:creationId xmlns:p14="http://schemas.microsoft.com/office/powerpoint/2010/main" val="2807793111"/>
-      </p:ext>
-    </p:extLst>
-  </p:cSld>
-  <p:clrMapOvr>
-    <a:masterClrMapping/>
-  </p:clrMapOvr>
-  <p:timing>
-    <p:tnLst>
-      <p:par>
-        <p:cTn id="1" dur="indefinite" restart="never" nodeType="tmRoot"/>
-      </p:par>
-    </p:tnLst>
-  </p:timing>
-</p:sld>
-</file>
-
-<file path=ppt/slides/slide15.xml><?xml version="1.0" encoding="utf-8"?>
-<p:sld xmlns:a="http://schemas.openxmlformats.org/drawingml/2006/main" xmlns:r="http://schemas.openxmlformats.org/officeDocument/2006/relationships" xmlns:p="http://schemas.openxmlformats.org/presentationml/2006/main">
-  <p:cSld>
-    <p:spTree>
-      <p:nvGrpSpPr>
-        <p:cNvPr id="1" name=""/>
-        <p:cNvGrpSpPr/>
-        <p:nvPr/>
-      </p:nvGrpSpPr>
-      <p:grpSpPr>
-        <a:xfrm>
-          <a:off x="0" y="0"/>
-          <a:ext cx="0" cy="0"/>
-          <a:chOff x="0" y="0"/>
-          <a:chExt cx="0" cy="0"/>
-        </a:xfrm>
-      </p:grpSpPr>
-      <p:sp>
-        <p:nvSpPr>
-          <p:cNvPr id="2" name="Title 1"/>
-          <p:cNvSpPr>
-            <a:spLocks noGrp="1"/>
-          </p:cNvSpPr>
-          <p:nvPr>
-            <p:ph type="title"/>
-          </p:nvPr>
-        </p:nvSpPr>
-        <p:spPr/>
-        <p:txBody>
-          <a:bodyPr/>
-          <a:lstStyle/>
-          <a:p>
-            <a:r>
-              <a:rPr lang="en-US" dirty="0" smtClean="0"/>
-              <a:t>Controlling Visibility</a:t>
-            </a:r>
-            <a:endParaRPr lang="en-US" dirty="0"/>
-          </a:p>
-        </p:txBody>
-      </p:sp>
-      <p:sp>
-        <p:nvSpPr>
-          <p:cNvPr id="3" name="Content Placeholder 2"/>
-          <p:cNvSpPr>
-            <a:spLocks noGrp="1"/>
-          </p:cNvSpPr>
-          <p:nvPr>
-            <p:ph sz="quarter" idx="10"/>
-          </p:nvPr>
-        </p:nvSpPr>
-        <p:spPr/>
-        <p:txBody>
-          <a:bodyPr/>
-          <a:lstStyle/>
-          <a:p>
-            <a:r>
-              <a:rPr lang="en-US" dirty="0" smtClean="0"/>
-              <a:t>Options</a:t>
-            </a:r>
-          </a:p>
-          <a:p>
-            <a:pPr lvl="1"/>
-            <a:r>
-              <a:rPr lang="en-US" dirty="0" smtClean="0"/>
-              <a:t>Hidden</a:t>
-            </a:r>
-          </a:p>
-          <a:p>
-            <a:pPr lvl="2"/>
-            <a:r>
-              <a:rPr lang="en-US" dirty="0" smtClean="0"/>
-              <a:t>Visible by default</a:t>
-            </a:r>
-          </a:p>
-          <a:p>
-            <a:pPr lvl="1"/>
-            <a:r>
-              <a:rPr lang="en-US" dirty="0" smtClean="0"/>
-              <a:t>Visible</a:t>
-            </a:r>
-          </a:p>
-          <a:p>
-            <a:pPr lvl="2"/>
-            <a:r>
-              <a:rPr lang="en-US" dirty="0" smtClean="0"/>
-              <a:t>Hidden by default</a:t>
-            </a:r>
-          </a:p>
-          <a:p>
-            <a:r>
-              <a:rPr lang="en-US" dirty="0" smtClean="0"/>
-              <a:t>Modes</a:t>
-            </a:r>
-          </a:p>
-          <a:p>
-            <a:pPr lvl="1"/>
-            <a:r>
-              <a:rPr lang="en-US" dirty="0" smtClean="0"/>
-              <a:t>Screen size</a:t>
-            </a:r>
-          </a:p>
-          <a:p>
-            <a:pPr lvl="1"/>
-            <a:r>
-              <a:rPr lang="en-US" dirty="0" smtClean="0"/>
-              <a:t>Print</a:t>
-            </a:r>
-            <a:endParaRPr lang="en-US" dirty="0"/>
-          </a:p>
-        </p:txBody>
-      </p:sp>
-    </p:spTree>
-    <p:extLst>
-      <p:ext uri="{BB962C8B-B14F-4D97-AF65-F5344CB8AC3E}">
-        <p14:creationId xmlns:p14="http://schemas.microsoft.com/office/powerpoint/2010/main" val="2378960574"/>
-      </p:ext>
-    </p:extLst>
-  </p:cSld>
-  <p:clrMapOvr>
-    <a:masterClrMapping/>
-  </p:clrMapOvr>
-  <p:timing>
-    <p:tnLst>
-      <p:par>
-        <p:cTn id="1" dur="indefinite" restart="never" nodeType="tmRoot"/>
-      </p:par>
-    </p:tnLst>
-  </p:timing>
-</p:sld>
-</file>
-
-<file path=ppt/slides/slide16.xml><?xml version="1.0" encoding="utf-8"?>
-<p:sld xmlns:a="http://schemas.openxmlformats.org/drawingml/2006/main" xmlns:r="http://schemas.openxmlformats.org/officeDocument/2006/relationships" xmlns:p="http://schemas.openxmlformats.org/presentationml/2006/main">
-  <p:cSld>
-    <p:spTree>
-      <p:nvGrpSpPr>
-        <p:cNvPr id="1" name=""/>
-        <p:cNvGrpSpPr/>
-        <p:nvPr/>
-      </p:nvGrpSpPr>
-      <p:grpSpPr>
-        <a:xfrm>
-          <a:off x="0" y="0"/>
-          <a:ext cx="0" cy="0"/>
-          <a:chOff x="0" y="0"/>
-          <a:chExt cx="0" cy="0"/>
-        </a:xfrm>
-      </p:grpSpPr>
-      <p:sp>
-        <p:nvSpPr>
-          <p:cNvPr id="2" name="Title 1"/>
-          <p:cNvSpPr>
-            <a:spLocks noGrp="1"/>
-          </p:cNvSpPr>
-          <p:nvPr>
-            <p:ph type="title"/>
-          </p:nvPr>
-        </p:nvSpPr>
-        <p:spPr/>
-        <p:txBody>
-          <a:bodyPr/>
-          <a:lstStyle/>
-          <a:p>
-            <a:r>
-              <a:rPr lang="en-US" dirty="0" smtClean="0"/>
               <a:t>Site Design</a:t>
             </a:r>
             <a:endParaRPr lang="en-US" dirty="0"/>
@@ -3782,7 +3291,138 @@
 </p:sld>
 </file>
 
-<file path=ppt/slides/slide17.xml><?xml version="1.0" encoding="utf-8"?>
+<file path=ppt/slides/slide11.xml><?xml version="1.0" encoding="utf-8"?>
+<p:sld xmlns:a="http://schemas.openxmlformats.org/drawingml/2006/main" xmlns:r="http://schemas.openxmlformats.org/officeDocument/2006/relationships" xmlns:p="http://schemas.openxmlformats.org/presentationml/2006/main">
+  <p:cSld>
+    <p:spTree>
+      <p:nvGrpSpPr>
+        <p:cNvPr id="1" name=""/>
+        <p:cNvGrpSpPr/>
+        <p:nvPr/>
+      </p:nvGrpSpPr>
+      <p:grpSpPr>
+        <a:xfrm>
+          <a:off x="0" y="0"/>
+          <a:ext cx="0" cy="0"/>
+          <a:chOff x="0" y="0"/>
+          <a:chExt cx="0" cy="0"/>
+        </a:xfrm>
+      </p:grpSpPr>
+      <p:sp>
+        <p:nvSpPr>
+          <p:cNvPr id="2" name="Title 1"/>
+          <p:cNvSpPr>
+            <a:spLocks noGrp="1"/>
+          </p:cNvSpPr>
+          <p:nvPr>
+            <p:ph type="title"/>
+          </p:nvPr>
+        </p:nvSpPr>
+        <p:spPr/>
+        <p:txBody>
+          <a:bodyPr/>
+          <a:lstStyle/>
+          <a:p>
+            <a:r>
+              <a:rPr lang="en-US" dirty="0" smtClean="0"/>
+              <a:t>Controlling Visibility</a:t>
+            </a:r>
+            <a:endParaRPr lang="en-US" dirty="0"/>
+          </a:p>
+        </p:txBody>
+      </p:sp>
+      <p:sp>
+        <p:nvSpPr>
+          <p:cNvPr id="3" name="Content Placeholder 2"/>
+          <p:cNvSpPr>
+            <a:spLocks noGrp="1"/>
+          </p:cNvSpPr>
+          <p:nvPr>
+            <p:ph sz="quarter" idx="10"/>
+          </p:nvPr>
+        </p:nvSpPr>
+        <p:spPr/>
+        <p:txBody>
+          <a:bodyPr/>
+          <a:lstStyle/>
+          <a:p>
+            <a:r>
+              <a:rPr lang="en-US" dirty="0" smtClean="0"/>
+              <a:t>Options</a:t>
+            </a:r>
+          </a:p>
+          <a:p>
+            <a:pPr lvl="1"/>
+            <a:r>
+              <a:rPr lang="en-US" dirty="0" smtClean="0"/>
+              <a:t>Hidden</a:t>
+            </a:r>
+          </a:p>
+          <a:p>
+            <a:pPr lvl="2"/>
+            <a:r>
+              <a:rPr lang="en-US" dirty="0" smtClean="0"/>
+              <a:t>Visible by default</a:t>
+            </a:r>
+          </a:p>
+          <a:p>
+            <a:pPr lvl="1"/>
+            <a:r>
+              <a:rPr lang="en-US" dirty="0" smtClean="0"/>
+              <a:t>Visible</a:t>
+            </a:r>
+          </a:p>
+          <a:p>
+            <a:pPr lvl="2"/>
+            <a:r>
+              <a:rPr lang="en-US" dirty="0" smtClean="0"/>
+              <a:t>Hidden by default</a:t>
+            </a:r>
+          </a:p>
+          <a:p>
+            <a:r>
+              <a:rPr lang="en-US" dirty="0" smtClean="0"/>
+              <a:t>Modes</a:t>
+            </a:r>
+          </a:p>
+          <a:p>
+            <a:pPr lvl="1"/>
+            <a:r>
+              <a:rPr lang="en-US" dirty="0" smtClean="0"/>
+              <a:t>Screen size</a:t>
+            </a:r>
+          </a:p>
+          <a:p>
+            <a:pPr lvl="1"/>
+            <a:r>
+              <a:rPr lang="en-US" dirty="0" smtClean="0"/>
+              <a:t>Print</a:t>
+            </a:r>
+            <a:endParaRPr lang="en-US" dirty="0"/>
+          </a:p>
+        </p:txBody>
+      </p:sp>
+    </p:spTree>
+    <p:extLst>
+      <p:ext uri="{BB962C8B-B14F-4D97-AF65-F5344CB8AC3E}">
+        <p14:creationId xmlns:p14="http://schemas.microsoft.com/office/powerpoint/2010/main" val="2378960574"/>
+      </p:ext>
+    </p:extLst>
+  </p:cSld>
+  <p:clrMapOvr>
+    <a:masterClrMapping/>
+  </p:clrMapOvr>
+  <p:timing>
+    <p:tnLst>
+      <p:par>
+        <p:cTn id="1" dur="indefinite" restart="never" nodeType="tmRoot"/>
+      </p:par>
+    </p:tnLst>
+  </p:timing>
+</p:sld>
+</file>
+
+<file path=ppt/slides/slide12.xml><?xml version="1.0" encoding="utf-8"?>
 <p:sld xmlns:a="http://schemas.openxmlformats.org/drawingml/2006/main" xmlns:r="http://schemas.openxmlformats.org/officeDocument/2006/relationships" xmlns:p="http://schemas.openxmlformats.org/presentationml/2006/main">
   <p:cSld>
     <p:spTree>
@@ -3842,7 +3482,7 @@
 </p:sld>
 </file>
 
-<file path=ppt/slides/slide18.xml><?xml version="1.0" encoding="utf-8"?>
+<file path=ppt/slides/slide13.xml><?xml version="1.0" encoding="utf-8"?>
 <p:sld xmlns:a="http://schemas.openxmlformats.org/drawingml/2006/main" xmlns:r="http://schemas.openxmlformats.org/officeDocument/2006/relationships" xmlns:p="http://schemas.openxmlformats.org/presentationml/2006/main">
   <p:cSld>
     <p:spTree>
@@ -3906,7 +3546,7 @@
       </p:grpSpPr>
       <p:sp>
         <p:nvSpPr>
-          <p:cNvPr id="4" name="Title 3"/>
+          <p:cNvPr id="2" name="Title 1"/>
           <p:cNvSpPr>
             <a:spLocks noGrp="1"/>
           </p:cNvSpPr>
@@ -3921,7 +3561,1670 @@
           <a:p>
             <a:r>
               <a:rPr lang="en-US" dirty="0" smtClean="0"/>
-              <a:t>JavaScript and Bootstrap</a:t>
+              <a:t>Bootstrap </a:t>
+            </a:r>
+            <a:r>
+              <a:rPr lang="en-US" dirty="0" smtClean="0"/>
+              <a:t>grids</a:t>
+            </a:r>
+            <a:endParaRPr lang="en-US" dirty="0"/>
+          </a:p>
+        </p:txBody>
+      </p:sp>
+      <p:graphicFrame>
+        <p:nvGraphicFramePr>
+          <p:cNvPr id="4" name="Content Placeholder 3"/>
+          <p:cNvGraphicFramePr>
+            <a:graphicFrameLocks noGrp="1"/>
+          </p:cNvGraphicFramePr>
+          <p:nvPr>
+            <p:ph sz="quarter" idx="10"/>
+            <p:extLst/>
+          </p:nvPr>
+        </p:nvGraphicFramePr>
+        <p:xfrm>
+          <a:off x="379413" y="1387475"/>
+          <a:ext cx="11525256" cy="1112520"/>
+        </p:xfrm>
+        <a:graphic>
+          <a:graphicData uri="http://schemas.openxmlformats.org/drawingml/2006/table">
+            <a:tbl>
+              <a:tblPr firstRow="1" bandRow="1">
+                <a:tableStyleId>{8A107856-5554-42FB-B03E-39F5DBC370BA}</a:tableStyleId>
+              </a:tblPr>
+              <a:tblGrid>
+                <a:gridCol w="960438"/>
+                <a:gridCol w="960438"/>
+                <a:gridCol w="960438"/>
+                <a:gridCol w="960438"/>
+                <a:gridCol w="960438"/>
+                <a:gridCol w="960438"/>
+                <a:gridCol w="960438"/>
+                <a:gridCol w="960438"/>
+                <a:gridCol w="960438"/>
+                <a:gridCol w="960438"/>
+                <a:gridCol w="960438"/>
+                <a:gridCol w="960438"/>
+              </a:tblGrid>
+              <a:tr h="370840">
+                <a:tc>
+                  <a:txBody>
+                    <a:bodyPr/>
+                    <a:lstStyle/>
+                    <a:p>
+                      <a:endParaRPr lang="en-US" dirty="0"/>
+                    </a:p>
+                  </a:txBody>
+                  <a:tcPr/>
+                </a:tc>
+                <a:tc>
+                  <a:txBody>
+                    <a:bodyPr/>
+                    <a:lstStyle/>
+                    <a:p>
+                      <a:endParaRPr lang="en-US"/>
+                    </a:p>
+                  </a:txBody>
+                  <a:tcPr/>
+                </a:tc>
+                <a:tc>
+                  <a:txBody>
+                    <a:bodyPr/>
+                    <a:lstStyle/>
+                    <a:p>
+                      <a:endParaRPr lang="en-US" dirty="0"/>
+                    </a:p>
+                  </a:txBody>
+                  <a:tcPr/>
+                </a:tc>
+                <a:tc>
+                  <a:txBody>
+                    <a:bodyPr/>
+                    <a:lstStyle/>
+                    <a:p>
+                      <a:endParaRPr lang="en-US"/>
+                    </a:p>
+                  </a:txBody>
+                  <a:tcPr/>
+                </a:tc>
+                <a:tc>
+                  <a:txBody>
+                    <a:bodyPr/>
+                    <a:lstStyle/>
+                    <a:p>
+                      <a:endParaRPr lang="en-US"/>
+                    </a:p>
+                  </a:txBody>
+                  <a:tcPr/>
+                </a:tc>
+                <a:tc>
+                  <a:txBody>
+                    <a:bodyPr/>
+                    <a:lstStyle/>
+                    <a:p>
+                      <a:endParaRPr lang="en-US"/>
+                    </a:p>
+                  </a:txBody>
+                  <a:tcPr/>
+                </a:tc>
+                <a:tc>
+                  <a:txBody>
+                    <a:bodyPr/>
+                    <a:lstStyle/>
+                    <a:p>
+                      <a:endParaRPr lang="en-US"/>
+                    </a:p>
+                  </a:txBody>
+                  <a:tcPr/>
+                </a:tc>
+                <a:tc>
+                  <a:txBody>
+                    <a:bodyPr/>
+                    <a:lstStyle/>
+                    <a:p>
+                      <a:endParaRPr lang="en-US"/>
+                    </a:p>
+                  </a:txBody>
+                  <a:tcPr/>
+                </a:tc>
+                <a:tc>
+                  <a:txBody>
+                    <a:bodyPr/>
+                    <a:lstStyle/>
+                    <a:p>
+                      <a:endParaRPr lang="en-US"/>
+                    </a:p>
+                  </a:txBody>
+                  <a:tcPr/>
+                </a:tc>
+                <a:tc>
+                  <a:txBody>
+                    <a:bodyPr/>
+                    <a:lstStyle/>
+                    <a:p>
+                      <a:endParaRPr lang="en-US"/>
+                    </a:p>
+                  </a:txBody>
+                  <a:tcPr/>
+                </a:tc>
+                <a:tc>
+                  <a:txBody>
+                    <a:bodyPr/>
+                    <a:lstStyle/>
+                    <a:p>
+                      <a:endParaRPr lang="en-US"/>
+                    </a:p>
+                  </a:txBody>
+                  <a:tcPr/>
+                </a:tc>
+                <a:tc>
+                  <a:txBody>
+                    <a:bodyPr/>
+                    <a:lstStyle/>
+                    <a:p>
+                      <a:endParaRPr lang="en-US"/>
+                    </a:p>
+                  </a:txBody>
+                  <a:tcPr/>
+                </a:tc>
+              </a:tr>
+              <a:tr h="370840">
+                <a:tc>
+                  <a:txBody>
+                    <a:bodyPr/>
+                    <a:lstStyle/>
+                    <a:p>
+                      <a:endParaRPr lang="en-US"/>
+                    </a:p>
+                  </a:txBody>
+                  <a:tcPr/>
+                </a:tc>
+                <a:tc>
+                  <a:txBody>
+                    <a:bodyPr/>
+                    <a:lstStyle/>
+                    <a:p>
+                      <a:endParaRPr lang="en-US"/>
+                    </a:p>
+                  </a:txBody>
+                  <a:tcPr/>
+                </a:tc>
+                <a:tc>
+                  <a:txBody>
+                    <a:bodyPr/>
+                    <a:lstStyle/>
+                    <a:p>
+                      <a:endParaRPr lang="en-US"/>
+                    </a:p>
+                  </a:txBody>
+                  <a:tcPr/>
+                </a:tc>
+                <a:tc>
+                  <a:txBody>
+                    <a:bodyPr/>
+                    <a:lstStyle/>
+                    <a:p>
+                      <a:endParaRPr lang="en-US"/>
+                    </a:p>
+                  </a:txBody>
+                  <a:tcPr/>
+                </a:tc>
+                <a:tc>
+                  <a:txBody>
+                    <a:bodyPr/>
+                    <a:lstStyle/>
+                    <a:p>
+                      <a:endParaRPr lang="en-US"/>
+                    </a:p>
+                  </a:txBody>
+                  <a:tcPr/>
+                </a:tc>
+                <a:tc>
+                  <a:txBody>
+                    <a:bodyPr/>
+                    <a:lstStyle/>
+                    <a:p>
+                      <a:endParaRPr lang="en-US"/>
+                    </a:p>
+                  </a:txBody>
+                  <a:tcPr/>
+                </a:tc>
+                <a:tc>
+                  <a:txBody>
+                    <a:bodyPr/>
+                    <a:lstStyle/>
+                    <a:p>
+                      <a:endParaRPr lang="en-US"/>
+                    </a:p>
+                  </a:txBody>
+                  <a:tcPr/>
+                </a:tc>
+                <a:tc>
+                  <a:txBody>
+                    <a:bodyPr/>
+                    <a:lstStyle/>
+                    <a:p>
+                      <a:endParaRPr lang="en-US"/>
+                    </a:p>
+                  </a:txBody>
+                  <a:tcPr/>
+                </a:tc>
+                <a:tc>
+                  <a:txBody>
+                    <a:bodyPr/>
+                    <a:lstStyle/>
+                    <a:p>
+                      <a:endParaRPr lang="en-US"/>
+                    </a:p>
+                  </a:txBody>
+                  <a:tcPr/>
+                </a:tc>
+                <a:tc>
+                  <a:txBody>
+                    <a:bodyPr/>
+                    <a:lstStyle/>
+                    <a:p>
+                      <a:endParaRPr lang="en-US"/>
+                    </a:p>
+                  </a:txBody>
+                  <a:tcPr/>
+                </a:tc>
+                <a:tc>
+                  <a:txBody>
+                    <a:bodyPr/>
+                    <a:lstStyle/>
+                    <a:p>
+                      <a:endParaRPr lang="en-US"/>
+                    </a:p>
+                  </a:txBody>
+                  <a:tcPr/>
+                </a:tc>
+                <a:tc>
+                  <a:txBody>
+                    <a:bodyPr/>
+                    <a:lstStyle/>
+                    <a:p>
+                      <a:endParaRPr lang="en-US"/>
+                    </a:p>
+                  </a:txBody>
+                  <a:tcPr/>
+                </a:tc>
+              </a:tr>
+              <a:tr h="370840">
+                <a:tc>
+                  <a:txBody>
+                    <a:bodyPr/>
+                    <a:lstStyle/>
+                    <a:p>
+                      <a:endParaRPr lang="en-US"/>
+                    </a:p>
+                  </a:txBody>
+                  <a:tcPr/>
+                </a:tc>
+                <a:tc>
+                  <a:txBody>
+                    <a:bodyPr/>
+                    <a:lstStyle/>
+                    <a:p>
+                      <a:endParaRPr lang="en-US"/>
+                    </a:p>
+                  </a:txBody>
+                  <a:tcPr/>
+                </a:tc>
+                <a:tc>
+                  <a:txBody>
+                    <a:bodyPr/>
+                    <a:lstStyle/>
+                    <a:p>
+                      <a:endParaRPr lang="en-US"/>
+                    </a:p>
+                  </a:txBody>
+                  <a:tcPr/>
+                </a:tc>
+                <a:tc>
+                  <a:txBody>
+                    <a:bodyPr/>
+                    <a:lstStyle/>
+                    <a:p>
+                      <a:endParaRPr lang="en-US"/>
+                    </a:p>
+                  </a:txBody>
+                  <a:tcPr/>
+                </a:tc>
+                <a:tc>
+                  <a:txBody>
+                    <a:bodyPr/>
+                    <a:lstStyle/>
+                    <a:p>
+                      <a:endParaRPr lang="en-US"/>
+                    </a:p>
+                  </a:txBody>
+                  <a:tcPr/>
+                </a:tc>
+                <a:tc>
+                  <a:txBody>
+                    <a:bodyPr/>
+                    <a:lstStyle/>
+                    <a:p>
+                      <a:endParaRPr lang="en-US"/>
+                    </a:p>
+                  </a:txBody>
+                  <a:tcPr/>
+                </a:tc>
+                <a:tc>
+                  <a:txBody>
+                    <a:bodyPr/>
+                    <a:lstStyle/>
+                    <a:p>
+                      <a:endParaRPr lang="en-US"/>
+                    </a:p>
+                  </a:txBody>
+                  <a:tcPr/>
+                </a:tc>
+                <a:tc>
+                  <a:txBody>
+                    <a:bodyPr/>
+                    <a:lstStyle/>
+                    <a:p>
+                      <a:endParaRPr lang="en-US"/>
+                    </a:p>
+                  </a:txBody>
+                  <a:tcPr/>
+                </a:tc>
+                <a:tc>
+                  <a:txBody>
+                    <a:bodyPr/>
+                    <a:lstStyle/>
+                    <a:p>
+                      <a:endParaRPr lang="en-US"/>
+                    </a:p>
+                  </a:txBody>
+                  <a:tcPr/>
+                </a:tc>
+                <a:tc>
+                  <a:txBody>
+                    <a:bodyPr/>
+                    <a:lstStyle/>
+                    <a:p>
+                      <a:endParaRPr lang="en-US"/>
+                    </a:p>
+                  </a:txBody>
+                  <a:tcPr/>
+                </a:tc>
+                <a:tc>
+                  <a:txBody>
+                    <a:bodyPr/>
+                    <a:lstStyle/>
+                    <a:p>
+                      <a:endParaRPr lang="en-US"/>
+                    </a:p>
+                  </a:txBody>
+                  <a:tcPr/>
+                </a:tc>
+                <a:tc>
+                  <a:txBody>
+                    <a:bodyPr/>
+                    <a:lstStyle/>
+                    <a:p>
+                      <a:endParaRPr lang="en-US" dirty="0"/>
+                    </a:p>
+                  </a:txBody>
+                  <a:tcPr/>
+                </a:tc>
+              </a:tr>
+            </a:tbl>
+          </a:graphicData>
+        </a:graphic>
+      </p:graphicFrame>
+      <p:graphicFrame>
+        <p:nvGraphicFramePr>
+          <p:cNvPr id="5" name="Content Placeholder 3"/>
+          <p:cNvGraphicFramePr>
+            <a:graphicFrameLocks/>
+          </p:cNvGraphicFramePr>
+          <p:nvPr>
+            <p:extLst/>
+          </p:nvPr>
+        </p:nvGraphicFramePr>
+        <p:xfrm>
+          <a:off x="378690" y="2773871"/>
+          <a:ext cx="9614400" cy="1112520"/>
+        </p:xfrm>
+        <a:graphic>
+          <a:graphicData uri="http://schemas.openxmlformats.org/drawingml/2006/table">
+            <a:tbl>
+              <a:tblPr firstRow="1" bandRow="1">
+                <a:tableStyleId>{69CF1AB2-1976-4502-BF36-3FF5EA218861}</a:tableStyleId>
+              </a:tblPr>
+              <a:tblGrid>
+                <a:gridCol w="801200"/>
+                <a:gridCol w="801200"/>
+                <a:gridCol w="801200"/>
+                <a:gridCol w="801200"/>
+                <a:gridCol w="801200"/>
+                <a:gridCol w="801200"/>
+                <a:gridCol w="801200"/>
+                <a:gridCol w="801200"/>
+                <a:gridCol w="801200"/>
+                <a:gridCol w="801200"/>
+                <a:gridCol w="801200"/>
+                <a:gridCol w="801200"/>
+              </a:tblGrid>
+              <a:tr h="370840">
+                <a:tc>
+                  <a:txBody>
+                    <a:bodyPr/>
+                    <a:lstStyle/>
+                    <a:p>
+                      <a:endParaRPr lang="en-US" dirty="0"/>
+                    </a:p>
+                  </a:txBody>
+                  <a:tcPr/>
+                </a:tc>
+                <a:tc>
+                  <a:txBody>
+                    <a:bodyPr/>
+                    <a:lstStyle/>
+                    <a:p>
+                      <a:endParaRPr lang="en-US"/>
+                    </a:p>
+                  </a:txBody>
+                  <a:tcPr/>
+                </a:tc>
+                <a:tc>
+                  <a:txBody>
+                    <a:bodyPr/>
+                    <a:lstStyle/>
+                    <a:p>
+                      <a:endParaRPr lang="en-US"/>
+                    </a:p>
+                  </a:txBody>
+                  <a:tcPr/>
+                </a:tc>
+                <a:tc>
+                  <a:txBody>
+                    <a:bodyPr/>
+                    <a:lstStyle/>
+                    <a:p>
+                      <a:endParaRPr lang="en-US" dirty="0"/>
+                    </a:p>
+                  </a:txBody>
+                  <a:tcPr/>
+                </a:tc>
+                <a:tc>
+                  <a:txBody>
+                    <a:bodyPr/>
+                    <a:lstStyle/>
+                    <a:p>
+                      <a:endParaRPr lang="en-US"/>
+                    </a:p>
+                  </a:txBody>
+                  <a:tcPr/>
+                </a:tc>
+                <a:tc>
+                  <a:txBody>
+                    <a:bodyPr/>
+                    <a:lstStyle/>
+                    <a:p>
+                      <a:endParaRPr lang="en-US"/>
+                    </a:p>
+                  </a:txBody>
+                  <a:tcPr/>
+                </a:tc>
+                <a:tc>
+                  <a:txBody>
+                    <a:bodyPr/>
+                    <a:lstStyle/>
+                    <a:p>
+                      <a:endParaRPr lang="en-US"/>
+                    </a:p>
+                  </a:txBody>
+                  <a:tcPr/>
+                </a:tc>
+                <a:tc>
+                  <a:txBody>
+                    <a:bodyPr/>
+                    <a:lstStyle/>
+                    <a:p>
+                      <a:endParaRPr lang="en-US"/>
+                    </a:p>
+                  </a:txBody>
+                  <a:tcPr/>
+                </a:tc>
+                <a:tc>
+                  <a:txBody>
+                    <a:bodyPr/>
+                    <a:lstStyle/>
+                    <a:p>
+                      <a:endParaRPr lang="en-US"/>
+                    </a:p>
+                  </a:txBody>
+                  <a:tcPr/>
+                </a:tc>
+                <a:tc>
+                  <a:txBody>
+                    <a:bodyPr/>
+                    <a:lstStyle/>
+                    <a:p>
+                      <a:endParaRPr lang="en-US"/>
+                    </a:p>
+                  </a:txBody>
+                  <a:tcPr/>
+                </a:tc>
+                <a:tc>
+                  <a:txBody>
+                    <a:bodyPr/>
+                    <a:lstStyle/>
+                    <a:p>
+                      <a:endParaRPr lang="en-US"/>
+                    </a:p>
+                  </a:txBody>
+                  <a:tcPr/>
+                </a:tc>
+                <a:tc>
+                  <a:txBody>
+                    <a:bodyPr/>
+                    <a:lstStyle/>
+                    <a:p>
+                      <a:endParaRPr lang="en-US"/>
+                    </a:p>
+                  </a:txBody>
+                  <a:tcPr/>
+                </a:tc>
+              </a:tr>
+              <a:tr h="370840">
+                <a:tc>
+                  <a:txBody>
+                    <a:bodyPr/>
+                    <a:lstStyle/>
+                    <a:p>
+                      <a:endParaRPr lang="en-US"/>
+                    </a:p>
+                  </a:txBody>
+                  <a:tcPr/>
+                </a:tc>
+                <a:tc>
+                  <a:txBody>
+                    <a:bodyPr/>
+                    <a:lstStyle/>
+                    <a:p>
+                      <a:endParaRPr lang="en-US"/>
+                    </a:p>
+                  </a:txBody>
+                  <a:tcPr/>
+                </a:tc>
+                <a:tc>
+                  <a:txBody>
+                    <a:bodyPr/>
+                    <a:lstStyle/>
+                    <a:p>
+                      <a:endParaRPr lang="en-US"/>
+                    </a:p>
+                  </a:txBody>
+                  <a:tcPr/>
+                </a:tc>
+                <a:tc>
+                  <a:txBody>
+                    <a:bodyPr/>
+                    <a:lstStyle/>
+                    <a:p>
+                      <a:endParaRPr lang="en-US"/>
+                    </a:p>
+                  </a:txBody>
+                  <a:tcPr/>
+                </a:tc>
+                <a:tc>
+                  <a:txBody>
+                    <a:bodyPr/>
+                    <a:lstStyle/>
+                    <a:p>
+                      <a:endParaRPr lang="en-US"/>
+                    </a:p>
+                  </a:txBody>
+                  <a:tcPr/>
+                </a:tc>
+                <a:tc>
+                  <a:txBody>
+                    <a:bodyPr/>
+                    <a:lstStyle/>
+                    <a:p>
+                      <a:endParaRPr lang="en-US"/>
+                    </a:p>
+                  </a:txBody>
+                  <a:tcPr/>
+                </a:tc>
+                <a:tc>
+                  <a:txBody>
+                    <a:bodyPr/>
+                    <a:lstStyle/>
+                    <a:p>
+                      <a:endParaRPr lang="en-US"/>
+                    </a:p>
+                  </a:txBody>
+                  <a:tcPr/>
+                </a:tc>
+                <a:tc>
+                  <a:txBody>
+                    <a:bodyPr/>
+                    <a:lstStyle/>
+                    <a:p>
+                      <a:endParaRPr lang="en-US"/>
+                    </a:p>
+                  </a:txBody>
+                  <a:tcPr/>
+                </a:tc>
+                <a:tc>
+                  <a:txBody>
+                    <a:bodyPr/>
+                    <a:lstStyle/>
+                    <a:p>
+                      <a:endParaRPr lang="en-US"/>
+                    </a:p>
+                  </a:txBody>
+                  <a:tcPr/>
+                </a:tc>
+                <a:tc>
+                  <a:txBody>
+                    <a:bodyPr/>
+                    <a:lstStyle/>
+                    <a:p>
+                      <a:endParaRPr lang="en-US"/>
+                    </a:p>
+                  </a:txBody>
+                  <a:tcPr/>
+                </a:tc>
+                <a:tc>
+                  <a:txBody>
+                    <a:bodyPr/>
+                    <a:lstStyle/>
+                    <a:p>
+                      <a:endParaRPr lang="en-US"/>
+                    </a:p>
+                  </a:txBody>
+                  <a:tcPr/>
+                </a:tc>
+                <a:tc>
+                  <a:txBody>
+                    <a:bodyPr/>
+                    <a:lstStyle/>
+                    <a:p>
+                      <a:endParaRPr lang="en-US"/>
+                    </a:p>
+                  </a:txBody>
+                  <a:tcPr/>
+                </a:tc>
+              </a:tr>
+              <a:tr h="370840">
+                <a:tc>
+                  <a:txBody>
+                    <a:bodyPr/>
+                    <a:lstStyle/>
+                    <a:p>
+                      <a:endParaRPr lang="en-US"/>
+                    </a:p>
+                  </a:txBody>
+                  <a:tcPr/>
+                </a:tc>
+                <a:tc>
+                  <a:txBody>
+                    <a:bodyPr/>
+                    <a:lstStyle/>
+                    <a:p>
+                      <a:endParaRPr lang="en-US"/>
+                    </a:p>
+                  </a:txBody>
+                  <a:tcPr/>
+                </a:tc>
+                <a:tc>
+                  <a:txBody>
+                    <a:bodyPr/>
+                    <a:lstStyle/>
+                    <a:p>
+                      <a:endParaRPr lang="en-US"/>
+                    </a:p>
+                  </a:txBody>
+                  <a:tcPr/>
+                </a:tc>
+                <a:tc>
+                  <a:txBody>
+                    <a:bodyPr/>
+                    <a:lstStyle/>
+                    <a:p>
+                      <a:endParaRPr lang="en-US"/>
+                    </a:p>
+                  </a:txBody>
+                  <a:tcPr/>
+                </a:tc>
+                <a:tc>
+                  <a:txBody>
+                    <a:bodyPr/>
+                    <a:lstStyle/>
+                    <a:p>
+                      <a:endParaRPr lang="en-US"/>
+                    </a:p>
+                  </a:txBody>
+                  <a:tcPr/>
+                </a:tc>
+                <a:tc>
+                  <a:txBody>
+                    <a:bodyPr/>
+                    <a:lstStyle/>
+                    <a:p>
+                      <a:endParaRPr lang="en-US"/>
+                    </a:p>
+                  </a:txBody>
+                  <a:tcPr/>
+                </a:tc>
+                <a:tc>
+                  <a:txBody>
+                    <a:bodyPr/>
+                    <a:lstStyle/>
+                    <a:p>
+                      <a:endParaRPr lang="en-US"/>
+                    </a:p>
+                  </a:txBody>
+                  <a:tcPr/>
+                </a:tc>
+                <a:tc>
+                  <a:txBody>
+                    <a:bodyPr/>
+                    <a:lstStyle/>
+                    <a:p>
+                      <a:endParaRPr lang="en-US"/>
+                    </a:p>
+                  </a:txBody>
+                  <a:tcPr/>
+                </a:tc>
+                <a:tc>
+                  <a:txBody>
+                    <a:bodyPr/>
+                    <a:lstStyle/>
+                    <a:p>
+                      <a:endParaRPr lang="en-US"/>
+                    </a:p>
+                  </a:txBody>
+                  <a:tcPr/>
+                </a:tc>
+                <a:tc>
+                  <a:txBody>
+                    <a:bodyPr/>
+                    <a:lstStyle/>
+                    <a:p>
+                      <a:endParaRPr lang="en-US"/>
+                    </a:p>
+                  </a:txBody>
+                  <a:tcPr/>
+                </a:tc>
+                <a:tc>
+                  <a:txBody>
+                    <a:bodyPr/>
+                    <a:lstStyle/>
+                    <a:p>
+                      <a:endParaRPr lang="en-US"/>
+                    </a:p>
+                  </a:txBody>
+                  <a:tcPr/>
+                </a:tc>
+                <a:tc>
+                  <a:txBody>
+                    <a:bodyPr/>
+                    <a:lstStyle/>
+                    <a:p>
+                      <a:endParaRPr lang="en-US" dirty="0"/>
+                    </a:p>
+                  </a:txBody>
+                  <a:tcPr/>
+                </a:tc>
+              </a:tr>
+            </a:tbl>
+          </a:graphicData>
+        </a:graphic>
+      </p:graphicFrame>
+      <p:graphicFrame>
+        <p:nvGraphicFramePr>
+          <p:cNvPr id="6" name="Content Placeholder 3"/>
+          <p:cNvGraphicFramePr>
+            <a:graphicFrameLocks/>
+          </p:cNvGraphicFramePr>
+          <p:nvPr>
+            <p:extLst/>
+          </p:nvPr>
+        </p:nvGraphicFramePr>
+        <p:xfrm>
+          <a:off x="378690" y="4169145"/>
+          <a:ext cx="7336560" cy="1112520"/>
+        </p:xfrm>
+        <a:graphic>
+          <a:graphicData uri="http://schemas.openxmlformats.org/drawingml/2006/table">
+            <a:tbl>
+              <a:tblPr firstRow="1" bandRow="1">
+                <a:tableStyleId>{0505E3EF-67EA-436B-97B2-0124C06EBD24}</a:tableStyleId>
+              </a:tblPr>
+              <a:tblGrid>
+                <a:gridCol w="611380"/>
+                <a:gridCol w="611380"/>
+                <a:gridCol w="611380"/>
+                <a:gridCol w="611380"/>
+                <a:gridCol w="611380"/>
+                <a:gridCol w="611380"/>
+                <a:gridCol w="611380"/>
+                <a:gridCol w="611380"/>
+                <a:gridCol w="611380"/>
+                <a:gridCol w="611380"/>
+                <a:gridCol w="611380"/>
+                <a:gridCol w="611380"/>
+              </a:tblGrid>
+              <a:tr h="370840">
+                <a:tc>
+                  <a:txBody>
+                    <a:bodyPr/>
+                    <a:lstStyle/>
+                    <a:p>
+                      <a:endParaRPr lang="en-US" dirty="0"/>
+                    </a:p>
+                  </a:txBody>
+                  <a:tcPr/>
+                </a:tc>
+                <a:tc>
+                  <a:txBody>
+                    <a:bodyPr/>
+                    <a:lstStyle/>
+                    <a:p>
+                      <a:endParaRPr lang="en-US"/>
+                    </a:p>
+                  </a:txBody>
+                  <a:tcPr/>
+                </a:tc>
+                <a:tc>
+                  <a:txBody>
+                    <a:bodyPr/>
+                    <a:lstStyle/>
+                    <a:p>
+                      <a:endParaRPr lang="en-US" dirty="0"/>
+                    </a:p>
+                  </a:txBody>
+                  <a:tcPr/>
+                </a:tc>
+                <a:tc>
+                  <a:txBody>
+                    <a:bodyPr/>
+                    <a:lstStyle/>
+                    <a:p>
+                      <a:endParaRPr lang="en-US"/>
+                    </a:p>
+                  </a:txBody>
+                  <a:tcPr/>
+                </a:tc>
+                <a:tc>
+                  <a:txBody>
+                    <a:bodyPr/>
+                    <a:lstStyle/>
+                    <a:p>
+                      <a:endParaRPr lang="en-US"/>
+                    </a:p>
+                  </a:txBody>
+                  <a:tcPr/>
+                </a:tc>
+                <a:tc>
+                  <a:txBody>
+                    <a:bodyPr/>
+                    <a:lstStyle/>
+                    <a:p>
+                      <a:endParaRPr lang="en-US"/>
+                    </a:p>
+                  </a:txBody>
+                  <a:tcPr/>
+                </a:tc>
+                <a:tc>
+                  <a:txBody>
+                    <a:bodyPr/>
+                    <a:lstStyle/>
+                    <a:p>
+                      <a:endParaRPr lang="en-US"/>
+                    </a:p>
+                  </a:txBody>
+                  <a:tcPr/>
+                </a:tc>
+                <a:tc>
+                  <a:txBody>
+                    <a:bodyPr/>
+                    <a:lstStyle/>
+                    <a:p>
+                      <a:endParaRPr lang="en-US"/>
+                    </a:p>
+                  </a:txBody>
+                  <a:tcPr/>
+                </a:tc>
+                <a:tc>
+                  <a:txBody>
+                    <a:bodyPr/>
+                    <a:lstStyle/>
+                    <a:p>
+                      <a:endParaRPr lang="en-US"/>
+                    </a:p>
+                  </a:txBody>
+                  <a:tcPr/>
+                </a:tc>
+                <a:tc>
+                  <a:txBody>
+                    <a:bodyPr/>
+                    <a:lstStyle/>
+                    <a:p>
+                      <a:endParaRPr lang="en-US"/>
+                    </a:p>
+                  </a:txBody>
+                  <a:tcPr/>
+                </a:tc>
+                <a:tc>
+                  <a:txBody>
+                    <a:bodyPr/>
+                    <a:lstStyle/>
+                    <a:p>
+                      <a:endParaRPr lang="en-US"/>
+                    </a:p>
+                  </a:txBody>
+                  <a:tcPr/>
+                </a:tc>
+                <a:tc>
+                  <a:txBody>
+                    <a:bodyPr/>
+                    <a:lstStyle/>
+                    <a:p>
+                      <a:endParaRPr lang="en-US"/>
+                    </a:p>
+                  </a:txBody>
+                  <a:tcPr/>
+                </a:tc>
+              </a:tr>
+              <a:tr h="370840">
+                <a:tc>
+                  <a:txBody>
+                    <a:bodyPr/>
+                    <a:lstStyle/>
+                    <a:p>
+                      <a:endParaRPr lang="en-US"/>
+                    </a:p>
+                  </a:txBody>
+                  <a:tcPr/>
+                </a:tc>
+                <a:tc>
+                  <a:txBody>
+                    <a:bodyPr/>
+                    <a:lstStyle/>
+                    <a:p>
+                      <a:endParaRPr lang="en-US"/>
+                    </a:p>
+                  </a:txBody>
+                  <a:tcPr/>
+                </a:tc>
+                <a:tc>
+                  <a:txBody>
+                    <a:bodyPr/>
+                    <a:lstStyle/>
+                    <a:p>
+                      <a:endParaRPr lang="en-US"/>
+                    </a:p>
+                  </a:txBody>
+                  <a:tcPr/>
+                </a:tc>
+                <a:tc>
+                  <a:txBody>
+                    <a:bodyPr/>
+                    <a:lstStyle/>
+                    <a:p>
+                      <a:endParaRPr lang="en-US"/>
+                    </a:p>
+                  </a:txBody>
+                  <a:tcPr/>
+                </a:tc>
+                <a:tc>
+                  <a:txBody>
+                    <a:bodyPr/>
+                    <a:lstStyle/>
+                    <a:p>
+                      <a:endParaRPr lang="en-US"/>
+                    </a:p>
+                  </a:txBody>
+                  <a:tcPr/>
+                </a:tc>
+                <a:tc>
+                  <a:txBody>
+                    <a:bodyPr/>
+                    <a:lstStyle/>
+                    <a:p>
+                      <a:endParaRPr lang="en-US"/>
+                    </a:p>
+                  </a:txBody>
+                  <a:tcPr/>
+                </a:tc>
+                <a:tc>
+                  <a:txBody>
+                    <a:bodyPr/>
+                    <a:lstStyle/>
+                    <a:p>
+                      <a:endParaRPr lang="en-US"/>
+                    </a:p>
+                  </a:txBody>
+                  <a:tcPr/>
+                </a:tc>
+                <a:tc>
+                  <a:txBody>
+                    <a:bodyPr/>
+                    <a:lstStyle/>
+                    <a:p>
+                      <a:endParaRPr lang="en-US"/>
+                    </a:p>
+                  </a:txBody>
+                  <a:tcPr/>
+                </a:tc>
+                <a:tc>
+                  <a:txBody>
+                    <a:bodyPr/>
+                    <a:lstStyle/>
+                    <a:p>
+                      <a:endParaRPr lang="en-US"/>
+                    </a:p>
+                  </a:txBody>
+                  <a:tcPr/>
+                </a:tc>
+                <a:tc>
+                  <a:txBody>
+                    <a:bodyPr/>
+                    <a:lstStyle/>
+                    <a:p>
+                      <a:endParaRPr lang="en-US"/>
+                    </a:p>
+                  </a:txBody>
+                  <a:tcPr/>
+                </a:tc>
+                <a:tc>
+                  <a:txBody>
+                    <a:bodyPr/>
+                    <a:lstStyle/>
+                    <a:p>
+                      <a:endParaRPr lang="en-US"/>
+                    </a:p>
+                  </a:txBody>
+                  <a:tcPr/>
+                </a:tc>
+                <a:tc>
+                  <a:txBody>
+                    <a:bodyPr/>
+                    <a:lstStyle/>
+                    <a:p>
+                      <a:endParaRPr lang="en-US"/>
+                    </a:p>
+                  </a:txBody>
+                  <a:tcPr/>
+                </a:tc>
+              </a:tr>
+              <a:tr h="370840">
+                <a:tc>
+                  <a:txBody>
+                    <a:bodyPr/>
+                    <a:lstStyle/>
+                    <a:p>
+                      <a:endParaRPr lang="en-US"/>
+                    </a:p>
+                  </a:txBody>
+                  <a:tcPr/>
+                </a:tc>
+                <a:tc>
+                  <a:txBody>
+                    <a:bodyPr/>
+                    <a:lstStyle/>
+                    <a:p>
+                      <a:endParaRPr lang="en-US"/>
+                    </a:p>
+                  </a:txBody>
+                  <a:tcPr/>
+                </a:tc>
+                <a:tc>
+                  <a:txBody>
+                    <a:bodyPr/>
+                    <a:lstStyle/>
+                    <a:p>
+                      <a:endParaRPr lang="en-US"/>
+                    </a:p>
+                  </a:txBody>
+                  <a:tcPr/>
+                </a:tc>
+                <a:tc>
+                  <a:txBody>
+                    <a:bodyPr/>
+                    <a:lstStyle/>
+                    <a:p>
+                      <a:endParaRPr lang="en-US"/>
+                    </a:p>
+                  </a:txBody>
+                  <a:tcPr/>
+                </a:tc>
+                <a:tc>
+                  <a:txBody>
+                    <a:bodyPr/>
+                    <a:lstStyle/>
+                    <a:p>
+                      <a:endParaRPr lang="en-US"/>
+                    </a:p>
+                  </a:txBody>
+                  <a:tcPr/>
+                </a:tc>
+                <a:tc>
+                  <a:txBody>
+                    <a:bodyPr/>
+                    <a:lstStyle/>
+                    <a:p>
+                      <a:endParaRPr lang="en-US"/>
+                    </a:p>
+                  </a:txBody>
+                  <a:tcPr/>
+                </a:tc>
+                <a:tc>
+                  <a:txBody>
+                    <a:bodyPr/>
+                    <a:lstStyle/>
+                    <a:p>
+                      <a:endParaRPr lang="en-US"/>
+                    </a:p>
+                  </a:txBody>
+                  <a:tcPr/>
+                </a:tc>
+                <a:tc>
+                  <a:txBody>
+                    <a:bodyPr/>
+                    <a:lstStyle/>
+                    <a:p>
+                      <a:endParaRPr lang="en-US"/>
+                    </a:p>
+                  </a:txBody>
+                  <a:tcPr/>
+                </a:tc>
+                <a:tc>
+                  <a:txBody>
+                    <a:bodyPr/>
+                    <a:lstStyle/>
+                    <a:p>
+                      <a:endParaRPr lang="en-US"/>
+                    </a:p>
+                  </a:txBody>
+                  <a:tcPr/>
+                </a:tc>
+                <a:tc>
+                  <a:txBody>
+                    <a:bodyPr/>
+                    <a:lstStyle/>
+                    <a:p>
+                      <a:endParaRPr lang="en-US"/>
+                    </a:p>
+                  </a:txBody>
+                  <a:tcPr/>
+                </a:tc>
+                <a:tc>
+                  <a:txBody>
+                    <a:bodyPr/>
+                    <a:lstStyle/>
+                    <a:p>
+                      <a:endParaRPr lang="en-US"/>
+                    </a:p>
+                  </a:txBody>
+                  <a:tcPr/>
+                </a:tc>
+                <a:tc>
+                  <a:txBody>
+                    <a:bodyPr/>
+                    <a:lstStyle/>
+                    <a:p>
+                      <a:endParaRPr lang="en-US" dirty="0"/>
+                    </a:p>
+                  </a:txBody>
+                  <a:tcPr/>
+                </a:tc>
+              </a:tr>
+            </a:tbl>
+          </a:graphicData>
+        </a:graphic>
+      </p:graphicFrame>
+      <p:graphicFrame>
+        <p:nvGraphicFramePr>
+          <p:cNvPr id="7" name="Content Placeholder 3"/>
+          <p:cNvGraphicFramePr>
+            <a:graphicFrameLocks/>
+          </p:cNvGraphicFramePr>
+          <p:nvPr>
+            <p:extLst/>
+          </p:nvPr>
+        </p:nvGraphicFramePr>
+        <p:xfrm>
+          <a:off x="379514" y="5537786"/>
+          <a:ext cx="5245680" cy="1112520"/>
+        </p:xfrm>
+        <a:graphic>
+          <a:graphicData uri="http://schemas.openxmlformats.org/drawingml/2006/table">
+            <a:tbl>
+              <a:tblPr firstRow="1" bandRow="1">
+                <a:tableStyleId>{C4B1156A-380E-4F78-BDF5-A606A8083BF9}</a:tableStyleId>
+              </a:tblPr>
+              <a:tblGrid>
+                <a:gridCol w="437140"/>
+                <a:gridCol w="437140"/>
+                <a:gridCol w="437140"/>
+                <a:gridCol w="437140"/>
+                <a:gridCol w="437140"/>
+                <a:gridCol w="437140"/>
+                <a:gridCol w="437140"/>
+                <a:gridCol w="437140"/>
+                <a:gridCol w="437140"/>
+                <a:gridCol w="437140"/>
+                <a:gridCol w="437140"/>
+                <a:gridCol w="437140"/>
+              </a:tblGrid>
+              <a:tr h="370840">
+                <a:tc>
+                  <a:txBody>
+                    <a:bodyPr/>
+                    <a:lstStyle/>
+                    <a:p>
+                      <a:endParaRPr lang="en-US" dirty="0"/>
+                    </a:p>
+                  </a:txBody>
+                  <a:tcPr/>
+                </a:tc>
+                <a:tc>
+                  <a:txBody>
+                    <a:bodyPr/>
+                    <a:lstStyle/>
+                    <a:p>
+                      <a:endParaRPr lang="en-US" dirty="0"/>
+                    </a:p>
+                  </a:txBody>
+                  <a:tcPr/>
+                </a:tc>
+                <a:tc>
+                  <a:txBody>
+                    <a:bodyPr/>
+                    <a:lstStyle/>
+                    <a:p>
+                      <a:endParaRPr lang="en-US" dirty="0"/>
+                    </a:p>
+                  </a:txBody>
+                  <a:tcPr/>
+                </a:tc>
+                <a:tc>
+                  <a:txBody>
+                    <a:bodyPr/>
+                    <a:lstStyle/>
+                    <a:p>
+                      <a:endParaRPr lang="en-US"/>
+                    </a:p>
+                  </a:txBody>
+                  <a:tcPr/>
+                </a:tc>
+                <a:tc>
+                  <a:txBody>
+                    <a:bodyPr/>
+                    <a:lstStyle/>
+                    <a:p>
+                      <a:endParaRPr lang="en-US"/>
+                    </a:p>
+                  </a:txBody>
+                  <a:tcPr/>
+                </a:tc>
+                <a:tc>
+                  <a:txBody>
+                    <a:bodyPr/>
+                    <a:lstStyle/>
+                    <a:p>
+                      <a:endParaRPr lang="en-US"/>
+                    </a:p>
+                  </a:txBody>
+                  <a:tcPr/>
+                </a:tc>
+                <a:tc>
+                  <a:txBody>
+                    <a:bodyPr/>
+                    <a:lstStyle/>
+                    <a:p>
+                      <a:endParaRPr lang="en-US"/>
+                    </a:p>
+                  </a:txBody>
+                  <a:tcPr/>
+                </a:tc>
+                <a:tc>
+                  <a:txBody>
+                    <a:bodyPr/>
+                    <a:lstStyle/>
+                    <a:p>
+                      <a:endParaRPr lang="en-US"/>
+                    </a:p>
+                  </a:txBody>
+                  <a:tcPr/>
+                </a:tc>
+                <a:tc>
+                  <a:txBody>
+                    <a:bodyPr/>
+                    <a:lstStyle/>
+                    <a:p>
+                      <a:endParaRPr lang="en-US"/>
+                    </a:p>
+                  </a:txBody>
+                  <a:tcPr/>
+                </a:tc>
+                <a:tc>
+                  <a:txBody>
+                    <a:bodyPr/>
+                    <a:lstStyle/>
+                    <a:p>
+                      <a:endParaRPr lang="en-US"/>
+                    </a:p>
+                  </a:txBody>
+                  <a:tcPr/>
+                </a:tc>
+                <a:tc>
+                  <a:txBody>
+                    <a:bodyPr/>
+                    <a:lstStyle/>
+                    <a:p>
+                      <a:endParaRPr lang="en-US"/>
+                    </a:p>
+                  </a:txBody>
+                  <a:tcPr/>
+                </a:tc>
+                <a:tc>
+                  <a:txBody>
+                    <a:bodyPr/>
+                    <a:lstStyle/>
+                    <a:p>
+                      <a:endParaRPr lang="en-US"/>
+                    </a:p>
+                  </a:txBody>
+                  <a:tcPr/>
+                </a:tc>
+              </a:tr>
+              <a:tr h="370840">
+                <a:tc>
+                  <a:txBody>
+                    <a:bodyPr/>
+                    <a:lstStyle/>
+                    <a:p>
+                      <a:endParaRPr lang="en-US"/>
+                    </a:p>
+                  </a:txBody>
+                  <a:tcPr/>
+                </a:tc>
+                <a:tc>
+                  <a:txBody>
+                    <a:bodyPr/>
+                    <a:lstStyle/>
+                    <a:p>
+                      <a:endParaRPr lang="en-US"/>
+                    </a:p>
+                  </a:txBody>
+                  <a:tcPr/>
+                </a:tc>
+                <a:tc>
+                  <a:txBody>
+                    <a:bodyPr/>
+                    <a:lstStyle/>
+                    <a:p>
+                      <a:endParaRPr lang="en-US"/>
+                    </a:p>
+                  </a:txBody>
+                  <a:tcPr/>
+                </a:tc>
+                <a:tc>
+                  <a:txBody>
+                    <a:bodyPr/>
+                    <a:lstStyle/>
+                    <a:p>
+                      <a:endParaRPr lang="en-US"/>
+                    </a:p>
+                  </a:txBody>
+                  <a:tcPr/>
+                </a:tc>
+                <a:tc>
+                  <a:txBody>
+                    <a:bodyPr/>
+                    <a:lstStyle/>
+                    <a:p>
+                      <a:endParaRPr lang="en-US"/>
+                    </a:p>
+                  </a:txBody>
+                  <a:tcPr/>
+                </a:tc>
+                <a:tc>
+                  <a:txBody>
+                    <a:bodyPr/>
+                    <a:lstStyle/>
+                    <a:p>
+                      <a:endParaRPr lang="en-US"/>
+                    </a:p>
+                  </a:txBody>
+                  <a:tcPr/>
+                </a:tc>
+                <a:tc>
+                  <a:txBody>
+                    <a:bodyPr/>
+                    <a:lstStyle/>
+                    <a:p>
+                      <a:endParaRPr lang="en-US"/>
+                    </a:p>
+                  </a:txBody>
+                  <a:tcPr/>
+                </a:tc>
+                <a:tc>
+                  <a:txBody>
+                    <a:bodyPr/>
+                    <a:lstStyle/>
+                    <a:p>
+                      <a:endParaRPr lang="en-US"/>
+                    </a:p>
+                  </a:txBody>
+                  <a:tcPr/>
+                </a:tc>
+                <a:tc>
+                  <a:txBody>
+                    <a:bodyPr/>
+                    <a:lstStyle/>
+                    <a:p>
+                      <a:endParaRPr lang="en-US"/>
+                    </a:p>
+                  </a:txBody>
+                  <a:tcPr/>
+                </a:tc>
+                <a:tc>
+                  <a:txBody>
+                    <a:bodyPr/>
+                    <a:lstStyle/>
+                    <a:p>
+                      <a:endParaRPr lang="en-US"/>
+                    </a:p>
+                  </a:txBody>
+                  <a:tcPr/>
+                </a:tc>
+                <a:tc>
+                  <a:txBody>
+                    <a:bodyPr/>
+                    <a:lstStyle/>
+                    <a:p>
+                      <a:endParaRPr lang="en-US"/>
+                    </a:p>
+                  </a:txBody>
+                  <a:tcPr/>
+                </a:tc>
+                <a:tc>
+                  <a:txBody>
+                    <a:bodyPr/>
+                    <a:lstStyle/>
+                    <a:p>
+                      <a:endParaRPr lang="en-US" dirty="0"/>
+                    </a:p>
+                  </a:txBody>
+                  <a:tcPr/>
+                </a:tc>
+              </a:tr>
+              <a:tr h="370840">
+                <a:tc>
+                  <a:txBody>
+                    <a:bodyPr/>
+                    <a:lstStyle/>
+                    <a:p>
+                      <a:endParaRPr lang="en-US"/>
+                    </a:p>
+                  </a:txBody>
+                  <a:tcPr/>
+                </a:tc>
+                <a:tc>
+                  <a:txBody>
+                    <a:bodyPr/>
+                    <a:lstStyle/>
+                    <a:p>
+                      <a:endParaRPr lang="en-US"/>
+                    </a:p>
+                  </a:txBody>
+                  <a:tcPr/>
+                </a:tc>
+                <a:tc>
+                  <a:txBody>
+                    <a:bodyPr/>
+                    <a:lstStyle/>
+                    <a:p>
+                      <a:endParaRPr lang="en-US"/>
+                    </a:p>
+                  </a:txBody>
+                  <a:tcPr/>
+                </a:tc>
+                <a:tc>
+                  <a:txBody>
+                    <a:bodyPr/>
+                    <a:lstStyle/>
+                    <a:p>
+                      <a:endParaRPr lang="en-US"/>
+                    </a:p>
+                  </a:txBody>
+                  <a:tcPr/>
+                </a:tc>
+                <a:tc>
+                  <a:txBody>
+                    <a:bodyPr/>
+                    <a:lstStyle/>
+                    <a:p>
+                      <a:endParaRPr lang="en-US"/>
+                    </a:p>
+                  </a:txBody>
+                  <a:tcPr/>
+                </a:tc>
+                <a:tc>
+                  <a:txBody>
+                    <a:bodyPr/>
+                    <a:lstStyle/>
+                    <a:p>
+                      <a:endParaRPr lang="en-US"/>
+                    </a:p>
+                  </a:txBody>
+                  <a:tcPr/>
+                </a:tc>
+                <a:tc>
+                  <a:txBody>
+                    <a:bodyPr/>
+                    <a:lstStyle/>
+                    <a:p>
+                      <a:endParaRPr lang="en-US"/>
+                    </a:p>
+                  </a:txBody>
+                  <a:tcPr/>
+                </a:tc>
+                <a:tc>
+                  <a:txBody>
+                    <a:bodyPr/>
+                    <a:lstStyle/>
+                    <a:p>
+                      <a:endParaRPr lang="en-US"/>
+                    </a:p>
+                  </a:txBody>
+                  <a:tcPr/>
+                </a:tc>
+                <a:tc>
+                  <a:txBody>
+                    <a:bodyPr/>
+                    <a:lstStyle/>
+                    <a:p>
+                      <a:endParaRPr lang="en-US"/>
+                    </a:p>
+                  </a:txBody>
+                  <a:tcPr/>
+                </a:tc>
+                <a:tc>
+                  <a:txBody>
+                    <a:bodyPr/>
+                    <a:lstStyle/>
+                    <a:p>
+                      <a:endParaRPr lang="en-US"/>
+                    </a:p>
+                  </a:txBody>
+                  <a:tcPr/>
+                </a:tc>
+                <a:tc>
+                  <a:txBody>
+                    <a:bodyPr/>
+                    <a:lstStyle/>
+                    <a:p>
+                      <a:endParaRPr lang="en-US"/>
+                    </a:p>
+                  </a:txBody>
+                  <a:tcPr/>
+                </a:tc>
+                <a:tc>
+                  <a:txBody>
+                    <a:bodyPr/>
+                    <a:lstStyle/>
+                    <a:p>
+                      <a:endParaRPr lang="en-US" dirty="0"/>
+                    </a:p>
+                  </a:txBody>
+                  <a:tcPr/>
+                </a:tc>
+              </a:tr>
+            </a:tbl>
+          </a:graphicData>
+        </a:graphic>
+      </p:graphicFrame>
+      <p:sp>
+        <p:nvSpPr>
+          <p:cNvPr id="8" name="Rounded Rectangle 7"/>
+          <p:cNvSpPr/>
+          <p:nvPr/>
+        </p:nvSpPr>
+        <p:spPr>
+          <a:xfrm>
+            <a:off x="10230034" y="6458505"/>
+            <a:ext cx="1961965" cy="399495"/>
+          </a:xfrm>
+          <a:prstGeom prst="roundRect">
+            <a:avLst/>
+          </a:prstGeom>
+        </p:spPr>
+        <p:style>
+          <a:lnRef idx="1">
+            <a:schemeClr val="accent4"/>
+          </a:lnRef>
+          <a:fillRef idx="2">
+            <a:schemeClr val="accent4"/>
+          </a:fillRef>
+          <a:effectRef idx="1">
+            <a:schemeClr val="accent4"/>
+          </a:effectRef>
+          <a:fontRef idx="minor">
+            <a:schemeClr val="dk1"/>
+          </a:fontRef>
+        </p:style>
+        <p:txBody>
+          <a:bodyPr rtlCol="0" anchor="ctr"/>
+          <a:lstStyle/>
+          <a:p>
+            <a:pPr algn="ctr"/>
+            <a:r>
+              <a:rPr lang="en-US" dirty="0" smtClean="0"/>
+              <a:t>Extra Small</a:t>
             </a:r>
             <a:endParaRPr lang="en-US" dirty="0"/>
           </a:p>
@@ -3929,36 +5232,126 @@
       </p:sp>
       <p:sp>
         <p:nvSpPr>
-          <p:cNvPr id="5" name="Content Placeholder 4"/>
-          <p:cNvSpPr>
-            <a:spLocks noGrp="1"/>
-          </p:cNvSpPr>
-          <p:nvPr>
-            <p:ph sz="quarter" idx="10"/>
-          </p:nvPr>
+          <p:cNvPr id="9" name="Rounded Rectangle 8"/>
+          <p:cNvSpPr/>
+          <p:nvPr/>
         </p:nvSpPr>
-        <p:spPr/>
+        <p:spPr>
+          <a:xfrm>
+            <a:off x="10230035" y="5007811"/>
+            <a:ext cx="1961965" cy="399495"/>
+          </a:xfrm>
+          <a:prstGeom prst="roundRect">
+            <a:avLst/>
+          </a:prstGeom>
+        </p:spPr>
+        <p:style>
+          <a:lnRef idx="1">
+            <a:schemeClr val="accent3"/>
+          </a:lnRef>
+          <a:fillRef idx="2">
+            <a:schemeClr val="accent3"/>
+          </a:fillRef>
+          <a:effectRef idx="1">
+            <a:schemeClr val="accent3"/>
+          </a:effectRef>
+          <a:fontRef idx="minor">
+            <a:schemeClr val="dk1"/>
+          </a:fontRef>
+        </p:style>
         <p:txBody>
-          <a:bodyPr/>
+          <a:bodyPr rtlCol="0" anchor="ctr"/>
           <a:lstStyle/>
           <a:p>
+            <a:pPr algn="ctr"/>
             <a:r>
               <a:rPr lang="en-US" dirty="0" smtClean="0"/>
-              <a:t>Configuring Bootstrap and JavaScript</a:t>
-            </a:r>
-          </a:p>
-          <a:p>
+              <a:t>Small</a:t>
+            </a:r>
+            <a:endParaRPr lang="en-US" dirty="0"/>
+          </a:p>
+        </p:txBody>
+      </p:sp>
+      <p:sp>
+        <p:nvSpPr>
+          <p:cNvPr id="10" name="Rounded Rectangle 9"/>
+          <p:cNvSpPr/>
+          <p:nvPr/>
+        </p:nvSpPr>
+        <p:spPr>
+          <a:xfrm>
+            <a:off x="10230035" y="2236367"/>
+            <a:ext cx="1961965" cy="399495"/>
+          </a:xfrm>
+          <a:prstGeom prst="roundRect">
+            <a:avLst/>
+          </a:prstGeom>
+        </p:spPr>
+        <p:style>
+          <a:lnRef idx="1">
+            <a:schemeClr val="accent2"/>
+          </a:lnRef>
+          <a:fillRef idx="2">
+            <a:schemeClr val="accent2"/>
+          </a:fillRef>
+          <a:effectRef idx="1">
+            <a:schemeClr val="accent2"/>
+          </a:effectRef>
+          <a:fontRef idx="minor">
+            <a:schemeClr val="dk1"/>
+          </a:fontRef>
+        </p:style>
+        <p:txBody>
+          <a:bodyPr rtlCol="0" anchor="ctr"/>
+          <a:lstStyle/>
+          <a:p>
+            <a:pPr algn="ctr"/>
             <a:r>
               <a:rPr lang="en-US" dirty="0" smtClean="0"/>
-              <a:t>Enhancing </a:t>
-            </a:r>
+              <a:t>Large</a:t>
+            </a:r>
+            <a:endParaRPr lang="en-US" dirty="0"/>
+          </a:p>
+        </p:txBody>
+      </p:sp>
+      <p:sp>
+        <p:nvSpPr>
+          <p:cNvPr id="11" name="Rounded Rectangle 10"/>
+          <p:cNvSpPr/>
+          <p:nvPr/>
+        </p:nvSpPr>
+        <p:spPr>
+          <a:xfrm>
+            <a:off x="10230035" y="3626528"/>
+            <a:ext cx="1961965" cy="399495"/>
+          </a:xfrm>
+          <a:prstGeom prst="roundRect">
+            <a:avLst/>
+          </a:prstGeom>
+        </p:spPr>
+        <p:style>
+          <a:lnRef idx="1">
+            <a:schemeClr val="accent1"/>
+          </a:lnRef>
+          <a:fillRef idx="2">
+            <a:schemeClr val="accent1"/>
+          </a:fillRef>
+          <a:effectRef idx="1">
+            <a:schemeClr val="accent1"/>
+          </a:effectRef>
+          <a:fontRef idx="minor">
+            <a:schemeClr val="dk1"/>
+          </a:fontRef>
+        </p:style>
+        <p:txBody>
+          <a:bodyPr rtlCol="0" anchor="ctr"/>
+          <a:lstStyle/>
+          <a:p>
+            <a:pPr algn="ctr"/>
             <a:r>
               <a:rPr lang="en-US" dirty="0" smtClean="0"/>
-              <a:t>UI</a:t>
-            </a:r>
-            <a:endParaRPr lang="en-US" dirty="0" smtClean="0"/>
-          </a:p>
-          <a:p>
+              <a:t>Medium</a:t>
+            </a:r>
             <a:endParaRPr lang="en-US" dirty="0"/>
           </a:p>
         </p:txBody>
@@ -3966,7 +5359,7 @@
     </p:spTree>
     <p:extLst>
       <p:ext uri="{BB962C8B-B14F-4D97-AF65-F5344CB8AC3E}">
-        <p14:creationId xmlns:p14="http://schemas.microsoft.com/office/powerpoint/2010/main" val="4070171800"/>
+        <p14:creationId xmlns:p14="http://schemas.microsoft.com/office/powerpoint/2010/main" val="3949511055"/>
       </p:ext>
     </p:extLst>
   </p:cSld>
@@ -4017,63 +5410,467 @@
           <a:p>
             <a:r>
               <a:rPr lang="en-US" dirty="0" smtClean="0"/>
-              <a:t>Configuring Bootstrap and JavaScript</a:t>
+              <a:t>Grid system</a:t>
             </a:r>
             <a:endParaRPr lang="en-US" dirty="0"/>
           </a:p>
         </p:txBody>
       </p:sp>
+      <p:graphicFrame>
+        <p:nvGraphicFramePr>
+          <p:cNvPr id="7" name="Content Placeholder 6"/>
+          <p:cNvGraphicFramePr>
+            <a:graphicFrameLocks noGrp="1"/>
+          </p:cNvGraphicFramePr>
+          <p:nvPr>
+            <p:ph sz="quarter" idx="10"/>
+            <p:extLst/>
+          </p:nvPr>
+        </p:nvGraphicFramePr>
+        <p:xfrm>
+          <a:off x="680225" y="1750740"/>
+          <a:ext cx="10786520" cy="3631380"/>
+        </p:xfrm>
+        <a:graphic>
+          <a:graphicData uri="http://schemas.openxmlformats.org/drawingml/2006/table">
+            <a:tbl>
+              <a:tblPr firstRow="1">
+                <a:tableStyleId>{B301B821-A1FF-4177-AEE7-76D212191A09}</a:tableStyleId>
+              </a:tblPr>
+              <a:tblGrid>
+                <a:gridCol w="2157304"/>
+                <a:gridCol w="2157304"/>
+                <a:gridCol w="2157304"/>
+                <a:gridCol w="2157304"/>
+                <a:gridCol w="2157304"/>
+              </a:tblGrid>
+              <a:tr h="847322">
+                <a:tc>
+                  <a:txBody>
+                    <a:bodyPr/>
+                    <a:lstStyle/>
+                    <a:p>
+                      <a:endParaRPr lang="en-US" dirty="0"/>
+                    </a:p>
+                  </a:txBody>
+                  <a:tcPr anchor="ctr"/>
+                </a:tc>
+                <a:tc>
+                  <a:txBody>
+                    <a:bodyPr/>
+                    <a:lstStyle/>
+                    <a:p>
+                      <a:r>
+                        <a:rPr lang="en-US"/>
+                        <a:t>Extra small devices Phones (&lt;768px) </a:t>
+                      </a:r>
+                    </a:p>
+                  </a:txBody>
+                  <a:tcPr anchor="ctr"/>
+                </a:tc>
+                <a:tc>
+                  <a:txBody>
+                    <a:bodyPr/>
+                    <a:lstStyle/>
+                    <a:p>
+                      <a:r>
+                        <a:rPr lang="en-US"/>
+                        <a:t>Small devices Tablets (≥768px) </a:t>
+                      </a:r>
+                    </a:p>
+                  </a:txBody>
+                  <a:tcPr anchor="ctr"/>
+                </a:tc>
+                <a:tc>
+                  <a:txBody>
+                    <a:bodyPr/>
+                    <a:lstStyle/>
+                    <a:p>
+                      <a:r>
+                        <a:rPr lang="en-US"/>
+                        <a:t>Medium devices Desktops (≥992px) </a:t>
+                      </a:r>
+                    </a:p>
+                  </a:txBody>
+                  <a:tcPr anchor="ctr"/>
+                </a:tc>
+                <a:tc>
+                  <a:txBody>
+                    <a:bodyPr/>
+                    <a:lstStyle/>
+                    <a:p>
+                      <a:r>
+                        <a:rPr lang="en-US"/>
+                        <a:t>Large devices Desktops (≥1200px) </a:t>
+                      </a:r>
+                    </a:p>
+                  </a:txBody>
+                  <a:tcPr anchor="ctr"/>
+                </a:tc>
+              </a:tr>
+              <a:tr h="847322">
+                <a:tc>
+                  <a:txBody>
+                    <a:bodyPr/>
+                    <a:lstStyle/>
+                    <a:p>
+                      <a:r>
+                        <a:rPr lang="en-US"/>
+                        <a:t>Grid behavior</a:t>
+                      </a:r>
+                    </a:p>
+                  </a:txBody>
+                  <a:tcPr anchor="ctr"/>
+                </a:tc>
+                <a:tc>
+                  <a:txBody>
+                    <a:bodyPr/>
+                    <a:lstStyle/>
+                    <a:p>
+                      <a:r>
+                        <a:rPr lang="en-US"/>
+                        <a:t>Horizontal at all times</a:t>
+                      </a:r>
+                    </a:p>
+                  </a:txBody>
+                  <a:tcPr anchor="ctr"/>
+                </a:tc>
+                <a:tc gridSpan="3">
+                  <a:txBody>
+                    <a:bodyPr/>
+                    <a:lstStyle/>
+                    <a:p>
+                      <a:r>
+                        <a:rPr lang="en-US" dirty="0"/>
+                        <a:t>Collapsed to start, horizontal above breakpoints</a:t>
+                      </a:r>
+                    </a:p>
+                  </a:txBody>
+                  <a:tcPr anchor="ctr"/>
+                </a:tc>
+                <a:tc hMerge="1">
+                  <a:txBody>
+                    <a:bodyPr/>
+                    <a:lstStyle/>
+                    <a:p>
+                      <a:endParaRPr lang="en-US"/>
+                    </a:p>
+                  </a:txBody>
+                  <a:tcPr/>
+                </a:tc>
+                <a:tc hMerge="1">
+                  <a:txBody>
+                    <a:bodyPr/>
+                    <a:lstStyle/>
+                    <a:p>
+                      <a:endParaRPr lang="en-US"/>
+                    </a:p>
+                  </a:txBody>
+                  <a:tcPr/>
+                </a:tc>
+              </a:tr>
+              <a:tr h="484184">
+                <a:tc>
+                  <a:txBody>
+                    <a:bodyPr/>
+                    <a:lstStyle/>
+                    <a:p>
+                      <a:r>
+                        <a:rPr lang="en-US"/>
+                        <a:t>Container width</a:t>
+                      </a:r>
+                    </a:p>
+                  </a:txBody>
+                  <a:tcPr anchor="ctr"/>
+                </a:tc>
+                <a:tc>
+                  <a:txBody>
+                    <a:bodyPr/>
+                    <a:lstStyle/>
+                    <a:p>
+                      <a:r>
+                        <a:rPr lang="en-US"/>
+                        <a:t>None (auto)</a:t>
+                      </a:r>
+                    </a:p>
+                  </a:txBody>
+                  <a:tcPr anchor="ctr"/>
+                </a:tc>
+                <a:tc>
+                  <a:txBody>
+                    <a:bodyPr/>
+                    <a:lstStyle/>
+                    <a:p>
+                      <a:r>
+                        <a:rPr lang="en-US"/>
+                        <a:t>750px</a:t>
+                      </a:r>
+                    </a:p>
+                  </a:txBody>
+                  <a:tcPr anchor="ctr"/>
+                </a:tc>
+                <a:tc>
+                  <a:txBody>
+                    <a:bodyPr/>
+                    <a:lstStyle/>
+                    <a:p>
+                      <a:r>
+                        <a:rPr lang="en-US"/>
+                        <a:t>970px</a:t>
+                      </a:r>
+                    </a:p>
+                  </a:txBody>
+                  <a:tcPr anchor="ctr"/>
+                </a:tc>
+                <a:tc>
+                  <a:txBody>
+                    <a:bodyPr/>
+                    <a:lstStyle/>
+                    <a:p>
+                      <a:r>
+                        <a:rPr lang="en-US"/>
+                        <a:t>1170px</a:t>
+                      </a:r>
+                    </a:p>
+                  </a:txBody>
+                  <a:tcPr anchor="ctr"/>
+                </a:tc>
+              </a:tr>
+              <a:tr h="484184">
+                <a:tc>
+                  <a:txBody>
+                    <a:bodyPr/>
+                    <a:lstStyle/>
+                    <a:p>
+                      <a:r>
+                        <a:rPr lang="en-US"/>
+                        <a:t>Class prefix</a:t>
+                      </a:r>
+                    </a:p>
+                  </a:txBody>
+                  <a:tcPr anchor="ctr"/>
+                </a:tc>
+                <a:tc>
+                  <a:txBody>
+                    <a:bodyPr/>
+                    <a:lstStyle/>
+                    <a:p>
+                      <a:r>
+                        <a:rPr lang="en-US"/>
+                        <a:t>.col-xs-</a:t>
+                      </a:r>
+                    </a:p>
+                  </a:txBody>
+                  <a:tcPr anchor="ctr"/>
+                </a:tc>
+                <a:tc>
+                  <a:txBody>
+                    <a:bodyPr/>
+                    <a:lstStyle/>
+                    <a:p>
+                      <a:r>
+                        <a:rPr lang="en-US"/>
+                        <a:t>.col-sm-</a:t>
+                      </a:r>
+                    </a:p>
+                  </a:txBody>
+                  <a:tcPr anchor="ctr"/>
+                </a:tc>
+                <a:tc>
+                  <a:txBody>
+                    <a:bodyPr/>
+                    <a:lstStyle/>
+                    <a:p>
+                      <a:r>
+                        <a:rPr lang="en-US"/>
+                        <a:t>.col-md-</a:t>
+                      </a:r>
+                    </a:p>
+                  </a:txBody>
+                  <a:tcPr anchor="ctr"/>
+                </a:tc>
+                <a:tc>
+                  <a:txBody>
+                    <a:bodyPr/>
+                    <a:lstStyle/>
+                    <a:p>
+                      <a:r>
+                        <a:rPr lang="en-US"/>
+                        <a:t>.col-lg-</a:t>
+                      </a:r>
+                    </a:p>
+                  </a:txBody>
+                  <a:tcPr anchor="ctr"/>
+                </a:tc>
+              </a:tr>
+              <a:tr h="484184">
+                <a:tc>
+                  <a:txBody>
+                    <a:bodyPr/>
+                    <a:lstStyle/>
+                    <a:p>
+                      <a:r>
+                        <a:rPr lang="en-US" dirty="0"/>
+                        <a:t>Column width</a:t>
+                      </a:r>
+                    </a:p>
+                  </a:txBody>
+                  <a:tcPr anchor="ctr"/>
+                </a:tc>
+                <a:tc>
+                  <a:txBody>
+                    <a:bodyPr/>
+                    <a:lstStyle/>
+                    <a:p>
+                      <a:r>
+                        <a:rPr lang="en-US"/>
+                        <a:t>Auto</a:t>
+                      </a:r>
+                    </a:p>
+                  </a:txBody>
+                  <a:tcPr anchor="ctr"/>
+                </a:tc>
+                <a:tc>
+                  <a:txBody>
+                    <a:bodyPr/>
+                    <a:lstStyle/>
+                    <a:p>
+                      <a:r>
+                        <a:rPr lang="en-US"/>
+                        <a:t>60px</a:t>
+                      </a:r>
+                    </a:p>
+                  </a:txBody>
+                  <a:tcPr anchor="ctr"/>
+                </a:tc>
+                <a:tc>
+                  <a:txBody>
+                    <a:bodyPr/>
+                    <a:lstStyle/>
+                    <a:p>
+                      <a:r>
+                        <a:rPr lang="en-US"/>
+                        <a:t>78px</a:t>
+                      </a:r>
+                    </a:p>
+                  </a:txBody>
+                  <a:tcPr anchor="ctr"/>
+                </a:tc>
+                <a:tc>
+                  <a:txBody>
+                    <a:bodyPr/>
+                    <a:lstStyle/>
+                    <a:p>
+                      <a:r>
+                        <a:rPr lang="en-US"/>
+                        <a:t>95px</a:t>
+                      </a:r>
+                    </a:p>
+                  </a:txBody>
+                  <a:tcPr anchor="ctr"/>
+                </a:tc>
+              </a:tr>
+              <a:tr h="484184">
+                <a:tc>
+                  <a:txBody>
+                    <a:bodyPr/>
+                    <a:lstStyle/>
+                    <a:p>
+                      <a:r>
+                        <a:rPr lang="en-US"/>
+                        <a:t>Gutter width</a:t>
+                      </a:r>
+                    </a:p>
+                  </a:txBody>
+                  <a:tcPr anchor="ctr"/>
+                </a:tc>
+                <a:tc gridSpan="4">
+                  <a:txBody>
+                    <a:bodyPr/>
+                    <a:lstStyle/>
+                    <a:p>
+                      <a:r>
+                        <a:rPr lang="en-US" dirty="0"/>
+                        <a:t>30px (15px on each side of a column)</a:t>
+                      </a:r>
+                    </a:p>
+                  </a:txBody>
+                  <a:tcPr anchor="ctr"/>
+                </a:tc>
+                <a:tc hMerge="1">
+                  <a:txBody>
+                    <a:bodyPr/>
+                    <a:lstStyle/>
+                    <a:p>
+                      <a:endParaRPr lang="en-US"/>
+                    </a:p>
+                  </a:txBody>
+                  <a:tcPr/>
+                </a:tc>
+                <a:tc hMerge="1">
+                  <a:txBody>
+                    <a:bodyPr/>
+                    <a:lstStyle/>
+                    <a:p>
+                      <a:endParaRPr lang="en-US"/>
+                    </a:p>
+                  </a:txBody>
+                  <a:tcPr/>
+                </a:tc>
+                <a:tc hMerge="1">
+                  <a:txBody>
+                    <a:bodyPr/>
+                    <a:lstStyle/>
+                    <a:p>
+                      <a:endParaRPr lang="en-US"/>
+                    </a:p>
+                  </a:txBody>
+                  <a:tcPr/>
+                </a:tc>
+              </a:tr>
+            </a:tbl>
+          </a:graphicData>
+        </a:graphic>
+      </p:graphicFrame>
       <p:sp>
         <p:nvSpPr>
-          <p:cNvPr id="3" name="Content Placeholder 2"/>
-          <p:cNvSpPr>
-            <a:spLocks noGrp="1"/>
-          </p:cNvSpPr>
-          <p:nvPr>
-            <p:ph sz="quarter" idx="10"/>
-          </p:nvPr>
+          <p:cNvPr id="3" name="Rounded Rectangle 2"/>
+          <p:cNvSpPr/>
+          <p:nvPr/>
         </p:nvSpPr>
-        <p:spPr/>
+        <p:spPr>
+          <a:xfrm>
+            <a:off x="8219090" y="5864772"/>
+            <a:ext cx="3684856" cy="672662"/>
+          </a:xfrm>
+          <a:prstGeom prst="roundRect">
+            <a:avLst/>
+          </a:prstGeom>
+        </p:spPr>
+        <p:style>
+          <a:lnRef idx="2">
+            <a:schemeClr val="accent1">
+              <a:shade val="50000"/>
+            </a:schemeClr>
+          </a:lnRef>
+          <a:fillRef idx="1">
+            <a:schemeClr val="accent1"/>
+          </a:fillRef>
+          <a:effectRef idx="0">
+            <a:schemeClr val="accent1"/>
+          </a:effectRef>
+          <a:fontRef idx="minor">
+            <a:schemeClr val="lt1"/>
+          </a:fontRef>
+        </p:style>
         <p:txBody>
-          <a:bodyPr/>
+          <a:bodyPr rtlCol="0" anchor="ctr"/>
           <a:lstStyle/>
           <a:p>
+            <a:pPr algn="ctr"/>
             <a:r>
               <a:rPr lang="en-US" dirty="0" smtClean="0"/>
-              <a:t>All JavaScript functions</a:t>
-            </a:r>
-          </a:p>
-          <a:p>
-            <a:pPr lvl="1"/>
-            <a:r>
-              <a:rPr lang="en-US" dirty="0" smtClean="0"/>
-              <a:t>bootstrap.js</a:t>
-            </a:r>
-          </a:p>
-          <a:p>
-            <a:pPr lvl="1"/>
-            <a:r>
-              <a:rPr lang="en-US" dirty="0" smtClean="0"/>
-              <a:t>bootstrap.min.js</a:t>
-            </a:r>
-          </a:p>
-          <a:p>
-            <a:pPr lvl="2"/>
-            <a:r>
-              <a:rPr lang="en-US" dirty="0" smtClean="0"/>
-              <a:t>Individual files available</a:t>
-            </a:r>
-          </a:p>
-          <a:p>
-            <a:r>
-              <a:rPr lang="en-US" dirty="0" smtClean="0"/>
-              <a:t>jQuery required</a:t>
-            </a:r>
-          </a:p>
-          <a:p>
-            <a:r>
-              <a:rPr lang="en-US" dirty="0" smtClean="0"/>
-              <a:t>Most functionality are enabled by adding attributes and classes</a:t>
+              <a:t>Always 12 columns</a:t>
             </a:r>
             <a:endParaRPr lang="en-US" dirty="0"/>
           </a:p>
@@ -4082,7 +5879,7 @@
     </p:spTree>
     <p:extLst>
       <p:ext uri="{BB962C8B-B14F-4D97-AF65-F5344CB8AC3E}">
-        <p14:creationId xmlns:p14="http://schemas.microsoft.com/office/powerpoint/2010/main" val="1808438784"/>
+        <p14:creationId xmlns:p14="http://schemas.microsoft.com/office/powerpoint/2010/main" val="2580732184"/>
       </p:ext>
     </p:extLst>
   </p:cSld>
@@ -4133,7 +5930,7 @@
           <a:p>
             <a:r>
               <a:rPr lang="en-US" dirty="0" smtClean="0"/>
-              <a:t>Navigation options</a:t>
+              <a:t>Site Design</a:t>
             </a:r>
             <a:endParaRPr lang="en-US" dirty="0"/>
           </a:p>
@@ -4141,56 +5938,421 @@
       </p:sp>
       <p:sp>
         <p:nvSpPr>
-          <p:cNvPr id="3" name="Content Placeholder 2"/>
-          <p:cNvSpPr>
-            <a:spLocks noGrp="1"/>
-          </p:cNvSpPr>
-          <p:nvPr>
-            <p:ph sz="quarter" idx="10"/>
-          </p:nvPr>
+          <p:cNvPr id="4" name="Rectangle 3"/>
+          <p:cNvSpPr/>
+          <p:nvPr/>
         </p:nvSpPr>
-        <p:spPr/>
+        <p:spPr>
+          <a:xfrm>
+            <a:off x="379514" y="1245702"/>
+            <a:ext cx="11401154" cy="5057444"/>
+          </a:xfrm>
+          <a:prstGeom prst="rect">
+            <a:avLst/>
+          </a:prstGeom>
+        </p:spPr>
+        <p:style>
+          <a:lnRef idx="2">
+            <a:schemeClr val="accent5"/>
+          </a:lnRef>
+          <a:fillRef idx="1">
+            <a:schemeClr val="lt1"/>
+          </a:fillRef>
+          <a:effectRef idx="0">
+            <a:schemeClr val="accent5"/>
+          </a:effectRef>
+          <a:fontRef idx="minor">
+            <a:schemeClr val="dk1"/>
+          </a:fontRef>
+        </p:style>
         <p:txBody>
-          <a:bodyPr/>
+          <a:bodyPr rtlCol="0" anchor="ctr"/>
           <a:lstStyle/>
           <a:p>
+            <a:pPr algn="ctr"/>
+            <a:endParaRPr lang="en-US"/>
+          </a:p>
+        </p:txBody>
+      </p:sp>
+      <p:sp>
+        <p:nvSpPr>
+          <p:cNvPr id="5" name="Rounded Rectangle 4"/>
+          <p:cNvSpPr/>
+          <p:nvPr/>
+        </p:nvSpPr>
+        <p:spPr>
+          <a:xfrm>
+            <a:off x="772357" y="1518082"/>
+            <a:ext cx="10422385" cy="941033"/>
+          </a:xfrm>
+          <a:prstGeom prst="roundRect">
+            <a:avLst/>
+          </a:prstGeom>
+        </p:spPr>
+        <p:style>
+          <a:lnRef idx="1">
+            <a:schemeClr val="accent4"/>
+          </a:lnRef>
+          <a:fillRef idx="2">
+            <a:schemeClr val="accent4"/>
+          </a:fillRef>
+          <a:effectRef idx="1">
+            <a:schemeClr val="accent4"/>
+          </a:effectRef>
+          <a:fontRef idx="minor">
+            <a:schemeClr val="dk1"/>
+          </a:fontRef>
+        </p:style>
+        <p:txBody>
+          <a:bodyPr rtlCol="0" anchor="ctr"/>
+          <a:lstStyle/>
+          <a:p>
+            <a:pPr algn="ctr"/>
+            <a:r>
+              <a:rPr lang="en-US" sz="3200" dirty="0" smtClean="0"/>
+              <a:t>Banner</a:t>
+            </a:r>
+            <a:endParaRPr lang="en-US" sz="3200" dirty="0"/>
+          </a:p>
+        </p:txBody>
+      </p:sp>
+      <p:sp>
+        <p:nvSpPr>
+          <p:cNvPr id="6" name="Rounded Rectangle 5"/>
+          <p:cNvSpPr/>
+          <p:nvPr/>
+        </p:nvSpPr>
+        <p:spPr>
+          <a:xfrm>
+            <a:off x="772358" y="2581569"/>
+            <a:ext cx="1455938" cy="1138175"/>
+          </a:xfrm>
+          <a:prstGeom prst="roundRect">
+            <a:avLst/>
+          </a:prstGeom>
+        </p:spPr>
+        <p:style>
+          <a:lnRef idx="1">
+            <a:schemeClr val="accent3"/>
+          </a:lnRef>
+          <a:fillRef idx="2">
+            <a:schemeClr val="accent3"/>
+          </a:fillRef>
+          <a:effectRef idx="1">
+            <a:schemeClr val="accent3"/>
+          </a:effectRef>
+          <a:fontRef idx="minor">
+            <a:schemeClr val="dk1"/>
+          </a:fontRef>
+        </p:style>
+        <p:txBody>
+          <a:bodyPr rtlCol="0" anchor="ctr"/>
+          <a:lstStyle/>
+          <a:p>
+            <a:pPr algn="ctr"/>
+            <a:r>
+              <a:rPr lang="en-US" sz="2400" dirty="0" smtClean="0"/>
+              <a:t>Cover Art</a:t>
+            </a:r>
+            <a:endParaRPr lang="en-US" sz="2400" dirty="0"/>
+          </a:p>
+        </p:txBody>
+      </p:sp>
+      <p:sp>
+        <p:nvSpPr>
+          <p:cNvPr id="7" name="Rounded Rectangle 6"/>
+          <p:cNvSpPr/>
+          <p:nvPr/>
+        </p:nvSpPr>
+        <p:spPr>
+          <a:xfrm>
+            <a:off x="2621140" y="2581569"/>
+            <a:ext cx="8573602" cy="1138175"/>
+          </a:xfrm>
+          <a:prstGeom prst="roundRect">
+            <a:avLst/>
+          </a:prstGeom>
+        </p:spPr>
+        <p:style>
+          <a:lnRef idx="1">
+            <a:schemeClr val="accent3"/>
+          </a:lnRef>
+          <a:fillRef idx="2">
+            <a:schemeClr val="accent3"/>
+          </a:fillRef>
+          <a:effectRef idx="1">
+            <a:schemeClr val="accent3"/>
+          </a:effectRef>
+          <a:fontRef idx="minor">
+            <a:schemeClr val="dk1"/>
+          </a:fontRef>
+        </p:style>
+        <p:txBody>
+          <a:bodyPr rtlCol="0" anchor="ctr"/>
+          <a:lstStyle/>
+          <a:p>
+            <a:pPr algn="ctr"/>
+            <a:r>
+              <a:rPr lang="en-US" sz="2400" dirty="0" smtClean="0"/>
+              <a:t>Title</a:t>
+            </a:r>
+          </a:p>
+          <a:p>
+            <a:pPr algn="ctr"/>
+            <a:r>
+              <a:rPr lang="en-US" sz="2400" dirty="0" smtClean="0"/>
+              <a:t>Artist</a:t>
+            </a:r>
+          </a:p>
+          <a:p>
+            <a:pPr algn="ctr"/>
+            <a:r>
+              <a:rPr lang="en-US" sz="2400" dirty="0" smtClean="0"/>
+              <a:t>Bio</a:t>
+            </a:r>
+            <a:endParaRPr lang="en-US" sz="2400" dirty="0"/>
+          </a:p>
+        </p:txBody>
+      </p:sp>
+      <p:sp>
+        <p:nvSpPr>
+          <p:cNvPr id="8" name="Rounded Rectangle 7"/>
+          <p:cNvSpPr/>
+          <p:nvPr/>
+        </p:nvSpPr>
+        <p:spPr>
+          <a:xfrm>
+            <a:off x="4820575" y="3867526"/>
+            <a:ext cx="6374167" cy="2278956"/>
+          </a:xfrm>
+          <a:prstGeom prst="roundRect">
+            <a:avLst/>
+          </a:prstGeom>
+        </p:spPr>
+        <p:style>
+          <a:lnRef idx="1">
+            <a:schemeClr val="accent5"/>
+          </a:lnRef>
+          <a:fillRef idx="2">
+            <a:schemeClr val="accent5"/>
+          </a:fillRef>
+          <a:effectRef idx="1">
+            <a:schemeClr val="accent5"/>
+          </a:effectRef>
+          <a:fontRef idx="minor">
+            <a:schemeClr val="dk1"/>
+          </a:fontRef>
+        </p:style>
+        <p:txBody>
+          <a:bodyPr rtlCol="0" anchor="ctr"/>
+          <a:lstStyle/>
+          <a:p>
+            <a:pPr algn="ctr"/>
+            <a:endParaRPr lang="en-US" sz="2400" dirty="0"/>
+          </a:p>
+        </p:txBody>
+      </p:sp>
+      <p:sp>
+        <p:nvSpPr>
+          <p:cNvPr id="9" name="Rounded Rectangle 8"/>
+          <p:cNvSpPr/>
+          <p:nvPr/>
+        </p:nvSpPr>
+        <p:spPr>
+          <a:xfrm>
+            <a:off x="5154226" y="4026024"/>
+            <a:ext cx="3764132" cy="1970843"/>
+          </a:xfrm>
+          <a:prstGeom prst="roundRect">
+            <a:avLst/>
+          </a:prstGeom>
+        </p:spPr>
+        <p:style>
+          <a:lnRef idx="2">
+            <a:schemeClr val="accent5">
+              <a:shade val="50000"/>
+            </a:schemeClr>
+          </a:lnRef>
+          <a:fillRef idx="1">
+            <a:schemeClr val="accent5"/>
+          </a:fillRef>
+          <a:effectRef idx="0">
+            <a:schemeClr val="accent5"/>
+          </a:effectRef>
+          <a:fontRef idx="minor">
+            <a:schemeClr val="lt1"/>
+          </a:fontRef>
+        </p:style>
+        <p:txBody>
+          <a:bodyPr rtlCol="0" anchor="ctr"/>
+          <a:lstStyle/>
+          <a:p>
+            <a:pPr algn="ctr"/>
             <a:r>
               <a:rPr lang="en-US" dirty="0" smtClean="0"/>
-              <a:t>Tabs</a:t>
-            </a:r>
-          </a:p>
-          <a:p>
-            <a:r>
-              <a:rPr lang="en-US" dirty="0" err="1" smtClean="0"/>
-              <a:t>Scrollspy</a:t>
-            </a:r>
-            <a:endParaRPr lang="en-US" dirty="0" smtClean="0"/>
-          </a:p>
-          <a:p>
+              <a:t>Track</a:t>
+            </a:r>
+          </a:p>
+          <a:p>
+            <a:pPr algn="ctr"/>
             <a:r>
               <a:rPr lang="en-US" dirty="0" smtClean="0"/>
-              <a:t>Accordion</a:t>
-            </a:r>
-          </a:p>
-          <a:p>
+              <a:t>Track</a:t>
+            </a:r>
+          </a:p>
+          <a:p>
+            <a:pPr algn="ctr"/>
             <a:r>
               <a:rPr lang="en-US" dirty="0" smtClean="0"/>
-              <a:t>Carousel</a:t>
-            </a:r>
-          </a:p>
-          <a:p>
+              <a:t>Track</a:t>
+            </a:r>
+          </a:p>
+          <a:p>
+            <a:pPr algn="ctr"/>
             <a:r>
               <a:rPr lang="en-US" dirty="0" smtClean="0"/>
-              <a:t>Affix</a:t>
+              <a:t>Track</a:t>
+            </a:r>
+          </a:p>
+          <a:p>
+            <a:pPr algn="ctr"/>
+            <a:r>
+              <a:rPr lang="en-US" dirty="0" smtClean="0"/>
+              <a:t>Track</a:t>
             </a:r>
             <a:endParaRPr lang="en-US" dirty="0"/>
+          </a:p>
+        </p:txBody>
+      </p:sp>
+      <p:sp>
+        <p:nvSpPr>
+          <p:cNvPr id="11" name="Rounded Rectangle 10"/>
+          <p:cNvSpPr/>
+          <p:nvPr/>
+        </p:nvSpPr>
+        <p:spPr>
+          <a:xfrm>
+            <a:off x="9149178" y="4026023"/>
+            <a:ext cx="1853954" cy="1970843"/>
+          </a:xfrm>
+          <a:prstGeom prst="roundRect">
+            <a:avLst/>
+          </a:prstGeom>
+        </p:spPr>
+        <p:style>
+          <a:lnRef idx="2">
+            <a:schemeClr val="accent5">
+              <a:shade val="50000"/>
+            </a:schemeClr>
+          </a:lnRef>
+          <a:fillRef idx="1">
+            <a:schemeClr val="accent5"/>
+          </a:fillRef>
+          <a:effectRef idx="0">
+            <a:schemeClr val="accent5"/>
+          </a:effectRef>
+          <a:fontRef idx="minor">
+            <a:schemeClr val="lt1"/>
+          </a:fontRef>
+        </p:style>
+        <p:txBody>
+          <a:bodyPr rtlCol="0" anchor="ctr"/>
+          <a:lstStyle/>
+          <a:p>
+            <a:pPr algn="ctr"/>
+            <a:r>
+              <a:rPr lang="en-US" dirty="0" smtClean="0"/>
+              <a:t>Time</a:t>
+            </a:r>
+          </a:p>
+          <a:p>
+            <a:pPr algn="ctr"/>
+            <a:r>
+              <a:rPr lang="en-US" dirty="0" smtClean="0"/>
+              <a:t>Time</a:t>
+            </a:r>
+          </a:p>
+          <a:p>
+            <a:pPr algn="ctr"/>
+            <a:r>
+              <a:rPr lang="en-US" dirty="0" smtClean="0"/>
+              <a:t>Time</a:t>
+            </a:r>
+          </a:p>
+          <a:p>
+            <a:pPr algn="ctr"/>
+            <a:r>
+              <a:rPr lang="en-US" dirty="0" smtClean="0"/>
+              <a:t>Time</a:t>
+            </a:r>
+          </a:p>
+          <a:p>
+            <a:pPr algn="ctr"/>
+            <a:r>
+              <a:rPr lang="en-US" dirty="0" smtClean="0"/>
+              <a:t>Time</a:t>
+            </a:r>
+            <a:endParaRPr lang="en-US" dirty="0"/>
+          </a:p>
+        </p:txBody>
+      </p:sp>
+      <p:sp>
+        <p:nvSpPr>
+          <p:cNvPr id="12" name="Rounded Rectangle 11"/>
+          <p:cNvSpPr/>
+          <p:nvPr/>
+        </p:nvSpPr>
+        <p:spPr>
+          <a:xfrm>
+            <a:off x="811567" y="3842198"/>
+            <a:ext cx="3817398" cy="2278956"/>
+          </a:xfrm>
+          <a:prstGeom prst="roundRect">
+            <a:avLst/>
+          </a:prstGeom>
+        </p:spPr>
+        <p:style>
+          <a:lnRef idx="1">
+            <a:schemeClr val="accent5"/>
+          </a:lnRef>
+          <a:fillRef idx="2">
+            <a:schemeClr val="accent5"/>
+          </a:fillRef>
+          <a:effectRef idx="1">
+            <a:schemeClr val="accent5"/>
+          </a:effectRef>
+          <a:fontRef idx="minor">
+            <a:schemeClr val="dk1"/>
+          </a:fontRef>
+        </p:style>
+        <p:txBody>
+          <a:bodyPr rtlCol="0" anchor="ctr"/>
+          <a:lstStyle/>
+          <a:p>
+            <a:pPr algn="ctr"/>
+            <a:r>
+              <a:rPr lang="en-US" sz="2400" dirty="0" smtClean="0"/>
+              <a:t>Expert Review</a:t>
+            </a:r>
+          </a:p>
+          <a:p>
+            <a:pPr algn="ctr"/>
+            <a:endParaRPr lang="en-US" sz="2400" dirty="0"/>
+          </a:p>
+          <a:p>
+            <a:pPr algn="ctr"/>
+            <a:endParaRPr lang="en-US" sz="2400" dirty="0" smtClean="0"/>
+          </a:p>
+          <a:p>
+            <a:pPr algn="ctr"/>
+            <a:endParaRPr lang="en-US" sz="2400" dirty="0"/>
           </a:p>
         </p:txBody>
       </p:sp>
     </p:spTree>
     <p:extLst>
       <p:ext uri="{BB962C8B-B14F-4D97-AF65-F5344CB8AC3E}">
-        <p14:creationId xmlns:p14="http://schemas.microsoft.com/office/powerpoint/2010/main" val="2365972294"/>
+        <p14:creationId xmlns:p14="http://schemas.microsoft.com/office/powerpoint/2010/main" val="3321405076"/>
       </p:ext>
     </p:extLst>
   </p:cSld>
@@ -4241,7 +6403,7 @@
           <a:p>
             <a:r>
               <a:rPr lang="en-US" dirty="0" smtClean="0"/>
-              <a:t>Adding Tabs</a:t>
+              <a:t>Nesting Columns</a:t>
             </a:r>
             <a:endParaRPr lang="en-US" dirty="0"/>
           </a:p>
@@ -4257,1482 +6419,29 @@
             <p:ph sz="quarter" idx="10"/>
           </p:nvPr>
         </p:nvSpPr>
-        <p:spPr>
-          <a:xfrm>
-            <a:off x="379412" y="1388226"/>
-            <a:ext cx="11812587" cy="5290388"/>
-          </a:xfrm>
-        </p:spPr>
+        <p:spPr/>
         <p:txBody>
           <a:bodyPr/>
           <a:lstStyle/>
           <a:p>
             <a:r>
               <a:rPr lang="en-US" dirty="0" smtClean="0"/>
-              <a:t>Create </a:t>
-            </a:r>
-            <a:r>
-              <a:rPr lang="en-US" dirty="0" err="1" smtClean="0"/>
-              <a:t>nav</a:t>
-            </a:r>
+              <a:t>Create rows in a column</a:t>
+            </a:r>
+          </a:p>
+          <a:p>
             <a:r>
               <a:rPr lang="en-US" dirty="0" smtClean="0"/>
-              <a:t> tabs</a:t>
+              <a:t>Each row has 12 new columns</a:t>
             </a:r>
             <a:endParaRPr lang="en-US" dirty="0"/>
-          </a:p>
-          <a:p>
-            <a:pPr marL="0" indent="0">
-              <a:buNone/>
-            </a:pPr>
-            <a:r>
-              <a:rPr lang="en-US" sz="1800" dirty="0">
-                <a:solidFill>
-                  <a:srgbClr val="0000FF"/>
-                </a:solidFill>
-                <a:highlight>
-                  <a:srgbClr val="FFFFFF"/>
-                </a:highlight>
-                <a:latin typeface="Consolas" panose="020B0609020204030204" pitchFamily="49" charset="0"/>
-              </a:rPr>
-              <a:t>&lt;</a:t>
-            </a:r>
-            <a:r>
-              <a:rPr lang="en-US" sz="1800" dirty="0" err="1">
-                <a:solidFill>
-                  <a:srgbClr val="800000"/>
-                </a:solidFill>
-                <a:highlight>
-                  <a:srgbClr val="FFFFFF"/>
-                </a:highlight>
-                <a:latin typeface="Consolas" panose="020B0609020204030204" pitchFamily="49" charset="0"/>
-              </a:rPr>
-              <a:t>ul</a:t>
-            </a:r>
-            <a:r>
-              <a:rPr lang="en-US" sz="1800" dirty="0">
-                <a:solidFill>
-                  <a:srgbClr val="000000"/>
-                </a:solidFill>
-                <a:highlight>
-                  <a:srgbClr val="FFFFFF"/>
-                </a:highlight>
-                <a:latin typeface="Consolas" panose="020B0609020204030204" pitchFamily="49" charset="0"/>
-              </a:rPr>
-              <a:t> </a:t>
-            </a:r>
-            <a:r>
-              <a:rPr lang="en-US" sz="1800" dirty="0">
-                <a:solidFill>
-                  <a:srgbClr val="FF0000"/>
-                </a:solidFill>
-                <a:highlight>
-                  <a:srgbClr val="FFFFFF"/>
-                </a:highlight>
-                <a:latin typeface="Consolas" panose="020B0609020204030204" pitchFamily="49" charset="0"/>
-              </a:rPr>
-              <a:t>class</a:t>
-            </a:r>
-            <a:r>
-              <a:rPr lang="en-US" sz="1800" dirty="0">
-                <a:solidFill>
-                  <a:srgbClr val="0000FF"/>
-                </a:solidFill>
-                <a:highlight>
-                  <a:srgbClr val="FFFFFF"/>
-                </a:highlight>
-                <a:latin typeface="Consolas" panose="020B0609020204030204" pitchFamily="49" charset="0"/>
-              </a:rPr>
-              <a:t>="</a:t>
-            </a:r>
-            <a:r>
-              <a:rPr lang="en-US" sz="1800" dirty="0" err="1">
-                <a:solidFill>
-                  <a:srgbClr val="0000FF"/>
-                </a:solidFill>
-                <a:highlight>
-                  <a:srgbClr val="FFFFFF"/>
-                </a:highlight>
-                <a:latin typeface="Consolas" panose="020B0609020204030204" pitchFamily="49" charset="0"/>
-              </a:rPr>
-              <a:t>nav</a:t>
-            </a:r>
-            <a:r>
-              <a:rPr lang="en-US" sz="1800" dirty="0">
-                <a:solidFill>
-                  <a:srgbClr val="0000FF"/>
-                </a:solidFill>
-                <a:highlight>
-                  <a:srgbClr val="FFFFFF"/>
-                </a:highlight>
-                <a:latin typeface="Consolas" panose="020B0609020204030204" pitchFamily="49" charset="0"/>
-              </a:rPr>
-              <a:t> </a:t>
-            </a:r>
-            <a:r>
-              <a:rPr lang="en-US" sz="1800" dirty="0" err="1">
-                <a:solidFill>
-                  <a:srgbClr val="0000FF"/>
-                </a:solidFill>
-                <a:highlight>
-                  <a:srgbClr val="FFFFFF"/>
-                </a:highlight>
-                <a:latin typeface="Consolas" panose="020B0609020204030204" pitchFamily="49" charset="0"/>
-              </a:rPr>
-              <a:t>nav</a:t>
-            </a:r>
-            <a:r>
-              <a:rPr lang="en-US" sz="1800" dirty="0">
-                <a:solidFill>
-                  <a:srgbClr val="0000FF"/>
-                </a:solidFill>
-                <a:highlight>
-                  <a:srgbClr val="FFFFFF"/>
-                </a:highlight>
-                <a:latin typeface="Consolas" panose="020B0609020204030204" pitchFamily="49" charset="0"/>
-              </a:rPr>
-              <a:t>-tabs"</a:t>
-            </a:r>
-            <a:r>
-              <a:rPr lang="en-US" sz="1800" dirty="0">
-                <a:solidFill>
-                  <a:srgbClr val="000000"/>
-                </a:solidFill>
-                <a:highlight>
-                  <a:srgbClr val="FFFFFF"/>
-                </a:highlight>
-                <a:latin typeface="Consolas" panose="020B0609020204030204" pitchFamily="49" charset="0"/>
-              </a:rPr>
-              <a:t> </a:t>
-            </a:r>
-            <a:r>
-              <a:rPr lang="en-US" sz="1800" dirty="0">
-                <a:solidFill>
-                  <a:srgbClr val="FF0000"/>
-                </a:solidFill>
-                <a:highlight>
-                  <a:srgbClr val="FFFFFF"/>
-                </a:highlight>
-                <a:latin typeface="Consolas" panose="020B0609020204030204" pitchFamily="49" charset="0"/>
-              </a:rPr>
-              <a:t>role</a:t>
-            </a:r>
-            <a:r>
-              <a:rPr lang="en-US" sz="1800" dirty="0">
-                <a:solidFill>
-                  <a:srgbClr val="0000FF"/>
-                </a:solidFill>
-                <a:highlight>
-                  <a:srgbClr val="FFFFFF"/>
-                </a:highlight>
-                <a:latin typeface="Consolas" panose="020B0609020204030204" pitchFamily="49" charset="0"/>
-              </a:rPr>
-              <a:t>="</a:t>
-            </a:r>
-            <a:r>
-              <a:rPr lang="en-US" sz="1800" dirty="0" err="1">
-                <a:solidFill>
-                  <a:srgbClr val="0000FF"/>
-                </a:solidFill>
-                <a:highlight>
-                  <a:srgbClr val="FFFFFF"/>
-                </a:highlight>
-                <a:latin typeface="Consolas" panose="020B0609020204030204" pitchFamily="49" charset="0"/>
-              </a:rPr>
-              <a:t>tablist</a:t>
-            </a:r>
-            <a:r>
-              <a:rPr lang="en-US" sz="1800" dirty="0">
-                <a:solidFill>
-                  <a:srgbClr val="0000FF"/>
-                </a:solidFill>
-                <a:highlight>
-                  <a:srgbClr val="FFFFFF"/>
-                </a:highlight>
-                <a:latin typeface="Consolas" panose="020B0609020204030204" pitchFamily="49" charset="0"/>
-              </a:rPr>
-              <a:t>"&gt;</a:t>
-            </a:r>
-            <a:endParaRPr lang="en-US" sz="1800" dirty="0">
-              <a:solidFill>
-                <a:srgbClr val="000000"/>
-              </a:solidFill>
-              <a:highlight>
-                <a:srgbClr val="FFFFFF"/>
-              </a:highlight>
-              <a:latin typeface="Consolas" panose="020B0609020204030204" pitchFamily="49" charset="0"/>
-            </a:endParaRPr>
-          </a:p>
-          <a:p>
-            <a:pPr marL="0" indent="0">
-              <a:buNone/>
-            </a:pPr>
-            <a:r>
-              <a:rPr lang="en-US" sz="1800" dirty="0" smtClean="0">
-                <a:solidFill>
-                  <a:srgbClr val="0000FF"/>
-                </a:solidFill>
-                <a:highlight>
-                  <a:srgbClr val="FFFFFF"/>
-                </a:highlight>
-                <a:latin typeface="Consolas" panose="020B0609020204030204" pitchFamily="49" charset="0"/>
-              </a:rPr>
-              <a:t>   &lt;</a:t>
-            </a:r>
-            <a:r>
-              <a:rPr lang="en-US" sz="1800" dirty="0">
-                <a:solidFill>
-                  <a:srgbClr val="800000"/>
-                </a:solidFill>
-                <a:highlight>
-                  <a:srgbClr val="FFFFFF"/>
-                </a:highlight>
-                <a:latin typeface="Consolas" panose="020B0609020204030204" pitchFamily="49" charset="0"/>
-              </a:rPr>
-              <a:t>li</a:t>
-            </a:r>
-            <a:r>
-              <a:rPr lang="en-US" sz="1800" dirty="0">
-                <a:solidFill>
-                  <a:srgbClr val="000000"/>
-                </a:solidFill>
-                <a:highlight>
-                  <a:srgbClr val="FFFFFF"/>
-                </a:highlight>
-                <a:latin typeface="Consolas" panose="020B0609020204030204" pitchFamily="49" charset="0"/>
-              </a:rPr>
-              <a:t> </a:t>
-            </a:r>
-            <a:r>
-              <a:rPr lang="en-US" sz="1800" dirty="0">
-                <a:solidFill>
-                  <a:srgbClr val="FF0000"/>
-                </a:solidFill>
-                <a:highlight>
-                  <a:srgbClr val="FFFFFF"/>
-                </a:highlight>
-                <a:latin typeface="Consolas" panose="020B0609020204030204" pitchFamily="49" charset="0"/>
-              </a:rPr>
-              <a:t>class</a:t>
-            </a:r>
-            <a:r>
-              <a:rPr lang="en-US" sz="1800" dirty="0">
-                <a:solidFill>
-                  <a:srgbClr val="0000FF"/>
-                </a:solidFill>
-                <a:highlight>
-                  <a:srgbClr val="FFFFFF"/>
-                </a:highlight>
-                <a:latin typeface="Consolas" panose="020B0609020204030204" pitchFamily="49" charset="0"/>
-              </a:rPr>
-              <a:t>="active"&gt;&lt;</a:t>
-            </a:r>
-            <a:r>
-              <a:rPr lang="en-US" sz="1800" dirty="0">
-                <a:solidFill>
-                  <a:srgbClr val="800000"/>
-                </a:solidFill>
-                <a:highlight>
-                  <a:srgbClr val="FFFFFF"/>
-                </a:highlight>
-                <a:latin typeface="Consolas" panose="020B0609020204030204" pitchFamily="49" charset="0"/>
-              </a:rPr>
-              <a:t>a</a:t>
-            </a:r>
-            <a:r>
-              <a:rPr lang="en-US" sz="1800" dirty="0">
-                <a:solidFill>
-                  <a:srgbClr val="000000"/>
-                </a:solidFill>
-                <a:highlight>
-                  <a:srgbClr val="FFFFFF"/>
-                </a:highlight>
-                <a:latin typeface="Consolas" panose="020B0609020204030204" pitchFamily="49" charset="0"/>
-              </a:rPr>
-              <a:t> </a:t>
-            </a:r>
-            <a:r>
-              <a:rPr lang="en-US" sz="1800" dirty="0" err="1">
-                <a:solidFill>
-                  <a:srgbClr val="FF0000"/>
-                </a:solidFill>
-                <a:highlight>
-                  <a:srgbClr val="FFFFFF"/>
-                </a:highlight>
-                <a:latin typeface="Consolas" panose="020B0609020204030204" pitchFamily="49" charset="0"/>
-              </a:rPr>
-              <a:t>href</a:t>
-            </a:r>
-            <a:r>
-              <a:rPr lang="en-US" sz="1800" dirty="0">
-                <a:solidFill>
-                  <a:srgbClr val="0000FF"/>
-                </a:solidFill>
-                <a:highlight>
-                  <a:srgbClr val="FFFFFF"/>
-                </a:highlight>
-                <a:latin typeface="Consolas" panose="020B0609020204030204" pitchFamily="49" charset="0"/>
-              </a:rPr>
-              <a:t>="#reviews"</a:t>
-            </a:r>
-            <a:r>
-              <a:rPr lang="en-US" sz="1800" dirty="0">
-                <a:solidFill>
-                  <a:srgbClr val="000000"/>
-                </a:solidFill>
-                <a:highlight>
-                  <a:srgbClr val="FFFFFF"/>
-                </a:highlight>
-                <a:latin typeface="Consolas" panose="020B0609020204030204" pitchFamily="49" charset="0"/>
-              </a:rPr>
-              <a:t> </a:t>
-            </a:r>
-            <a:r>
-              <a:rPr lang="en-US" sz="1800" dirty="0">
-                <a:solidFill>
-                  <a:srgbClr val="FF0000"/>
-                </a:solidFill>
-                <a:highlight>
-                  <a:srgbClr val="FFFFFF"/>
-                </a:highlight>
-                <a:latin typeface="Consolas" panose="020B0609020204030204" pitchFamily="49" charset="0"/>
-              </a:rPr>
-              <a:t>role</a:t>
-            </a:r>
-            <a:r>
-              <a:rPr lang="en-US" sz="1800" dirty="0">
-                <a:solidFill>
-                  <a:srgbClr val="0000FF"/>
-                </a:solidFill>
-                <a:highlight>
-                  <a:srgbClr val="FFFFFF"/>
-                </a:highlight>
-                <a:latin typeface="Consolas" panose="020B0609020204030204" pitchFamily="49" charset="0"/>
-              </a:rPr>
-              <a:t>="tab"</a:t>
-            </a:r>
-            <a:r>
-              <a:rPr lang="en-US" sz="1800" dirty="0">
-                <a:solidFill>
-                  <a:srgbClr val="000000"/>
-                </a:solidFill>
-                <a:highlight>
-                  <a:srgbClr val="FFFFFF"/>
-                </a:highlight>
-                <a:latin typeface="Consolas" panose="020B0609020204030204" pitchFamily="49" charset="0"/>
-              </a:rPr>
-              <a:t> </a:t>
-            </a:r>
-            <a:r>
-              <a:rPr lang="en-US" sz="1800" dirty="0">
-                <a:solidFill>
-                  <a:srgbClr val="FF0000"/>
-                </a:solidFill>
-                <a:highlight>
-                  <a:srgbClr val="FFFFFF"/>
-                </a:highlight>
-                <a:latin typeface="Consolas" panose="020B0609020204030204" pitchFamily="49" charset="0"/>
-              </a:rPr>
-              <a:t>data-toggle</a:t>
-            </a:r>
-            <a:r>
-              <a:rPr lang="en-US" sz="1800" dirty="0">
-                <a:solidFill>
-                  <a:srgbClr val="0000FF"/>
-                </a:solidFill>
-                <a:highlight>
-                  <a:srgbClr val="FFFFFF"/>
-                </a:highlight>
-                <a:latin typeface="Consolas" panose="020B0609020204030204" pitchFamily="49" charset="0"/>
-              </a:rPr>
-              <a:t>="tab"&gt;</a:t>
-            </a:r>
-            <a:r>
-              <a:rPr lang="en-US" sz="1800" dirty="0">
-                <a:solidFill>
-                  <a:srgbClr val="000000"/>
-                </a:solidFill>
-                <a:highlight>
-                  <a:srgbClr val="FFFFFF"/>
-                </a:highlight>
-                <a:latin typeface="Consolas" panose="020B0609020204030204" pitchFamily="49" charset="0"/>
-              </a:rPr>
-              <a:t>Reviews</a:t>
-            </a:r>
-            <a:r>
-              <a:rPr lang="en-US" sz="1800" dirty="0">
-                <a:solidFill>
-                  <a:srgbClr val="0000FF"/>
-                </a:solidFill>
-                <a:highlight>
-                  <a:srgbClr val="FFFFFF"/>
-                </a:highlight>
-                <a:latin typeface="Consolas" panose="020B0609020204030204" pitchFamily="49" charset="0"/>
-              </a:rPr>
-              <a:t>&lt;/</a:t>
-            </a:r>
-            <a:r>
-              <a:rPr lang="en-US" sz="1800" dirty="0">
-                <a:solidFill>
-                  <a:srgbClr val="800000"/>
-                </a:solidFill>
-                <a:highlight>
-                  <a:srgbClr val="FFFFFF"/>
-                </a:highlight>
-                <a:latin typeface="Consolas" panose="020B0609020204030204" pitchFamily="49" charset="0"/>
-              </a:rPr>
-              <a:t>a</a:t>
-            </a:r>
-            <a:r>
-              <a:rPr lang="en-US" sz="1800" dirty="0">
-                <a:solidFill>
-                  <a:srgbClr val="0000FF"/>
-                </a:solidFill>
-                <a:highlight>
-                  <a:srgbClr val="FFFFFF"/>
-                </a:highlight>
-                <a:latin typeface="Consolas" panose="020B0609020204030204" pitchFamily="49" charset="0"/>
-              </a:rPr>
-              <a:t>&gt;&lt;/</a:t>
-            </a:r>
-            <a:r>
-              <a:rPr lang="en-US" sz="1800" dirty="0">
-                <a:solidFill>
-                  <a:srgbClr val="800000"/>
-                </a:solidFill>
-                <a:highlight>
-                  <a:srgbClr val="FFFFFF"/>
-                </a:highlight>
-                <a:latin typeface="Consolas" panose="020B0609020204030204" pitchFamily="49" charset="0"/>
-              </a:rPr>
-              <a:t>li</a:t>
-            </a:r>
-            <a:r>
-              <a:rPr lang="en-US" sz="1800" dirty="0">
-                <a:solidFill>
-                  <a:srgbClr val="0000FF"/>
-                </a:solidFill>
-                <a:highlight>
-                  <a:srgbClr val="FFFFFF"/>
-                </a:highlight>
-                <a:latin typeface="Consolas" panose="020B0609020204030204" pitchFamily="49" charset="0"/>
-              </a:rPr>
-              <a:t>&gt;</a:t>
-            </a:r>
-            <a:endParaRPr lang="en-US" sz="1800" dirty="0">
-              <a:solidFill>
-                <a:srgbClr val="000000"/>
-              </a:solidFill>
-              <a:highlight>
-                <a:srgbClr val="FFFFFF"/>
-              </a:highlight>
-              <a:latin typeface="Consolas" panose="020B0609020204030204" pitchFamily="49" charset="0"/>
-            </a:endParaRPr>
-          </a:p>
-          <a:p>
-            <a:pPr marL="0" indent="0">
-              <a:buNone/>
-            </a:pPr>
-            <a:r>
-              <a:rPr lang="it-IT" sz="1800" dirty="0" smtClean="0">
-                <a:solidFill>
-                  <a:srgbClr val="0000FF"/>
-                </a:solidFill>
-                <a:highlight>
-                  <a:srgbClr val="FFFFFF"/>
-                </a:highlight>
-                <a:latin typeface="Consolas" panose="020B0609020204030204" pitchFamily="49" charset="0"/>
-              </a:rPr>
-              <a:t>   &lt;</a:t>
-            </a:r>
-            <a:r>
-              <a:rPr lang="it-IT" sz="1800" dirty="0">
-                <a:solidFill>
-                  <a:srgbClr val="800000"/>
-                </a:solidFill>
-                <a:highlight>
-                  <a:srgbClr val="FFFFFF"/>
-                </a:highlight>
-                <a:latin typeface="Consolas" panose="020B0609020204030204" pitchFamily="49" charset="0"/>
-              </a:rPr>
-              <a:t>li</a:t>
-            </a:r>
-            <a:r>
-              <a:rPr lang="it-IT" sz="1800" dirty="0">
-                <a:solidFill>
-                  <a:srgbClr val="0000FF"/>
-                </a:solidFill>
-                <a:highlight>
-                  <a:srgbClr val="FFFFFF"/>
-                </a:highlight>
-                <a:latin typeface="Consolas" panose="020B0609020204030204" pitchFamily="49" charset="0"/>
-              </a:rPr>
-              <a:t>&gt;&lt;</a:t>
-            </a:r>
-            <a:r>
-              <a:rPr lang="it-IT" sz="1800" dirty="0">
-                <a:solidFill>
-                  <a:srgbClr val="800000"/>
-                </a:solidFill>
-                <a:highlight>
-                  <a:srgbClr val="FFFFFF"/>
-                </a:highlight>
-                <a:latin typeface="Consolas" panose="020B0609020204030204" pitchFamily="49" charset="0"/>
-              </a:rPr>
-              <a:t>a</a:t>
-            </a:r>
-            <a:r>
-              <a:rPr lang="it-IT" sz="1800" dirty="0">
-                <a:solidFill>
-                  <a:srgbClr val="000000"/>
-                </a:solidFill>
-                <a:highlight>
-                  <a:srgbClr val="FFFFFF"/>
-                </a:highlight>
-                <a:latin typeface="Consolas" panose="020B0609020204030204" pitchFamily="49" charset="0"/>
-              </a:rPr>
-              <a:t> </a:t>
-            </a:r>
-            <a:r>
-              <a:rPr lang="it-IT" sz="1800" dirty="0">
-                <a:solidFill>
-                  <a:srgbClr val="FF0000"/>
-                </a:solidFill>
-                <a:highlight>
-                  <a:srgbClr val="FFFFFF"/>
-                </a:highlight>
-                <a:latin typeface="Consolas" panose="020B0609020204030204" pitchFamily="49" charset="0"/>
-              </a:rPr>
-              <a:t>href</a:t>
-            </a:r>
-            <a:r>
-              <a:rPr lang="it-IT" sz="1800" dirty="0">
-                <a:solidFill>
-                  <a:srgbClr val="0000FF"/>
-                </a:solidFill>
-                <a:highlight>
-                  <a:srgbClr val="FFFFFF"/>
-                </a:highlight>
-                <a:latin typeface="Consolas" panose="020B0609020204030204" pitchFamily="49" charset="0"/>
-              </a:rPr>
-              <a:t>="#profile"</a:t>
-            </a:r>
-            <a:r>
-              <a:rPr lang="it-IT" sz="1800" dirty="0">
-                <a:solidFill>
-                  <a:srgbClr val="000000"/>
-                </a:solidFill>
-                <a:highlight>
-                  <a:srgbClr val="FFFFFF"/>
-                </a:highlight>
-                <a:latin typeface="Consolas" panose="020B0609020204030204" pitchFamily="49" charset="0"/>
-              </a:rPr>
-              <a:t> </a:t>
-            </a:r>
-            <a:r>
-              <a:rPr lang="it-IT" sz="1800" dirty="0">
-                <a:solidFill>
-                  <a:srgbClr val="FF0000"/>
-                </a:solidFill>
-                <a:highlight>
-                  <a:srgbClr val="FFFFFF"/>
-                </a:highlight>
-                <a:latin typeface="Consolas" panose="020B0609020204030204" pitchFamily="49" charset="0"/>
-              </a:rPr>
-              <a:t>role</a:t>
-            </a:r>
-            <a:r>
-              <a:rPr lang="it-IT" sz="1800" dirty="0">
-                <a:solidFill>
-                  <a:srgbClr val="0000FF"/>
-                </a:solidFill>
-                <a:highlight>
-                  <a:srgbClr val="FFFFFF"/>
-                </a:highlight>
-                <a:latin typeface="Consolas" panose="020B0609020204030204" pitchFamily="49" charset="0"/>
-              </a:rPr>
-              <a:t>="tab"</a:t>
-            </a:r>
-            <a:r>
-              <a:rPr lang="it-IT" sz="1800" dirty="0">
-                <a:solidFill>
-                  <a:srgbClr val="000000"/>
-                </a:solidFill>
-                <a:highlight>
-                  <a:srgbClr val="FFFFFF"/>
-                </a:highlight>
-                <a:latin typeface="Consolas" panose="020B0609020204030204" pitchFamily="49" charset="0"/>
-              </a:rPr>
-              <a:t> </a:t>
-            </a:r>
-            <a:r>
-              <a:rPr lang="it-IT" sz="1800" dirty="0">
-                <a:solidFill>
-                  <a:srgbClr val="FF0000"/>
-                </a:solidFill>
-                <a:highlight>
-                  <a:srgbClr val="FFFFFF"/>
-                </a:highlight>
-                <a:latin typeface="Consolas" panose="020B0609020204030204" pitchFamily="49" charset="0"/>
-              </a:rPr>
-              <a:t>data-toggle</a:t>
-            </a:r>
-            <a:r>
-              <a:rPr lang="it-IT" sz="1800" dirty="0">
-                <a:solidFill>
-                  <a:srgbClr val="0000FF"/>
-                </a:solidFill>
-                <a:highlight>
-                  <a:srgbClr val="FFFFFF"/>
-                </a:highlight>
-                <a:latin typeface="Consolas" panose="020B0609020204030204" pitchFamily="49" charset="0"/>
-              </a:rPr>
-              <a:t>="tab"&gt;</a:t>
-            </a:r>
-            <a:r>
-              <a:rPr lang="it-IT" sz="1800" dirty="0">
-                <a:solidFill>
-                  <a:srgbClr val="000000"/>
-                </a:solidFill>
-                <a:highlight>
-                  <a:srgbClr val="FFFFFF"/>
-                </a:highlight>
-                <a:latin typeface="Consolas" panose="020B0609020204030204" pitchFamily="49" charset="0"/>
-              </a:rPr>
-              <a:t>Profile</a:t>
-            </a:r>
-            <a:r>
-              <a:rPr lang="it-IT" sz="1800" dirty="0">
-                <a:solidFill>
-                  <a:srgbClr val="0000FF"/>
-                </a:solidFill>
-                <a:highlight>
-                  <a:srgbClr val="FFFFFF"/>
-                </a:highlight>
-                <a:latin typeface="Consolas" panose="020B0609020204030204" pitchFamily="49" charset="0"/>
-              </a:rPr>
-              <a:t>&lt;/</a:t>
-            </a:r>
-            <a:r>
-              <a:rPr lang="it-IT" sz="1800" dirty="0">
-                <a:solidFill>
-                  <a:srgbClr val="800000"/>
-                </a:solidFill>
-                <a:highlight>
-                  <a:srgbClr val="FFFFFF"/>
-                </a:highlight>
-                <a:latin typeface="Consolas" panose="020B0609020204030204" pitchFamily="49" charset="0"/>
-              </a:rPr>
-              <a:t>a</a:t>
-            </a:r>
-            <a:r>
-              <a:rPr lang="it-IT" sz="1800" dirty="0">
-                <a:solidFill>
-                  <a:srgbClr val="0000FF"/>
-                </a:solidFill>
-                <a:highlight>
-                  <a:srgbClr val="FFFFFF"/>
-                </a:highlight>
-                <a:latin typeface="Consolas" panose="020B0609020204030204" pitchFamily="49" charset="0"/>
-              </a:rPr>
-              <a:t>&gt;&lt;/</a:t>
-            </a:r>
-            <a:r>
-              <a:rPr lang="it-IT" sz="1800" dirty="0">
-                <a:solidFill>
-                  <a:srgbClr val="800000"/>
-                </a:solidFill>
-                <a:highlight>
-                  <a:srgbClr val="FFFFFF"/>
-                </a:highlight>
-                <a:latin typeface="Consolas" panose="020B0609020204030204" pitchFamily="49" charset="0"/>
-              </a:rPr>
-              <a:t>li</a:t>
-            </a:r>
-            <a:r>
-              <a:rPr lang="it-IT" sz="1800" dirty="0">
-                <a:solidFill>
-                  <a:srgbClr val="0000FF"/>
-                </a:solidFill>
-                <a:highlight>
-                  <a:srgbClr val="FFFFFF"/>
-                </a:highlight>
-                <a:latin typeface="Consolas" panose="020B0609020204030204" pitchFamily="49" charset="0"/>
-              </a:rPr>
-              <a:t>&gt;</a:t>
-            </a:r>
-            <a:endParaRPr lang="it-IT" sz="1800" dirty="0">
-              <a:solidFill>
-                <a:srgbClr val="000000"/>
-              </a:solidFill>
-              <a:highlight>
-                <a:srgbClr val="FFFFFF"/>
-              </a:highlight>
-              <a:latin typeface="Consolas" panose="020B0609020204030204" pitchFamily="49" charset="0"/>
-            </a:endParaRPr>
-          </a:p>
-          <a:p>
-            <a:pPr marL="0" indent="0">
-              <a:buNone/>
-            </a:pPr>
-            <a:r>
-              <a:rPr lang="en-US" sz="1800" dirty="0" smtClean="0">
-                <a:solidFill>
-                  <a:srgbClr val="0000FF"/>
-                </a:solidFill>
-                <a:highlight>
-                  <a:srgbClr val="FFFFFF"/>
-                </a:highlight>
-                <a:latin typeface="Consolas" panose="020B0609020204030204" pitchFamily="49" charset="0"/>
-              </a:rPr>
-              <a:t>   &lt;</a:t>
-            </a:r>
-            <a:r>
-              <a:rPr lang="en-US" sz="1800" dirty="0">
-                <a:solidFill>
-                  <a:srgbClr val="800000"/>
-                </a:solidFill>
-                <a:highlight>
-                  <a:srgbClr val="FFFFFF"/>
-                </a:highlight>
-                <a:latin typeface="Consolas" panose="020B0609020204030204" pitchFamily="49" charset="0"/>
-              </a:rPr>
-              <a:t>li</a:t>
-            </a:r>
-            <a:r>
-              <a:rPr lang="en-US" sz="1800" dirty="0">
-                <a:solidFill>
-                  <a:srgbClr val="0000FF"/>
-                </a:solidFill>
-                <a:highlight>
-                  <a:srgbClr val="FFFFFF"/>
-                </a:highlight>
-                <a:latin typeface="Consolas" panose="020B0609020204030204" pitchFamily="49" charset="0"/>
-              </a:rPr>
-              <a:t>&gt;&lt;</a:t>
-            </a:r>
-            <a:r>
-              <a:rPr lang="en-US" sz="1800" dirty="0">
-                <a:solidFill>
-                  <a:srgbClr val="800000"/>
-                </a:solidFill>
-                <a:highlight>
-                  <a:srgbClr val="FFFFFF"/>
-                </a:highlight>
-                <a:latin typeface="Consolas" panose="020B0609020204030204" pitchFamily="49" charset="0"/>
-              </a:rPr>
-              <a:t>a</a:t>
-            </a:r>
-            <a:r>
-              <a:rPr lang="en-US" sz="1800" dirty="0">
-                <a:solidFill>
-                  <a:srgbClr val="000000"/>
-                </a:solidFill>
-                <a:highlight>
-                  <a:srgbClr val="FFFFFF"/>
-                </a:highlight>
-                <a:latin typeface="Consolas" panose="020B0609020204030204" pitchFamily="49" charset="0"/>
-              </a:rPr>
-              <a:t> </a:t>
-            </a:r>
-            <a:r>
-              <a:rPr lang="en-US" sz="1800" dirty="0" err="1">
-                <a:solidFill>
-                  <a:srgbClr val="FF0000"/>
-                </a:solidFill>
-                <a:highlight>
-                  <a:srgbClr val="FFFFFF"/>
-                </a:highlight>
-                <a:latin typeface="Consolas" panose="020B0609020204030204" pitchFamily="49" charset="0"/>
-              </a:rPr>
-              <a:t>href</a:t>
-            </a:r>
-            <a:r>
-              <a:rPr lang="en-US" sz="1800" dirty="0">
-                <a:solidFill>
-                  <a:srgbClr val="0000FF"/>
-                </a:solidFill>
-                <a:highlight>
-                  <a:srgbClr val="FFFFFF"/>
-                </a:highlight>
-                <a:latin typeface="Consolas" panose="020B0609020204030204" pitchFamily="49" charset="0"/>
-              </a:rPr>
-              <a:t>="#account"</a:t>
-            </a:r>
-            <a:r>
-              <a:rPr lang="en-US" sz="1800" dirty="0">
-                <a:solidFill>
-                  <a:srgbClr val="000000"/>
-                </a:solidFill>
-                <a:highlight>
-                  <a:srgbClr val="FFFFFF"/>
-                </a:highlight>
-                <a:latin typeface="Consolas" panose="020B0609020204030204" pitchFamily="49" charset="0"/>
-              </a:rPr>
-              <a:t> </a:t>
-            </a:r>
-            <a:r>
-              <a:rPr lang="en-US" sz="1800" dirty="0">
-                <a:solidFill>
-                  <a:srgbClr val="FF0000"/>
-                </a:solidFill>
-                <a:highlight>
-                  <a:srgbClr val="FFFFFF"/>
-                </a:highlight>
-                <a:latin typeface="Consolas" panose="020B0609020204030204" pitchFamily="49" charset="0"/>
-              </a:rPr>
-              <a:t>role</a:t>
-            </a:r>
-            <a:r>
-              <a:rPr lang="en-US" sz="1800" dirty="0">
-                <a:solidFill>
-                  <a:srgbClr val="0000FF"/>
-                </a:solidFill>
-                <a:highlight>
-                  <a:srgbClr val="FFFFFF"/>
-                </a:highlight>
-                <a:latin typeface="Consolas" panose="020B0609020204030204" pitchFamily="49" charset="0"/>
-              </a:rPr>
-              <a:t>="tab"</a:t>
-            </a:r>
-            <a:r>
-              <a:rPr lang="en-US" sz="1800" dirty="0">
-                <a:solidFill>
-                  <a:srgbClr val="000000"/>
-                </a:solidFill>
-                <a:highlight>
-                  <a:srgbClr val="FFFFFF"/>
-                </a:highlight>
-                <a:latin typeface="Consolas" panose="020B0609020204030204" pitchFamily="49" charset="0"/>
-              </a:rPr>
-              <a:t> </a:t>
-            </a:r>
-            <a:r>
-              <a:rPr lang="en-US" sz="1800" dirty="0">
-                <a:solidFill>
-                  <a:srgbClr val="FF0000"/>
-                </a:solidFill>
-                <a:highlight>
-                  <a:srgbClr val="FFFFFF"/>
-                </a:highlight>
-                <a:latin typeface="Consolas" panose="020B0609020204030204" pitchFamily="49" charset="0"/>
-              </a:rPr>
-              <a:t>data-toggle</a:t>
-            </a:r>
-            <a:r>
-              <a:rPr lang="en-US" sz="1800" dirty="0">
-                <a:solidFill>
-                  <a:srgbClr val="0000FF"/>
-                </a:solidFill>
-                <a:highlight>
-                  <a:srgbClr val="FFFFFF"/>
-                </a:highlight>
-                <a:latin typeface="Consolas" panose="020B0609020204030204" pitchFamily="49" charset="0"/>
-              </a:rPr>
-              <a:t>="tab"&gt;</a:t>
-            </a:r>
-            <a:r>
-              <a:rPr lang="en-US" sz="1800" dirty="0">
-                <a:solidFill>
-                  <a:srgbClr val="000000"/>
-                </a:solidFill>
-                <a:highlight>
-                  <a:srgbClr val="FFFFFF"/>
-                </a:highlight>
-                <a:latin typeface="Consolas" panose="020B0609020204030204" pitchFamily="49" charset="0"/>
-              </a:rPr>
-              <a:t>Account</a:t>
-            </a:r>
-            <a:r>
-              <a:rPr lang="en-US" sz="1800" dirty="0">
-                <a:solidFill>
-                  <a:srgbClr val="0000FF"/>
-                </a:solidFill>
-                <a:highlight>
-                  <a:srgbClr val="FFFFFF"/>
-                </a:highlight>
-                <a:latin typeface="Consolas" panose="020B0609020204030204" pitchFamily="49" charset="0"/>
-              </a:rPr>
-              <a:t>&lt;/</a:t>
-            </a:r>
-            <a:r>
-              <a:rPr lang="en-US" sz="1800" dirty="0">
-                <a:solidFill>
-                  <a:srgbClr val="800000"/>
-                </a:solidFill>
-                <a:highlight>
-                  <a:srgbClr val="FFFFFF"/>
-                </a:highlight>
-                <a:latin typeface="Consolas" panose="020B0609020204030204" pitchFamily="49" charset="0"/>
-              </a:rPr>
-              <a:t>a</a:t>
-            </a:r>
-            <a:r>
-              <a:rPr lang="en-US" sz="1800" dirty="0">
-                <a:solidFill>
-                  <a:srgbClr val="0000FF"/>
-                </a:solidFill>
-                <a:highlight>
-                  <a:srgbClr val="FFFFFF"/>
-                </a:highlight>
-                <a:latin typeface="Consolas" panose="020B0609020204030204" pitchFamily="49" charset="0"/>
-              </a:rPr>
-              <a:t>&gt;&lt;/</a:t>
-            </a:r>
-            <a:r>
-              <a:rPr lang="en-US" sz="1800" dirty="0">
-                <a:solidFill>
-                  <a:srgbClr val="800000"/>
-                </a:solidFill>
-                <a:highlight>
-                  <a:srgbClr val="FFFFFF"/>
-                </a:highlight>
-                <a:latin typeface="Consolas" panose="020B0609020204030204" pitchFamily="49" charset="0"/>
-              </a:rPr>
-              <a:t>li</a:t>
-            </a:r>
-            <a:r>
-              <a:rPr lang="en-US" sz="1800" dirty="0">
-                <a:solidFill>
-                  <a:srgbClr val="0000FF"/>
-                </a:solidFill>
-                <a:highlight>
-                  <a:srgbClr val="FFFFFF"/>
-                </a:highlight>
-                <a:latin typeface="Consolas" panose="020B0609020204030204" pitchFamily="49" charset="0"/>
-              </a:rPr>
-              <a:t>&gt;</a:t>
-            </a:r>
-            <a:endParaRPr lang="en-US" sz="1800" dirty="0">
-              <a:solidFill>
-                <a:srgbClr val="000000"/>
-              </a:solidFill>
-              <a:highlight>
-                <a:srgbClr val="FFFFFF"/>
-              </a:highlight>
-              <a:latin typeface="Consolas" panose="020B0609020204030204" pitchFamily="49" charset="0"/>
-            </a:endParaRPr>
-          </a:p>
-          <a:p>
-            <a:pPr marL="0" indent="0">
-              <a:buNone/>
-            </a:pPr>
-            <a:r>
-              <a:rPr lang="en-US" sz="1800" dirty="0">
-                <a:solidFill>
-                  <a:srgbClr val="0000FF"/>
-                </a:solidFill>
-                <a:highlight>
-                  <a:srgbClr val="FFFFFF"/>
-                </a:highlight>
-                <a:latin typeface="Consolas" panose="020B0609020204030204" pitchFamily="49" charset="0"/>
-              </a:rPr>
-              <a:t>&lt;/</a:t>
-            </a:r>
-            <a:r>
-              <a:rPr lang="en-US" sz="1800" dirty="0" err="1">
-                <a:solidFill>
-                  <a:srgbClr val="800000"/>
-                </a:solidFill>
-                <a:highlight>
-                  <a:srgbClr val="FFFFFF"/>
-                </a:highlight>
-                <a:latin typeface="Consolas" panose="020B0609020204030204" pitchFamily="49" charset="0"/>
-              </a:rPr>
-              <a:t>ul</a:t>
-            </a:r>
-            <a:r>
-              <a:rPr lang="en-US" sz="1800" dirty="0">
-                <a:solidFill>
-                  <a:srgbClr val="0000FF"/>
-                </a:solidFill>
-                <a:highlight>
-                  <a:srgbClr val="FFFFFF"/>
-                </a:highlight>
-                <a:latin typeface="Consolas" panose="020B0609020204030204" pitchFamily="49" charset="0"/>
-              </a:rPr>
-              <a:t>&gt;</a:t>
-            </a:r>
-            <a:endParaRPr lang="en-US" sz="1800" dirty="0" smtClean="0"/>
-          </a:p>
-          <a:p>
-            <a:r>
-              <a:rPr lang="en-US" dirty="0" smtClean="0"/>
-              <a:t>Create tab content</a:t>
-            </a:r>
-          </a:p>
-          <a:p>
-            <a:pPr marL="0" indent="0">
-              <a:buNone/>
-            </a:pPr>
-            <a:r>
-              <a:rPr lang="en-US" sz="1800" dirty="0">
-                <a:solidFill>
-                  <a:srgbClr val="0000FF"/>
-                </a:solidFill>
-                <a:highlight>
-                  <a:srgbClr val="FFFFFF"/>
-                </a:highlight>
-                <a:latin typeface="Consolas" panose="020B0609020204030204" pitchFamily="49" charset="0"/>
-              </a:rPr>
-              <a:t>&lt;</a:t>
-            </a:r>
-            <a:r>
-              <a:rPr lang="en-US" sz="1800" dirty="0">
-                <a:solidFill>
-                  <a:srgbClr val="800000"/>
-                </a:solidFill>
-                <a:highlight>
-                  <a:srgbClr val="FFFFFF"/>
-                </a:highlight>
-                <a:latin typeface="Consolas" panose="020B0609020204030204" pitchFamily="49" charset="0"/>
-              </a:rPr>
-              <a:t>div</a:t>
-            </a:r>
-            <a:r>
-              <a:rPr lang="en-US" sz="1800" dirty="0">
-                <a:solidFill>
-                  <a:srgbClr val="000000"/>
-                </a:solidFill>
-                <a:highlight>
-                  <a:srgbClr val="FFFFFF"/>
-                </a:highlight>
-                <a:latin typeface="Consolas" panose="020B0609020204030204" pitchFamily="49" charset="0"/>
-              </a:rPr>
-              <a:t> </a:t>
-            </a:r>
-            <a:r>
-              <a:rPr lang="en-US" sz="1800" dirty="0">
-                <a:solidFill>
-                  <a:srgbClr val="FF0000"/>
-                </a:solidFill>
-                <a:highlight>
-                  <a:srgbClr val="FFFFFF"/>
-                </a:highlight>
-                <a:latin typeface="Consolas" panose="020B0609020204030204" pitchFamily="49" charset="0"/>
-              </a:rPr>
-              <a:t>class</a:t>
-            </a:r>
-            <a:r>
-              <a:rPr lang="en-US" sz="1800" dirty="0">
-                <a:solidFill>
-                  <a:srgbClr val="0000FF"/>
-                </a:solidFill>
-                <a:highlight>
-                  <a:srgbClr val="FFFFFF"/>
-                </a:highlight>
-                <a:latin typeface="Consolas" panose="020B0609020204030204" pitchFamily="49" charset="0"/>
-              </a:rPr>
-              <a:t>="tab-pane"</a:t>
-            </a:r>
-            <a:r>
-              <a:rPr lang="en-US" sz="1800" dirty="0">
-                <a:solidFill>
-                  <a:srgbClr val="000000"/>
-                </a:solidFill>
-                <a:highlight>
-                  <a:srgbClr val="FFFFFF"/>
-                </a:highlight>
-                <a:latin typeface="Consolas" panose="020B0609020204030204" pitchFamily="49" charset="0"/>
-              </a:rPr>
-              <a:t> </a:t>
-            </a:r>
-            <a:r>
-              <a:rPr lang="en-US" sz="1800" dirty="0">
-                <a:solidFill>
-                  <a:srgbClr val="FF0000"/>
-                </a:solidFill>
-                <a:highlight>
-                  <a:srgbClr val="FFFFFF"/>
-                </a:highlight>
-                <a:latin typeface="Consolas" panose="020B0609020204030204" pitchFamily="49" charset="0"/>
-              </a:rPr>
-              <a:t>id</a:t>
-            </a:r>
-            <a:r>
-              <a:rPr lang="en-US" sz="1800" dirty="0" smtClean="0">
-                <a:solidFill>
-                  <a:srgbClr val="0000FF"/>
-                </a:solidFill>
-                <a:highlight>
-                  <a:srgbClr val="FFFFFF"/>
-                </a:highlight>
-                <a:latin typeface="Consolas" panose="020B0609020204030204" pitchFamily="49" charset="0"/>
-              </a:rPr>
-              <a:t>="reviews"&gt;</a:t>
-            </a:r>
-            <a:r>
-              <a:rPr lang="en-US" sz="1800" dirty="0" smtClean="0">
-                <a:solidFill>
-                  <a:srgbClr val="000000"/>
-                </a:solidFill>
-                <a:highlight>
-                  <a:srgbClr val="FFFFFF"/>
-                </a:highlight>
-                <a:latin typeface="Consolas" panose="020B0609020204030204" pitchFamily="49" charset="0"/>
-              </a:rPr>
-              <a:t>...</a:t>
-            </a:r>
-            <a:r>
-              <a:rPr lang="en-US" sz="1800" dirty="0" smtClean="0">
-                <a:solidFill>
-                  <a:srgbClr val="0000FF"/>
-                </a:solidFill>
-                <a:highlight>
-                  <a:srgbClr val="FFFFFF"/>
-                </a:highlight>
-                <a:latin typeface="Consolas" panose="020B0609020204030204" pitchFamily="49" charset="0"/>
-              </a:rPr>
-              <a:t>&lt;/</a:t>
-            </a:r>
-            <a:r>
-              <a:rPr lang="en-US" sz="1800" dirty="0">
-                <a:solidFill>
-                  <a:srgbClr val="800000"/>
-                </a:solidFill>
-                <a:highlight>
-                  <a:srgbClr val="FFFFFF"/>
-                </a:highlight>
-                <a:latin typeface="Consolas" panose="020B0609020204030204" pitchFamily="49" charset="0"/>
-              </a:rPr>
-              <a:t>div</a:t>
-            </a:r>
-            <a:r>
-              <a:rPr lang="en-US" sz="1800" dirty="0">
-                <a:solidFill>
-                  <a:srgbClr val="0000FF"/>
-                </a:solidFill>
-                <a:highlight>
-                  <a:srgbClr val="FFFFFF"/>
-                </a:highlight>
-                <a:latin typeface="Consolas" panose="020B0609020204030204" pitchFamily="49" charset="0"/>
-              </a:rPr>
-              <a:t>&gt;</a:t>
-            </a:r>
-            <a:endParaRPr lang="en-US" sz="1800" dirty="0">
-              <a:solidFill>
-                <a:srgbClr val="000000"/>
-              </a:solidFill>
-              <a:highlight>
-                <a:srgbClr val="FFFFFF"/>
-              </a:highlight>
-              <a:latin typeface="Consolas" panose="020B0609020204030204" pitchFamily="49" charset="0"/>
-            </a:endParaRPr>
-          </a:p>
-          <a:p>
-            <a:pPr marL="0" indent="0">
-              <a:buNone/>
-            </a:pPr>
-            <a:r>
-              <a:rPr lang="en-US" sz="1800" dirty="0">
-                <a:solidFill>
-                  <a:srgbClr val="0000FF"/>
-                </a:solidFill>
-                <a:highlight>
-                  <a:srgbClr val="FFFFFF"/>
-                </a:highlight>
-                <a:latin typeface="Consolas" panose="020B0609020204030204" pitchFamily="49" charset="0"/>
-              </a:rPr>
-              <a:t>&lt;</a:t>
-            </a:r>
-            <a:r>
-              <a:rPr lang="en-US" sz="1800" dirty="0">
-                <a:solidFill>
-                  <a:srgbClr val="800000"/>
-                </a:solidFill>
-                <a:highlight>
-                  <a:srgbClr val="FFFFFF"/>
-                </a:highlight>
-                <a:latin typeface="Consolas" panose="020B0609020204030204" pitchFamily="49" charset="0"/>
-              </a:rPr>
-              <a:t>div</a:t>
-            </a:r>
-            <a:r>
-              <a:rPr lang="en-US" sz="1800" dirty="0">
-                <a:solidFill>
-                  <a:srgbClr val="000000"/>
-                </a:solidFill>
-                <a:highlight>
-                  <a:srgbClr val="FFFFFF"/>
-                </a:highlight>
-                <a:latin typeface="Consolas" panose="020B0609020204030204" pitchFamily="49" charset="0"/>
-              </a:rPr>
-              <a:t> </a:t>
-            </a:r>
-            <a:r>
-              <a:rPr lang="en-US" sz="1800" dirty="0">
-                <a:solidFill>
-                  <a:srgbClr val="FF0000"/>
-                </a:solidFill>
-                <a:highlight>
-                  <a:srgbClr val="FFFFFF"/>
-                </a:highlight>
-                <a:latin typeface="Consolas" panose="020B0609020204030204" pitchFamily="49" charset="0"/>
-              </a:rPr>
-              <a:t>class</a:t>
-            </a:r>
-            <a:r>
-              <a:rPr lang="en-US" sz="1800" dirty="0">
-                <a:solidFill>
-                  <a:srgbClr val="0000FF"/>
-                </a:solidFill>
-                <a:highlight>
-                  <a:srgbClr val="FFFFFF"/>
-                </a:highlight>
-                <a:latin typeface="Consolas" panose="020B0609020204030204" pitchFamily="49" charset="0"/>
-              </a:rPr>
-              <a:t>="tab-pane"</a:t>
-            </a:r>
-            <a:r>
-              <a:rPr lang="en-US" sz="1800" dirty="0">
-                <a:solidFill>
-                  <a:srgbClr val="000000"/>
-                </a:solidFill>
-                <a:highlight>
-                  <a:srgbClr val="FFFFFF"/>
-                </a:highlight>
-                <a:latin typeface="Consolas" panose="020B0609020204030204" pitchFamily="49" charset="0"/>
-              </a:rPr>
-              <a:t> </a:t>
-            </a:r>
-            <a:r>
-              <a:rPr lang="en-US" sz="1800" dirty="0">
-                <a:solidFill>
-                  <a:srgbClr val="FF0000"/>
-                </a:solidFill>
-                <a:highlight>
-                  <a:srgbClr val="FFFFFF"/>
-                </a:highlight>
-                <a:latin typeface="Consolas" panose="020B0609020204030204" pitchFamily="49" charset="0"/>
-              </a:rPr>
-              <a:t>id</a:t>
-            </a:r>
-            <a:r>
-              <a:rPr lang="en-US" sz="1800" dirty="0" smtClean="0">
-                <a:solidFill>
-                  <a:srgbClr val="0000FF"/>
-                </a:solidFill>
-                <a:highlight>
-                  <a:srgbClr val="FFFFFF"/>
-                </a:highlight>
-                <a:latin typeface="Consolas" panose="020B0609020204030204" pitchFamily="49" charset="0"/>
-              </a:rPr>
-              <a:t>="profile"&gt;</a:t>
-            </a:r>
-            <a:r>
-              <a:rPr lang="en-US" sz="1800" dirty="0" smtClean="0">
-                <a:solidFill>
-                  <a:srgbClr val="000000"/>
-                </a:solidFill>
-                <a:highlight>
-                  <a:srgbClr val="FFFFFF"/>
-                </a:highlight>
-                <a:latin typeface="Consolas" panose="020B0609020204030204" pitchFamily="49" charset="0"/>
-              </a:rPr>
-              <a:t>...</a:t>
-            </a:r>
-            <a:r>
-              <a:rPr lang="en-US" sz="1800" dirty="0" smtClean="0">
-                <a:solidFill>
-                  <a:srgbClr val="0000FF"/>
-                </a:solidFill>
-                <a:highlight>
-                  <a:srgbClr val="FFFFFF"/>
-                </a:highlight>
-                <a:latin typeface="Consolas" panose="020B0609020204030204" pitchFamily="49" charset="0"/>
-              </a:rPr>
-              <a:t>&lt;/</a:t>
-            </a:r>
-            <a:r>
-              <a:rPr lang="en-US" sz="1800" dirty="0">
-                <a:solidFill>
-                  <a:srgbClr val="800000"/>
-                </a:solidFill>
-                <a:highlight>
-                  <a:srgbClr val="FFFFFF"/>
-                </a:highlight>
-                <a:latin typeface="Consolas" panose="020B0609020204030204" pitchFamily="49" charset="0"/>
-              </a:rPr>
-              <a:t>div</a:t>
-            </a:r>
-            <a:r>
-              <a:rPr lang="en-US" sz="1800" dirty="0">
-                <a:solidFill>
-                  <a:srgbClr val="0000FF"/>
-                </a:solidFill>
-                <a:highlight>
-                  <a:srgbClr val="FFFFFF"/>
-                </a:highlight>
-                <a:latin typeface="Consolas" panose="020B0609020204030204" pitchFamily="49" charset="0"/>
-              </a:rPr>
-              <a:t>&gt;</a:t>
-            </a:r>
-            <a:endParaRPr lang="en-US" sz="1800" dirty="0">
-              <a:solidFill>
-                <a:srgbClr val="000000"/>
-              </a:solidFill>
-              <a:highlight>
-                <a:srgbClr val="FFFFFF"/>
-              </a:highlight>
-              <a:latin typeface="Consolas" panose="020B0609020204030204" pitchFamily="49" charset="0"/>
-            </a:endParaRPr>
-          </a:p>
-          <a:p>
-            <a:pPr marL="0" indent="0">
-              <a:buNone/>
-            </a:pPr>
-            <a:r>
-              <a:rPr lang="en-US" sz="1800" dirty="0">
-                <a:solidFill>
-                  <a:srgbClr val="0000FF"/>
-                </a:solidFill>
-                <a:highlight>
-                  <a:srgbClr val="FFFFFF"/>
-                </a:highlight>
-                <a:latin typeface="Consolas" panose="020B0609020204030204" pitchFamily="49" charset="0"/>
-              </a:rPr>
-              <a:t>&lt;</a:t>
-            </a:r>
-            <a:r>
-              <a:rPr lang="en-US" sz="1800" dirty="0">
-                <a:solidFill>
-                  <a:srgbClr val="800000"/>
-                </a:solidFill>
-                <a:highlight>
-                  <a:srgbClr val="FFFFFF"/>
-                </a:highlight>
-                <a:latin typeface="Consolas" panose="020B0609020204030204" pitchFamily="49" charset="0"/>
-              </a:rPr>
-              <a:t>div</a:t>
-            </a:r>
-            <a:r>
-              <a:rPr lang="en-US" sz="1800" dirty="0">
-                <a:solidFill>
-                  <a:srgbClr val="000000"/>
-                </a:solidFill>
-                <a:highlight>
-                  <a:srgbClr val="FFFFFF"/>
-                </a:highlight>
-                <a:latin typeface="Consolas" panose="020B0609020204030204" pitchFamily="49" charset="0"/>
-              </a:rPr>
-              <a:t> </a:t>
-            </a:r>
-            <a:r>
-              <a:rPr lang="en-US" sz="1800" dirty="0">
-                <a:solidFill>
-                  <a:srgbClr val="FF0000"/>
-                </a:solidFill>
-                <a:highlight>
-                  <a:srgbClr val="FFFFFF"/>
-                </a:highlight>
-                <a:latin typeface="Consolas" panose="020B0609020204030204" pitchFamily="49" charset="0"/>
-              </a:rPr>
-              <a:t>class</a:t>
-            </a:r>
-            <a:r>
-              <a:rPr lang="en-US" sz="1800" dirty="0">
-                <a:solidFill>
-                  <a:srgbClr val="0000FF"/>
-                </a:solidFill>
-                <a:highlight>
-                  <a:srgbClr val="FFFFFF"/>
-                </a:highlight>
-                <a:latin typeface="Consolas" panose="020B0609020204030204" pitchFamily="49" charset="0"/>
-              </a:rPr>
-              <a:t>="tab-pane"</a:t>
-            </a:r>
-            <a:r>
-              <a:rPr lang="en-US" sz="1800" dirty="0">
-                <a:solidFill>
-                  <a:srgbClr val="000000"/>
-                </a:solidFill>
-                <a:highlight>
-                  <a:srgbClr val="FFFFFF"/>
-                </a:highlight>
-                <a:latin typeface="Consolas" panose="020B0609020204030204" pitchFamily="49" charset="0"/>
-              </a:rPr>
-              <a:t> </a:t>
-            </a:r>
-            <a:r>
-              <a:rPr lang="en-US" sz="1800" dirty="0">
-                <a:solidFill>
-                  <a:srgbClr val="FF0000"/>
-                </a:solidFill>
-                <a:highlight>
-                  <a:srgbClr val="FFFFFF"/>
-                </a:highlight>
-                <a:latin typeface="Consolas" panose="020B0609020204030204" pitchFamily="49" charset="0"/>
-              </a:rPr>
-              <a:t>id</a:t>
-            </a:r>
-            <a:r>
-              <a:rPr lang="en-US" sz="1800" dirty="0" smtClean="0">
-                <a:solidFill>
-                  <a:srgbClr val="0000FF"/>
-                </a:solidFill>
-                <a:highlight>
-                  <a:srgbClr val="FFFFFF"/>
-                </a:highlight>
-                <a:latin typeface="Consolas" panose="020B0609020204030204" pitchFamily="49" charset="0"/>
-              </a:rPr>
-              <a:t>="account"&gt;</a:t>
-            </a:r>
-            <a:r>
-              <a:rPr lang="en-US" sz="1800" dirty="0" smtClean="0">
-                <a:solidFill>
-                  <a:srgbClr val="000000"/>
-                </a:solidFill>
-                <a:highlight>
-                  <a:srgbClr val="FFFFFF"/>
-                </a:highlight>
-                <a:latin typeface="Consolas" panose="020B0609020204030204" pitchFamily="49" charset="0"/>
-              </a:rPr>
-              <a:t>...</a:t>
-            </a:r>
-            <a:r>
-              <a:rPr lang="en-US" sz="1800" dirty="0" smtClean="0">
-                <a:solidFill>
-                  <a:srgbClr val="0000FF"/>
-                </a:solidFill>
-                <a:highlight>
-                  <a:srgbClr val="FFFFFF"/>
-                </a:highlight>
-                <a:latin typeface="Consolas" panose="020B0609020204030204" pitchFamily="49" charset="0"/>
-              </a:rPr>
-              <a:t>&lt;/</a:t>
-            </a:r>
-            <a:r>
-              <a:rPr lang="en-US" sz="1800" dirty="0">
-                <a:solidFill>
-                  <a:srgbClr val="800000"/>
-                </a:solidFill>
-                <a:highlight>
-                  <a:srgbClr val="FFFFFF"/>
-                </a:highlight>
-                <a:latin typeface="Consolas" panose="020B0609020204030204" pitchFamily="49" charset="0"/>
-              </a:rPr>
-              <a:t>div</a:t>
-            </a:r>
-            <a:r>
-              <a:rPr lang="en-US" sz="1800" dirty="0">
-                <a:solidFill>
-                  <a:srgbClr val="0000FF"/>
-                </a:solidFill>
-                <a:highlight>
-                  <a:srgbClr val="FFFFFF"/>
-                </a:highlight>
-                <a:latin typeface="Consolas" panose="020B0609020204030204" pitchFamily="49" charset="0"/>
-              </a:rPr>
-              <a:t>&gt;</a:t>
-            </a:r>
-            <a:endParaRPr lang="en-US" sz="1800" dirty="0" smtClean="0"/>
           </a:p>
         </p:txBody>
       </p:sp>
     </p:spTree>
     <p:extLst>
       <p:ext uri="{BB962C8B-B14F-4D97-AF65-F5344CB8AC3E}">
-        <p14:creationId xmlns:p14="http://schemas.microsoft.com/office/powerpoint/2010/main" val="457134712"/>
+        <p14:creationId xmlns:p14="http://schemas.microsoft.com/office/powerpoint/2010/main" val="2654479863"/>
       </p:ext>
     </p:extLst>
   </p:cSld>
@@ -5768,7 +6477,7 @@
       </p:grpSpPr>
       <p:sp>
         <p:nvSpPr>
-          <p:cNvPr id="4" name="Title 3"/>
+          <p:cNvPr id="2" name="Title 1"/>
           <p:cNvSpPr>
             <a:spLocks noGrp="1"/>
           </p:cNvSpPr>
@@ -5783,7 +6492,7 @@
           <a:p>
             <a:r>
               <a:rPr lang="en-US" dirty="0" smtClean="0"/>
-              <a:t>Adding Tabs</a:t>
+              <a:t>Nesting Columns</a:t>
             </a:r>
             <a:endParaRPr lang="en-US" dirty="0"/>
           </a:p>
@@ -5792,7 +6501,7 @@
     </p:spTree>
     <p:extLst>
       <p:ext uri="{BB962C8B-B14F-4D97-AF65-F5344CB8AC3E}">
-        <p14:creationId xmlns:p14="http://schemas.microsoft.com/office/powerpoint/2010/main" val="4012509195"/>
+        <p14:creationId xmlns:p14="http://schemas.microsoft.com/office/powerpoint/2010/main" val="378111240"/>
       </p:ext>
     </p:extLst>
   </p:cSld>
@@ -5828,7 +6537,7 @@
       </p:grpSpPr>
       <p:sp>
         <p:nvSpPr>
-          <p:cNvPr id="3" name="Title 2"/>
+          <p:cNvPr id="2" name="Title 1"/>
           <p:cNvSpPr>
             <a:spLocks noGrp="1"/>
           </p:cNvSpPr>
@@ -5842,8 +6551,8 @@
           <a:lstStyle/>
           <a:p>
             <a:r>
-              <a:rPr lang="en-US" dirty="0" err="1" smtClean="0"/>
-              <a:t>Scrollspy</a:t>
+              <a:rPr lang="en-US" dirty="0" smtClean="0"/>
+              <a:t>Site Design</a:t>
             </a:r>
             <a:endParaRPr lang="en-US" dirty="0"/>
           </a:p>
@@ -5851,43 +6560,421 @@
       </p:sp>
       <p:sp>
         <p:nvSpPr>
-          <p:cNvPr id="4" name="Content Placeholder 3"/>
-          <p:cNvSpPr>
-            <a:spLocks noGrp="1"/>
-          </p:cNvSpPr>
-          <p:nvPr>
-            <p:ph sz="quarter" idx="10"/>
-          </p:nvPr>
+          <p:cNvPr id="4" name="Rectangle 3"/>
+          <p:cNvSpPr/>
+          <p:nvPr/>
         </p:nvSpPr>
-        <p:spPr/>
+        <p:spPr>
+          <a:xfrm>
+            <a:off x="379514" y="1245702"/>
+            <a:ext cx="11401154" cy="5057444"/>
+          </a:xfrm>
+          <a:prstGeom prst="rect">
+            <a:avLst/>
+          </a:prstGeom>
+        </p:spPr>
+        <p:style>
+          <a:lnRef idx="2">
+            <a:schemeClr val="accent5"/>
+          </a:lnRef>
+          <a:fillRef idx="1">
+            <a:schemeClr val="lt1"/>
+          </a:fillRef>
+          <a:effectRef idx="0">
+            <a:schemeClr val="accent5"/>
+          </a:effectRef>
+          <a:fontRef idx="minor">
+            <a:schemeClr val="dk1"/>
+          </a:fontRef>
+        </p:style>
         <p:txBody>
-          <a:bodyPr/>
+          <a:bodyPr rtlCol="0" anchor="ctr"/>
           <a:lstStyle/>
           <a:p>
+            <a:pPr algn="ctr"/>
+            <a:endParaRPr lang="en-US"/>
+          </a:p>
+        </p:txBody>
+      </p:sp>
+      <p:sp>
+        <p:nvSpPr>
+          <p:cNvPr id="5" name="Rounded Rectangle 4"/>
+          <p:cNvSpPr/>
+          <p:nvPr/>
+        </p:nvSpPr>
+        <p:spPr>
+          <a:xfrm>
+            <a:off x="772357" y="1518082"/>
+            <a:ext cx="10422385" cy="941033"/>
+          </a:xfrm>
+          <a:prstGeom prst="roundRect">
+            <a:avLst/>
+          </a:prstGeom>
+        </p:spPr>
+        <p:style>
+          <a:lnRef idx="1">
+            <a:schemeClr val="accent4"/>
+          </a:lnRef>
+          <a:fillRef idx="2">
+            <a:schemeClr val="accent4"/>
+          </a:fillRef>
+          <a:effectRef idx="1">
+            <a:schemeClr val="accent4"/>
+          </a:effectRef>
+          <a:fontRef idx="minor">
+            <a:schemeClr val="dk1"/>
+          </a:fontRef>
+        </p:style>
+        <p:txBody>
+          <a:bodyPr rtlCol="0" anchor="ctr"/>
+          <a:lstStyle/>
+          <a:p>
+            <a:pPr algn="ctr"/>
+            <a:r>
+              <a:rPr lang="en-US" sz="3200" dirty="0" smtClean="0"/>
+              <a:t>Banner</a:t>
+            </a:r>
+            <a:endParaRPr lang="en-US" sz="3200" dirty="0"/>
+          </a:p>
+        </p:txBody>
+      </p:sp>
+      <p:sp>
+        <p:nvSpPr>
+          <p:cNvPr id="6" name="Rounded Rectangle 5"/>
+          <p:cNvSpPr/>
+          <p:nvPr/>
+        </p:nvSpPr>
+        <p:spPr>
+          <a:xfrm>
+            <a:off x="772358" y="2581569"/>
+            <a:ext cx="1455938" cy="1138175"/>
+          </a:xfrm>
+          <a:prstGeom prst="roundRect">
+            <a:avLst/>
+          </a:prstGeom>
+        </p:spPr>
+        <p:style>
+          <a:lnRef idx="1">
+            <a:schemeClr val="accent3"/>
+          </a:lnRef>
+          <a:fillRef idx="2">
+            <a:schemeClr val="accent3"/>
+          </a:fillRef>
+          <a:effectRef idx="1">
+            <a:schemeClr val="accent3"/>
+          </a:effectRef>
+          <a:fontRef idx="minor">
+            <a:schemeClr val="dk1"/>
+          </a:fontRef>
+        </p:style>
+        <p:txBody>
+          <a:bodyPr rtlCol="0" anchor="ctr"/>
+          <a:lstStyle/>
+          <a:p>
+            <a:pPr algn="ctr"/>
+            <a:r>
+              <a:rPr lang="en-US" sz="2400" dirty="0" smtClean="0"/>
+              <a:t>Cover Art</a:t>
+            </a:r>
+            <a:endParaRPr lang="en-US" sz="2400" dirty="0"/>
+          </a:p>
+        </p:txBody>
+      </p:sp>
+      <p:sp>
+        <p:nvSpPr>
+          <p:cNvPr id="7" name="Rounded Rectangle 6"/>
+          <p:cNvSpPr/>
+          <p:nvPr/>
+        </p:nvSpPr>
+        <p:spPr>
+          <a:xfrm>
+            <a:off x="2621140" y="2581569"/>
+            <a:ext cx="8573602" cy="1138175"/>
+          </a:xfrm>
+          <a:prstGeom prst="roundRect">
+            <a:avLst/>
+          </a:prstGeom>
+        </p:spPr>
+        <p:style>
+          <a:lnRef idx="1">
+            <a:schemeClr val="accent3"/>
+          </a:lnRef>
+          <a:fillRef idx="2">
+            <a:schemeClr val="accent3"/>
+          </a:fillRef>
+          <a:effectRef idx="1">
+            <a:schemeClr val="accent3"/>
+          </a:effectRef>
+          <a:fontRef idx="minor">
+            <a:schemeClr val="dk1"/>
+          </a:fontRef>
+        </p:style>
+        <p:txBody>
+          <a:bodyPr rtlCol="0" anchor="ctr"/>
+          <a:lstStyle/>
+          <a:p>
+            <a:pPr algn="ctr"/>
+            <a:r>
+              <a:rPr lang="en-US" sz="2400" dirty="0" smtClean="0"/>
+              <a:t>Title</a:t>
+            </a:r>
+          </a:p>
+          <a:p>
+            <a:pPr algn="ctr"/>
+            <a:r>
+              <a:rPr lang="en-US" sz="2400" dirty="0" smtClean="0"/>
+              <a:t>Artist</a:t>
+            </a:r>
+          </a:p>
+          <a:p>
+            <a:pPr algn="ctr"/>
+            <a:r>
+              <a:rPr lang="en-US" sz="2400" dirty="0" smtClean="0"/>
+              <a:t>Bio</a:t>
+            </a:r>
+            <a:endParaRPr lang="en-US" sz="2400" dirty="0"/>
+          </a:p>
+        </p:txBody>
+      </p:sp>
+      <p:sp>
+        <p:nvSpPr>
+          <p:cNvPr id="8" name="Rounded Rectangle 7"/>
+          <p:cNvSpPr/>
+          <p:nvPr/>
+        </p:nvSpPr>
+        <p:spPr>
+          <a:xfrm>
+            <a:off x="4820575" y="3867526"/>
+            <a:ext cx="6374167" cy="2278956"/>
+          </a:xfrm>
+          <a:prstGeom prst="roundRect">
+            <a:avLst/>
+          </a:prstGeom>
+        </p:spPr>
+        <p:style>
+          <a:lnRef idx="1">
+            <a:schemeClr val="accent5"/>
+          </a:lnRef>
+          <a:fillRef idx="2">
+            <a:schemeClr val="accent5"/>
+          </a:fillRef>
+          <a:effectRef idx="1">
+            <a:schemeClr val="accent5"/>
+          </a:effectRef>
+          <a:fontRef idx="minor">
+            <a:schemeClr val="dk1"/>
+          </a:fontRef>
+        </p:style>
+        <p:txBody>
+          <a:bodyPr rtlCol="0" anchor="ctr"/>
+          <a:lstStyle/>
+          <a:p>
+            <a:pPr algn="ctr"/>
+            <a:endParaRPr lang="en-US" sz="2400" dirty="0"/>
+          </a:p>
+        </p:txBody>
+      </p:sp>
+      <p:sp>
+        <p:nvSpPr>
+          <p:cNvPr id="9" name="Rounded Rectangle 8"/>
+          <p:cNvSpPr/>
+          <p:nvPr/>
+        </p:nvSpPr>
+        <p:spPr>
+          <a:xfrm>
+            <a:off x="5154226" y="4026024"/>
+            <a:ext cx="3764132" cy="1970843"/>
+          </a:xfrm>
+          <a:prstGeom prst="roundRect">
+            <a:avLst/>
+          </a:prstGeom>
+        </p:spPr>
+        <p:style>
+          <a:lnRef idx="2">
+            <a:schemeClr val="accent5">
+              <a:shade val="50000"/>
+            </a:schemeClr>
+          </a:lnRef>
+          <a:fillRef idx="1">
+            <a:schemeClr val="accent5"/>
+          </a:fillRef>
+          <a:effectRef idx="0">
+            <a:schemeClr val="accent5"/>
+          </a:effectRef>
+          <a:fontRef idx="minor">
+            <a:schemeClr val="lt1"/>
+          </a:fontRef>
+        </p:style>
+        <p:txBody>
+          <a:bodyPr rtlCol="0" anchor="ctr"/>
+          <a:lstStyle/>
+          <a:p>
+            <a:pPr algn="ctr"/>
             <a:r>
               <a:rPr lang="en-US" dirty="0" smtClean="0"/>
-              <a:t>"Advanced tabs"</a:t>
-            </a:r>
-          </a:p>
-          <a:p>
+              <a:t>Track</a:t>
+            </a:r>
+          </a:p>
+          <a:p>
+            <a:pPr algn="ctr"/>
             <a:r>
               <a:rPr lang="en-US" dirty="0" smtClean="0"/>
-              <a:t>Tabs follow as the user scrolls</a:t>
-            </a:r>
-          </a:p>
-          <a:p>
-            <a:pPr lvl="1"/>
+              <a:t>Track</a:t>
+            </a:r>
+          </a:p>
+          <a:p>
+            <a:pPr algn="ctr"/>
             <a:r>
               <a:rPr lang="en-US" dirty="0" smtClean="0"/>
-              <a:t>Perfect for large amounts of text</a:t>
-            </a:r>
+              <a:t>Track</a:t>
+            </a:r>
+          </a:p>
+          <a:p>
+            <a:pPr algn="ctr"/>
+            <a:r>
+              <a:rPr lang="en-US" dirty="0" smtClean="0"/>
+              <a:t>Track</a:t>
+            </a:r>
+          </a:p>
+          <a:p>
+            <a:pPr algn="ctr"/>
+            <a:r>
+              <a:rPr lang="en-US" dirty="0" smtClean="0"/>
+              <a:t>Track</a:t>
+            </a:r>
+            <a:endParaRPr lang="en-US" dirty="0"/>
+          </a:p>
+        </p:txBody>
+      </p:sp>
+      <p:sp>
+        <p:nvSpPr>
+          <p:cNvPr id="11" name="Rounded Rectangle 10"/>
+          <p:cNvSpPr/>
+          <p:nvPr/>
+        </p:nvSpPr>
+        <p:spPr>
+          <a:xfrm>
+            <a:off x="9149178" y="4026023"/>
+            <a:ext cx="1853954" cy="1970843"/>
+          </a:xfrm>
+          <a:prstGeom prst="roundRect">
+            <a:avLst/>
+          </a:prstGeom>
+        </p:spPr>
+        <p:style>
+          <a:lnRef idx="2">
+            <a:schemeClr val="accent5">
+              <a:shade val="50000"/>
+            </a:schemeClr>
+          </a:lnRef>
+          <a:fillRef idx="1">
+            <a:schemeClr val="accent5"/>
+          </a:fillRef>
+          <a:effectRef idx="0">
+            <a:schemeClr val="accent5"/>
+          </a:effectRef>
+          <a:fontRef idx="minor">
+            <a:schemeClr val="lt1"/>
+          </a:fontRef>
+        </p:style>
+        <p:txBody>
+          <a:bodyPr rtlCol="0" anchor="ctr"/>
+          <a:lstStyle/>
+          <a:p>
+            <a:pPr algn="ctr"/>
+            <a:r>
+              <a:rPr lang="en-US" dirty="0" smtClean="0"/>
+              <a:t>Time</a:t>
+            </a:r>
+          </a:p>
+          <a:p>
+            <a:pPr algn="ctr"/>
+            <a:r>
+              <a:rPr lang="en-US" dirty="0" smtClean="0"/>
+              <a:t>Time</a:t>
+            </a:r>
+          </a:p>
+          <a:p>
+            <a:pPr algn="ctr"/>
+            <a:r>
+              <a:rPr lang="en-US" dirty="0" smtClean="0"/>
+              <a:t>Time</a:t>
+            </a:r>
+          </a:p>
+          <a:p>
+            <a:pPr algn="ctr"/>
+            <a:r>
+              <a:rPr lang="en-US" dirty="0" smtClean="0"/>
+              <a:t>Time</a:t>
+            </a:r>
+          </a:p>
+          <a:p>
+            <a:pPr algn="ctr"/>
+            <a:r>
+              <a:rPr lang="en-US" dirty="0" smtClean="0"/>
+              <a:t>Time</a:t>
+            </a:r>
+            <a:endParaRPr lang="en-US" dirty="0"/>
+          </a:p>
+        </p:txBody>
+      </p:sp>
+      <p:sp>
+        <p:nvSpPr>
+          <p:cNvPr id="12" name="Rounded Rectangle 11"/>
+          <p:cNvSpPr/>
+          <p:nvPr/>
+        </p:nvSpPr>
+        <p:spPr>
+          <a:xfrm>
+            <a:off x="811567" y="3842198"/>
+            <a:ext cx="3817398" cy="2278956"/>
+          </a:xfrm>
+          <a:prstGeom prst="roundRect">
+            <a:avLst/>
+          </a:prstGeom>
+        </p:spPr>
+        <p:style>
+          <a:lnRef idx="1">
+            <a:schemeClr val="accent5"/>
+          </a:lnRef>
+          <a:fillRef idx="2">
+            <a:schemeClr val="accent5"/>
+          </a:fillRef>
+          <a:effectRef idx="1">
+            <a:schemeClr val="accent5"/>
+          </a:effectRef>
+          <a:fontRef idx="minor">
+            <a:schemeClr val="dk1"/>
+          </a:fontRef>
+        </p:style>
+        <p:txBody>
+          <a:bodyPr rtlCol="0" anchor="ctr"/>
+          <a:lstStyle/>
+          <a:p>
+            <a:pPr algn="ctr"/>
+            <a:r>
+              <a:rPr lang="en-US" sz="2400" dirty="0" smtClean="0"/>
+              <a:t>Expert Review</a:t>
+            </a:r>
+          </a:p>
+          <a:p>
+            <a:pPr algn="ctr"/>
+            <a:endParaRPr lang="en-US" sz="2400" dirty="0"/>
+          </a:p>
+          <a:p>
+            <a:pPr algn="ctr"/>
+            <a:endParaRPr lang="en-US" sz="2400" dirty="0" smtClean="0"/>
+          </a:p>
+          <a:p>
+            <a:pPr algn="ctr"/>
+            <a:endParaRPr lang="en-US" sz="2400" dirty="0"/>
           </a:p>
         </p:txBody>
       </p:sp>
     </p:spTree>
     <p:extLst>
       <p:ext uri="{BB962C8B-B14F-4D97-AF65-F5344CB8AC3E}">
-        <p14:creationId xmlns:p14="http://schemas.microsoft.com/office/powerpoint/2010/main" val="2923861116"/>
+        <p14:creationId xmlns:p14="http://schemas.microsoft.com/office/powerpoint/2010/main" val="2849538467"/>
       </p:ext>
     </p:extLst>
   </p:cSld>
@@ -5923,7 +7010,7 @@
       </p:grpSpPr>
       <p:sp>
         <p:nvSpPr>
-          <p:cNvPr id="2" name="Title 1"/>
+          <p:cNvPr id="3" name="Title 2"/>
           <p:cNvSpPr>
             <a:spLocks noGrp="1"/>
           </p:cNvSpPr>
@@ -5937,12 +7024,85 @@
           <a:lstStyle/>
           <a:p>
             <a:r>
-              <a:rPr lang="en-US" dirty="0" err="1" smtClean="0"/>
-              <a:t>Scrollspy</a:t>
-            </a:r>
-            <a:r>
               <a:rPr lang="en-US" dirty="0" smtClean="0"/>
-              <a:t> vs Tabs</a:t>
+              <a:t>Controlling Placement</a:t>
+            </a:r>
+            <a:endParaRPr lang="en-US" dirty="0"/>
+          </a:p>
+        </p:txBody>
+      </p:sp>
+      <p:sp>
+        <p:nvSpPr>
+          <p:cNvPr id="4" name="Content Placeholder 3"/>
+          <p:cNvSpPr>
+            <a:spLocks noGrp="1"/>
+          </p:cNvSpPr>
+          <p:nvPr>
+            <p:ph sz="quarter" idx="10"/>
+          </p:nvPr>
+        </p:nvSpPr>
+        <p:spPr/>
+        <p:txBody>
+          <a:bodyPr/>
+          <a:lstStyle/>
+          <a:p>
+            <a:r>
+              <a:rPr lang="en-US" dirty="0" smtClean="0"/>
+              <a:t>Offset</a:t>
+            </a:r>
+          </a:p>
+          <a:p>
+            <a:pPr lvl="1"/>
+            <a:r>
+              <a:rPr lang="en-US" dirty="0" smtClean="0"/>
+              <a:t>Flows in order</a:t>
+            </a:r>
+          </a:p>
+          <a:p>
+            <a:pPr lvl="1"/>
+            <a:r>
+              <a:rPr lang="en-US" dirty="0" smtClean="0"/>
+              <a:t>Leaves specified columns blank</a:t>
+            </a:r>
+          </a:p>
+          <a:p>
+            <a:r>
+              <a:rPr lang="en-US" dirty="0" smtClean="0"/>
+              <a:t>Pull</a:t>
+            </a:r>
+          </a:p>
+          <a:p>
+            <a:pPr lvl="1"/>
+            <a:r>
+              <a:rPr lang="en-US" dirty="0" smtClean="0"/>
+              <a:t>Move an item to the left</a:t>
+            </a:r>
+          </a:p>
+          <a:p>
+            <a:pPr lvl="1"/>
+            <a:r>
+              <a:rPr lang="en-US" dirty="0" smtClean="0"/>
+              <a:t>Allows the item to be specified later than flow</a:t>
+            </a:r>
+          </a:p>
+          <a:p>
+            <a:r>
+              <a:rPr lang="en-US" dirty="0" smtClean="0"/>
+              <a:t>Push</a:t>
+            </a:r>
+          </a:p>
+          <a:p>
+            <a:pPr lvl="1"/>
+            <a:r>
+              <a:rPr lang="en-US" dirty="0" smtClean="0"/>
+              <a:t>Move an item to the right</a:t>
+            </a:r>
+          </a:p>
+          <a:p>
+            <a:pPr lvl="1"/>
+            <a:r>
+              <a:rPr lang="en-US" dirty="0" smtClean="0"/>
+              <a:t>Allows the item to be specified earlier than flow</a:t>
             </a:r>
             <a:endParaRPr lang="en-US" dirty="0"/>
           </a:p>
@@ -5951,7 +7111,7 @@
     </p:spTree>
     <p:extLst>
       <p:ext uri="{BB962C8B-B14F-4D97-AF65-F5344CB8AC3E}">
-        <p14:creationId xmlns:p14="http://schemas.microsoft.com/office/powerpoint/2010/main" val="658525142"/>
+        <p14:creationId xmlns:p14="http://schemas.microsoft.com/office/powerpoint/2010/main" val="758968781"/>
       </p:ext>
     </p:extLst>
   </p:cSld>
@@ -5987,7 +7147,7 @@
       </p:grpSpPr>
       <p:sp>
         <p:nvSpPr>
-          <p:cNvPr id="3" name="Title 2"/>
+          <p:cNvPr id="4" name="Title 3"/>
           <p:cNvSpPr>
             <a:spLocks noGrp="1"/>
           </p:cNvSpPr>
@@ -6002,59 +7162,16 @@
           <a:p>
             <a:r>
               <a:rPr lang="en-US" dirty="0" smtClean="0"/>
-              <a:t>Accordion</a:t>
+              <a:t>Controlling Placement</a:t>
             </a:r>
             <a:endParaRPr lang="en-US" dirty="0"/>
-          </a:p>
-        </p:txBody>
-      </p:sp>
-      <p:sp>
-        <p:nvSpPr>
-          <p:cNvPr id="4" name="Content Placeholder 3"/>
-          <p:cNvSpPr>
-            <a:spLocks noGrp="1"/>
-          </p:cNvSpPr>
-          <p:nvPr>
-            <p:ph sz="quarter" idx="10"/>
-          </p:nvPr>
-        </p:nvSpPr>
-        <p:spPr/>
-        <p:txBody>
-          <a:bodyPr/>
-          <a:lstStyle/>
-          <a:p>
-            <a:r>
-              <a:rPr lang="en-US" dirty="0" smtClean="0"/>
-              <a:t>Cross between </a:t>
-            </a:r>
-            <a:r>
-              <a:rPr lang="en-US" dirty="0" err="1" smtClean="0"/>
-              <a:t>Scrollspy</a:t>
-            </a:r>
-            <a:r>
-              <a:rPr lang="en-US" dirty="0" smtClean="0"/>
-              <a:t> and tabs</a:t>
-            </a:r>
-          </a:p>
-          <a:p>
-            <a:r>
-              <a:rPr lang="en-US" dirty="0" smtClean="0"/>
-              <a:t>Only one section at a time</a:t>
-            </a:r>
-          </a:p>
-          <a:p>
-            <a:pPr lvl="1"/>
-            <a:r>
-              <a:rPr lang="en-US" dirty="0" smtClean="0"/>
-              <a:t>Perfect for a paged form</a:t>
-            </a:r>
           </a:p>
         </p:txBody>
       </p:sp>
     </p:spTree>
     <p:extLst>
       <p:ext uri="{BB962C8B-B14F-4D97-AF65-F5344CB8AC3E}">
-        <p14:creationId xmlns:p14="http://schemas.microsoft.com/office/powerpoint/2010/main" val="1149970081"/>
+        <p14:creationId xmlns:p14="http://schemas.microsoft.com/office/powerpoint/2010/main" val="3764842506"/>
       </p:ext>
     </p:extLst>
   </p:cSld>
@@ -6362,6 +7479,15 @@
 </file>
 
 <file path=customXml/item1.xml><?xml version="1.0" encoding="utf-8"?>
+<?mso-contentType ?>
+<FormTemplates xmlns="http://schemas.microsoft.com/sharepoint/v3/contenttype/forms">
+  <Display>DocumentLibraryForm</Display>
+  <Edit>DocumentLibraryForm</Edit>
+  <New>DocumentLibraryForm</New>
+</FormTemplates>
+</file>
+
+<file path=customXml/item2.xml><?xml version="1.0" encoding="utf-8"?>
 <ct:contentTypeSchema xmlns:ct="http://schemas.microsoft.com/office/2006/metadata/contentType" xmlns:ma="http://schemas.microsoft.com/office/2006/metadata/properties/metaAttributes" ct:_="" ma:_="" ma:contentTypeName="Document" ma:contentTypeID="0x010100A9B9146463917044969030790F8D7E1F" ma:contentTypeVersion="1" ma:contentTypeDescription="Create a new document." ma:contentTypeScope="" ma:versionID="88cb810aac341a62f87e1e4b3de4b413">
   <xsd:schema xmlns:xsd="http://www.w3.org/2001/XMLSchema" xmlns:xs="http://www.w3.org/2001/XMLSchema" xmlns:p="http://schemas.microsoft.com/office/2006/metadata/properties" xmlns:ns3="239b4775-11ac-4188-ac69-b5b775bb2155" targetNamespace="http://schemas.microsoft.com/office/2006/metadata/properties" ma:root="true" ma:fieldsID="a6232b10dbb3dfcaf3920bb7009c4722" ns3:_="">
     <xsd:import namespace="239b4775-11ac-4188-ac69-b5b775bb2155"/>
@@ -6501,15 +7627,6 @@
 </ct:contentTypeSchema>
 </file>
 
-<file path=customXml/item2.xml><?xml version="1.0" encoding="utf-8"?>
-<?mso-contentType ?>
-<FormTemplates xmlns="http://schemas.microsoft.com/sharepoint/v3/contenttype/forms">
-  <Display>DocumentLibraryForm</Display>
-  <Edit>DocumentLibraryForm</Edit>
-  <New>DocumentLibraryForm</New>
-</FormTemplates>
-</file>
-
 <file path=customXml/item3.xml><?xml version="1.0" encoding="utf-8"?>
 <p:properties xmlns:p="http://schemas.microsoft.com/office/2006/metadata/properties" xmlns:xsi="http://www.w3.org/2001/XMLSchema-instance" xmlns:pc="http://schemas.microsoft.com/office/infopath/2007/PartnerControls">
   <documentManagement/>
@@ -6517,6 +7634,14 @@
 </file>
 
 <file path=customXml/itemProps1.xml><?xml version="1.0" encoding="utf-8"?>
+<ds:datastoreItem xmlns:ds="http://schemas.openxmlformats.org/officeDocument/2006/customXml" ds:itemID="{90F66304-B63B-4DC3-9FE6-FB0A9E17CD06}">
+  <ds:schemaRefs>
+    <ds:schemaRef ds:uri="http://schemas.microsoft.com/sharepoint/v3/contenttype/forms"/>
+  </ds:schemaRefs>
+</ds:datastoreItem>
+</file>
+
+<file path=customXml/itemProps2.xml><?xml version="1.0" encoding="utf-8"?>
 <ds:datastoreItem xmlns:ds="http://schemas.openxmlformats.org/officeDocument/2006/customXml" ds:itemID="{64076F6A-F6B4-41FD-BEBD-B0826AC555FB}">
   <ds:schemaRefs>
     <ds:schemaRef ds:uri="http://schemas.microsoft.com/office/2006/metadata/contentType"/>
@@ -6530,14 +7655,6 @@
     <ds:schemaRef ds:uri="http://purl.org/dc/elements/1.1/"/>
     <ds:schemaRef ds:uri="http://purl.org/dc/terms/"/>
     <ds:schemaRef ds:uri="http://schemas.microsoft.com/internal/obd"/>
-  </ds:schemaRefs>
-</ds:datastoreItem>
-</file>
-
-<file path=customXml/itemProps2.xml><?xml version="1.0" encoding="utf-8"?>
-<ds:datastoreItem xmlns:ds="http://schemas.openxmlformats.org/officeDocument/2006/customXml" ds:itemID="{90F66304-B63B-4DC3-9FE6-FB0A9E17CD06}">
-  <ds:schemaRefs>
-    <ds:schemaRef ds:uri="http://schemas.microsoft.com/sharepoint/v3/contenttype/forms"/>
   </ds:schemaRefs>
 </ds:datastoreItem>
 </file>
